--- a/EuNPC/eunpc.pptx
+++ b/EuNPC/eunpc.pptx
@@ -6,7 +6,7 @@
     <p:sldMasterId id="2147483653" r:id="rId2"/>
   </p:sldMasterIdLst>
   <p:notesMasterIdLst>
-    <p:notesMasterId r:id="rId21"/>
+    <p:notesMasterId r:id="rId26"/>
   </p:notesMasterIdLst>
   <p:sldIdLst>
     <p:sldId id="256" r:id="rId6"/>
@@ -24,6 +24,11 @@
     <p:sldId id="268" r:id="rId18"/>
     <p:sldId id="269" r:id="rId19"/>
     <p:sldId id="270" r:id="rId20"/>
+    <p:sldId id="271" r:id="rId21"/>
+    <p:sldId id="272" r:id="rId22"/>
+    <p:sldId id="273" r:id="rId23"/>
+    <p:sldId id="274" r:id="rId24"/>
+    <p:sldId id="275" r:id="rId25"/>
   </p:sldIdLst>
   <p:sldSz cx="12192000" cy="6858000"/>
   <p:notesSz cx="6858000" cy="9144000"/>
@@ -151,7 +156,7 @@
       </p:grpSpPr>
       <p:sp>
         <p:nvSpPr>
-          <p:cNvPr id="1096881562" name="Marcador de encabezado 1"/>
+          <p:cNvPr id="1167954565" name="Marcador de encabezado 1"/>
           <p:cNvSpPr txBox="1">
             <a:spLocks noGrp="1"/>
           </p:cNvSpPr>
@@ -206,7 +211,7 @@
       </p:sp>
       <p:sp>
         <p:nvSpPr>
-          <p:cNvPr id="350312193" name="Marcador de fecha 2"/>
+          <p:cNvPr id="1613035267" name="Marcador de fecha 2"/>
           <p:cNvSpPr txBox="1">
             <a:spLocks noGrp="1"/>
           </p:cNvSpPr>
@@ -265,7 +270,7 @@
       </p:sp>
       <p:sp>
         <p:nvSpPr>
-          <p:cNvPr id="1839920651" name="Marcador de imagen de diapositiva 3"/>
+          <p:cNvPr id="139595312" name="Marcador de imagen de diapositiva 3"/>
           <p:cNvSpPr>
             <a:spLocks noChangeAspect="1" noGrp="1" noRot="1"/>
           </p:cNvSpPr>
@@ -292,7 +297,7 @@
       </p:sp>
       <p:sp>
         <p:nvSpPr>
-          <p:cNvPr id="1098132106" name="Marcador de notas 4"/>
+          <p:cNvPr id="1280054396" name="Marcador de notas 4"/>
           <p:cNvSpPr txBox="1">
             <a:spLocks noGrp="1"/>
           </p:cNvSpPr>
@@ -372,7 +377,7 @@
       </p:sp>
       <p:sp>
         <p:nvSpPr>
-          <p:cNvPr id="1991248673" name="Marcador de pie de página 5"/>
+          <p:cNvPr id="1937616277" name="Marcador de pie de página 5"/>
           <p:cNvSpPr txBox="1">
             <a:spLocks noGrp="1"/>
           </p:cNvSpPr>
@@ -427,7 +432,7 @@
       </p:sp>
       <p:sp>
         <p:nvSpPr>
-          <p:cNvPr id="910178360" name="Marcador de número de diapositiva 6"/>
+          <p:cNvPr id="1285263932" name="Marcador de número de diapositiva 6"/>
           <p:cNvSpPr txBox="1">
             <a:spLocks noGrp="1"/>
           </p:cNvSpPr>
@@ -642,7 +647,7 @@
       </p:grpSpPr>
       <p:sp>
         <p:nvSpPr>
-          <p:cNvPr id="911060588" name="Slide Image Placeholder 1"/>
+          <p:cNvPr id="1112918159" name="Slide Image Placeholder 1"/>
           <p:cNvSpPr>
             <a:spLocks noChangeAspect="1" noGrp="1" noRot="1"/>
           </p:cNvSpPr>
@@ -654,7 +659,7 @@
       </p:sp>
       <p:sp>
         <p:nvSpPr>
-          <p:cNvPr id="1517674683" name="Notes Placeholder 2"/>
+          <p:cNvPr id="1686908937" name="Notes Placeholder 2"/>
           <p:cNvSpPr>
             <a:spLocks noGrp="1"/>
           </p:cNvSpPr>
@@ -676,7 +681,7 @@
       </p:sp>
       <p:sp>
         <p:nvSpPr>
-          <p:cNvPr id="1824233850" name="Slide Number Placeholder 3"/>
+          <p:cNvPr id="1763636649" name="Slide Number Placeholder 3"/>
           <p:cNvSpPr>
             <a:spLocks noGrp="1"/>
           </p:cNvSpPr>
@@ -727,7 +732,7 @@
       </p:grpSpPr>
       <p:sp>
         <p:nvSpPr>
-          <p:cNvPr id="1814542207" name="Slide Image Placeholder 1"/>
+          <p:cNvPr id="847957326" name="Slide Image Placeholder 1"/>
           <p:cNvSpPr>
             <a:spLocks noChangeAspect="1" noGrp="1" noRot="1"/>
           </p:cNvSpPr>
@@ -739,7 +744,7 @@
       </p:sp>
       <p:sp>
         <p:nvSpPr>
-          <p:cNvPr id="1791458038" name="Notes Placeholder 2"/>
+          <p:cNvPr id="105502008" name="Notes Placeholder 2"/>
           <p:cNvSpPr>
             <a:spLocks noGrp="1"/>
           </p:cNvSpPr>
@@ -761,7 +766,7 @@
       </p:sp>
       <p:sp>
         <p:nvSpPr>
-          <p:cNvPr id="913265057" name="Slide Number Placeholder 3"/>
+          <p:cNvPr id="533865097" name="Slide Number Placeholder 3"/>
           <p:cNvSpPr>
             <a:spLocks noGrp="1"/>
           </p:cNvSpPr>
@@ -812,7 +817,7 @@
       </p:grpSpPr>
       <p:sp>
         <p:nvSpPr>
-          <p:cNvPr id="21310944" name="Slide Image Placeholder 1"/>
+          <p:cNvPr id="1905073188" name="Slide Image Placeholder 1"/>
           <p:cNvSpPr>
             <a:spLocks noChangeAspect="1" noGrp="1" noRot="1"/>
           </p:cNvSpPr>
@@ -824,7 +829,7 @@
       </p:sp>
       <p:sp>
         <p:nvSpPr>
-          <p:cNvPr id="2128032108" name="Notes Placeholder 2"/>
+          <p:cNvPr id="741041622" name="Notes Placeholder 2"/>
           <p:cNvSpPr>
             <a:spLocks noGrp="1"/>
           </p:cNvSpPr>
@@ -846,7 +851,7 @@
       </p:sp>
       <p:sp>
         <p:nvSpPr>
-          <p:cNvPr id="218347571" name="Slide Number Placeholder 3"/>
+          <p:cNvPr id="58671999" name="Slide Number Placeholder 3"/>
           <p:cNvSpPr>
             <a:spLocks noGrp="1"/>
           </p:cNvSpPr>
@@ -897,7 +902,7 @@
       </p:grpSpPr>
       <p:sp>
         <p:nvSpPr>
-          <p:cNvPr id="2" name="Slide Image Placeholder 1"/>
+          <p:cNvPr id="1197507002" name="Slide Image Placeholder 1"/>
           <p:cNvSpPr>
             <a:spLocks noChangeAspect="1" noGrp="1" noRot="1"/>
           </p:cNvSpPr>
@@ -909,7 +914,7 @@
       </p:sp>
       <p:sp>
         <p:nvSpPr>
-          <p:cNvPr id="3" name="Notes Placeholder 2"/>
+          <p:cNvPr id="724215013" name="Notes Placeholder 2"/>
           <p:cNvSpPr>
             <a:spLocks noGrp="1"/>
           </p:cNvSpPr>
@@ -931,7 +936,7 @@
       </p:sp>
       <p:sp>
         <p:nvSpPr>
-          <p:cNvPr id="4" name="Slide Number Placeholder 3"/>
+          <p:cNvPr id="1585778277" name="Slide Number Placeholder 3"/>
           <p:cNvSpPr>
             <a:spLocks noGrp="1"/>
           </p:cNvSpPr>
@@ -982,7 +987,7 @@
       </p:grpSpPr>
       <p:sp>
         <p:nvSpPr>
-          <p:cNvPr id="2" name="Slide Image Placeholder 1"/>
+          <p:cNvPr id="783378730" name="Slide Image Placeholder 1"/>
           <p:cNvSpPr>
             <a:spLocks noChangeAspect="1" noGrp="1" noRot="1"/>
           </p:cNvSpPr>
@@ -994,7 +999,7 @@
       </p:sp>
       <p:sp>
         <p:nvSpPr>
-          <p:cNvPr id="3" name="Notes Placeholder 2"/>
+          <p:cNvPr id="550725293" name="Notes Placeholder 2"/>
           <p:cNvSpPr>
             <a:spLocks noGrp="1"/>
           </p:cNvSpPr>
@@ -1016,7 +1021,7 @@
       </p:sp>
       <p:sp>
         <p:nvSpPr>
-          <p:cNvPr id="4" name="Slide Number Placeholder 3"/>
+          <p:cNvPr id="947636812" name="Slide Number Placeholder 3"/>
           <p:cNvSpPr>
             <a:spLocks noGrp="1"/>
           </p:cNvSpPr>
@@ -1067,7 +1072,7 @@
       </p:grpSpPr>
       <p:sp>
         <p:nvSpPr>
-          <p:cNvPr id="2101062618" name="Slide Image Placeholder 1"/>
+          <p:cNvPr id="1753926846" name="Slide Image Placeholder 1"/>
           <p:cNvSpPr>
             <a:spLocks noChangeAspect="1" noGrp="1" noRot="1"/>
           </p:cNvSpPr>
@@ -1079,7 +1084,7 @@
       </p:sp>
       <p:sp>
         <p:nvSpPr>
-          <p:cNvPr id="1686333169" name="Notes Placeholder 2"/>
+          <p:cNvPr id="710221528" name="Notes Placeholder 2"/>
           <p:cNvSpPr>
             <a:spLocks noGrp="1"/>
           </p:cNvSpPr>
@@ -1101,7 +1106,7 @@
       </p:sp>
       <p:sp>
         <p:nvSpPr>
-          <p:cNvPr id="421016921" name="Slide Number Placeholder 3"/>
+          <p:cNvPr id="2033459187" name="Slide Number Placeholder 3"/>
           <p:cNvSpPr>
             <a:spLocks noGrp="1"/>
           </p:cNvSpPr>
@@ -1117,7 +1122,7 @@
             <a:pPr>
               <a:defRPr/>
             </a:pPr>
-            <a:fld id="{2AC5B76C-DD23-4FCB-003C-D52A04CFB43A}" type="slidenum">
+            <a:fld id="{BAFDE146-4325-3D76-A31E-74B8B7133E05}" type="slidenum">
               <a:rPr/>
               <a:t/>
             </a:fld>
@@ -1152,7 +1157,7 @@
       </p:grpSpPr>
       <p:sp>
         <p:nvSpPr>
-          <p:cNvPr id="1202500696" name="Slide Image Placeholder 1"/>
+          <p:cNvPr id="147848065" name="Slide Image Placeholder 1"/>
           <p:cNvSpPr>
             <a:spLocks noChangeAspect="1" noGrp="1" noRot="1"/>
           </p:cNvSpPr>
@@ -1164,7 +1169,7 @@
       </p:sp>
       <p:sp>
         <p:nvSpPr>
-          <p:cNvPr id="1494308538" name="Notes Placeholder 2"/>
+          <p:cNvPr id="1691884537" name="Notes Placeholder 2"/>
           <p:cNvSpPr>
             <a:spLocks noGrp="1"/>
           </p:cNvSpPr>
@@ -1186,7 +1191,7 @@
       </p:sp>
       <p:sp>
         <p:nvSpPr>
-          <p:cNvPr id="1462597855" name="Slide Number Placeholder 3"/>
+          <p:cNvPr id="1396562085" name="Slide Number Placeholder 3"/>
           <p:cNvSpPr>
             <a:spLocks noGrp="1"/>
           </p:cNvSpPr>
@@ -1202,7 +1207,347 @@
             <a:pPr>
               <a:defRPr/>
             </a:pPr>
-            <a:fld id="{865F0A82-757B-D1BA-3449-0B5164A8F7BC}" type="slidenum">
+            <a:fld id="{81AD46BF-C0EE-1538-D3F7-85A171712E09}" type="slidenum">
+              <a:rPr/>
+              <a:t/>
+            </a:fld>
+            <a:endParaRPr/>
+          </a:p>
+        </p:txBody>
+      </p:sp>
+    </p:spTree>
+  </p:cSld>
+  <p:clrMapOvr>
+    <a:masterClrMapping/>
+  </p:clrMapOvr>
+</p:notes>
+</file>
+
+<file path=ppt/notesSlides/notesSlide16.xml><?xml version="1.0" encoding="utf-8"?>
+<p:notes xmlns:a="http://schemas.openxmlformats.org/drawingml/2006/main" xmlns:r="http://schemas.openxmlformats.org/officeDocument/2006/relationships" xmlns:p="http://schemas.openxmlformats.org/presentationml/2006/main" xmlns:m="http://schemas.openxmlformats.org/officeDocument/2006/math" xmlns:w="http://schemas.openxmlformats.org/wordprocessingml/2006/main">
+  <p:cSld name="">
+    <p:spTree>
+      <p:nvGrpSpPr>
+        <p:cNvPr id="1" name=""/>
+        <p:cNvGrpSpPr/>
+        <p:nvPr/>
+      </p:nvGrpSpPr>
+      <p:grpSpPr bwMode="auto">
+        <a:xfrm>
+          <a:off x="0" y="0"/>
+          <a:ext cx="0" cy="0"/>
+          <a:chOff x="0" y="0"/>
+          <a:chExt cx="0" cy="0"/>
+        </a:xfrm>
+      </p:grpSpPr>
+      <p:sp>
+        <p:nvSpPr>
+          <p:cNvPr id="1958500319" name="Slide Image Placeholder 1"/>
+          <p:cNvSpPr>
+            <a:spLocks noChangeAspect="1" noGrp="1" noRot="1"/>
+          </p:cNvSpPr>
+          <p:nvPr>
+            <p:ph type="sldImg"/>
+          </p:nvPr>
+        </p:nvSpPr>
+        <p:spPr bwMode="auto"/>
+      </p:sp>
+      <p:sp>
+        <p:nvSpPr>
+          <p:cNvPr id="2118843908" name="Notes Placeholder 2"/>
+          <p:cNvSpPr>
+            <a:spLocks noGrp="1"/>
+          </p:cNvSpPr>
+          <p:nvPr>
+            <p:ph type="body" idx="1"/>
+          </p:nvPr>
+        </p:nvSpPr>
+        <p:spPr bwMode="auto"/>
+        <p:txBody>
+          <a:bodyPr/>
+          <a:lstStyle/>
+          <a:p>
+            <a:pPr>
+              <a:defRPr/>
+            </a:pPr>
+            <a:endParaRPr/>
+          </a:p>
+        </p:txBody>
+      </p:sp>
+      <p:sp>
+        <p:nvSpPr>
+          <p:cNvPr id="411312176" name="Slide Number Placeholder 3"/>
+          <p:cNvSpPr>
+            <a:spLocks noGrp="1"/>
+          </p:cNvSpPr>
+          <p:nvPr>
+            <p:ph type="sldNum" sz="quarter" idx="10"/>
+          </p:nvPr>
+        </p:nvSpPr>
+        <p:spPr bwMode="auto"/>
+        <p:txBody>
+          <a:bodyPr/>
+          <a:lstStyle/>
+          <a:p>
+            <a:pPr>
+              <a:defRPr/>
+            </a:pPr>
+            <a:fld id="{3B2C7F4D-A580-8D88-5024-05E57410A1C4}" type="slidenum">
+              <a:rPr/>
+              <a:t/>
+            </a:fld>
+            <a:endParaRPr/>
+          </a:p>
+        </p:txBody>
+      </p:sp>
+    </p:spTree>
+  </p:cSld>
+  <p:clrMapOvr>
+    <a:masterClrMapping/>
+  </p:clrMapOvr>
+</p:notes>
+</file>
+
+<file path=ppt/notesSlides/notesSlide17.xml><?xml version="1.0" encoding="utf-8"?>
+<p:notes xmlns:a="http://schemas.openxmlformats.org/drawingml/2006/main" xmlns:r="http://schemas.openxmlformats.org/officeDocument/2006/relationships" xmlns:p="http://schemas.openxmlformats.org/presentationml/2006/main" xmlns:m="http://schemas.openxmlformats.org/officeDocument/2006/math" xmlns:w="http://schemas.openxmlformats.org/wordprocessingml/2006/main">
+  <p:cSld name="">
+    <p:spTree>
+      <p:nvGrpSpPr>
+        <p:cNvPr id="1" name=""/>
+        <p:cNvGrpSpPr/>
+        <p:nvPr/>
+      </p:nvGrpSpPr>
+      <p:grpSpPr bwMode="auto">
+        <a:xfrm>
+          <a:off x="0" y="0"/>
+          <a:ext cx="0" cy="0"/>
+          <a:chOff x="0" y="0"/>
+          <a:chExt cx="0" cy="0"/>
+        </a:xfrm>
+      </p:grpSpPr>
+      <p:sp>
+        <p:nvSpPr>
+          <p:cNvPr id="970800609" name="Slide Image Placeholder 1"/>
+          <p:cNvSpPr>
+            <a:spLocks noChangeAspect="1" noGrp="1" noRot="1"/>
+          </p:cNvSpPr>
+          <p:nvPr>
+            <p:ph type="sldImg"/>
+          </p:nvPr>
+        </p:nvSpPr>
+        <p:spPr bwMode="auto"/>
+      </p:sp>
+      <p:sp>
+        <p:nvSpPr>
+          <p:cNvPr id="1039386975" name="Notes Placeholder 2"/>
+          <p:cNvSpPr>
+            <a:spLocks noGrp="1"/>
+          </p:cNvSpPr>
+          <p:nvPr>
+            <p:ph type="body" idx="1"/>
+          </p:nvPr>
+        </p:nvSpPr>
+        <p:spPr bwMode="auto"/>
+        <p:txBody>
+          <a:bodyPr/>
+          <a:lstStyle/>
+          <a:p>
+            <a:pPr>
+              <a:defRPr/>
+            </a:pPr>
+            <a:endParaRPr/>
+          </a:p>
+        </p:txBody>
+      </p:sp>
+      <p:sp>
+        <p:nvSpPr>
+          <p:cNvPr id="477460852" name="Slide Number Placeholder 3"/>
+          <p:cNvSpPr>
+            <a:spLocks noGrp="1"/>
+          </p:cNvSpPr>
+          <p:nvPr>
+            <p:ph type="sldNum" sz="quarter" idx="10"/>
+          </p:nvPr>
+        </p:nvSpPr>
+        <p:spPr bwMode="auto"/>
+        <p:txBody>
+          <a:bodyPr/>
+          <a:lstStyle/>
+          <a:p>
+            <a:pPr>
+              <a:defRPr/>
+            </a:pPr>
+            <a:fld id="{B411DBEC-85AB-1961-F3E4-8A1EA754FAED}" type="slidenum">
+              <a:rPr/>
+              <a:t/>
+            </a:fld>
+            <a:endParaRPr/>
+          </a:p>
+        </p:txBody>
+      </p:sp>
+    </p:spTree>
+  </p:cSld>
+  <p:clrMapOvr>
+    <a:masterClrMapping/>
+  </p:clrMapOvr>
+</p:notes>
+</file>
+
+<file path=ppt/notesSlides/notesSlide18.xml><?xml version="1.0" encoding="utf-8"?>
+<p:notes xmlns:a="http://schemas.openxmlformats.org/drawingml/2006/main" xmlns:r="http://schemas.openxmlformats.org/officeDocument/2006/relationships" xmlns:p="http://schemas.openxmlformats.org/presentationml/2006/main" xmlns:m="http://schemas.openxmlformats.org/officeDocument/2006/math" xmlns:w="http://schemas.openxmlformats.org/wordprocessingml/2006/main">
+  <p:cSld name="">
+    <p:spTree>
+      <p:nvGrpSpPr>
+        <p:cNvPr id="1" name=""/>
+        <p:cNvGrpSpPr/>
+        <p:nvPr/>
+      </p:nvGrpSpPr>
+      <p:grpSpPr bwMode="auto">
+        <a:xfrm>
+          <a:off x="0" y="0"/>
+          <a:ext cx="0" cy="0"/>
+          <a:chOff x="0" y="0"/>
+          <a:chExt cx="0" cy="0"/>
+        </a:xfrm>
+      </p:grpSpPr>
+      <p:sp>
+        <p:nvSpPr>
+          <p:cNvPr id="1506062135" name="Slide Image Placeholder 1"/>
+          <p:cNvSpPr>
+            <a:spLocks noChangeAspect="1" noGrp="1" noRot="1"/>
+          </p:cNvSpPr>
+          <p:nvPr>
+            <p:ph type="sldImg"/>
+          </p:nvPr>
+        </p:nvSpPr>
+        <p:spPr bwMode="auto"/>
+      </p:sp>
+      <p:sp>
+        <p:nvSpPr>
+          <p:cNvPr id="30014087" name="Notes Placeholder 2"/>
+          <p:cNvSpPr>
+            <a:spLocks noGrp="1"/>
+          </p:cNvSpPr>
+          <p:nvPr>
+            <p:ph type="body" idx="1"/>
+          </p:nvPr>
+        </p:nvSpPr>
+        <p:spPr bwMode="auto"/>
+        <p:txBody>
+          <a:bodyPr/>
+          <a:lstStyle/>
+          <a:p>
+            <a:pPr>
+              <a:defRPr/>
+            </a:pPr>
+            <a:endParaRPr/>
+          </a:p>
+        </p:txBody>
+      </p:sp>
+      <p:sp>
+        <p:nvSpPr>
+          <p:cNvPr id="1244595304" name="Slide Number Placeholder 3"/>
+          <p:cNvSpPr>
+            <a:spLocks noGrp="1"/>
+          </p:cNvSpPr>
+          <p:nvPr>
+            <p:ph type="sldNum" sz="quarter" idx="10"/>
+          </p:nvPr>
+        </p:nvSpPr>
+        <p:spPr bwMode="auto"/>
+        <p:txBody>
+          <a:bodyPr/>
+          <a:lstStyle/>
+          <a:p>
+            <a:pPr>
+              <a:defRPr/>
+            </a:pPr>
+            <a:fld id="{996DB9CA-CBC8-F488-95F2-2C9FCF2A8D88}" type="slidenum">
+              <a:rPr/>
+              <a:t/>
+            </a:fld>
+            <a:endParaRPr/>
+          </a:p>
+        </p:txBody>
+      </p:sp>
+    </p:spTree>
+  </p:cSld>
+  <p:clrMapOvr>
+    <a:masterClrMapping/>
+  </p:clrMapOvr>
+</p:notes>
+</file>
+
+<file path=ppt/notesSlides/notesSlide19.xml><?xml version="1.0" encoding="utf-8"?>
+<p:notes xmlns:a="http://schemas.openxmlformats.org/drawingml/2006/main" xmlns:r="http://schemas.openxmlformats.org/officeDocument/2006/relationships" xmlns:p="http://schemas.openxmlformats.org/presentationml/2006/main" xmlns:m="http://schemas.openxmlformats.org/officeDocument/2006/math" xmlns:w="http://schemas.openxmlformats.org/wordprocessingml/2006/main">
+  <p:cSld name="">
+    <p:spTree>
+      <p:nvGrpSpPr>
+        <p:cNvPr id="1" name=""/>
+        <p:cNvGrpSpPr/>
+        <p:nvPr/>
+      </p:nvGrpSpPr>
+      <p:grpSpPr bwMode="auto">
+        <a:xfrm>
+          <a:off x="0" y="0"/>
+          <a:ext cx="0" cy="0"/>
+          <a:chOff x="0" y="0"/>
+          <a:chExt cx="0" cy="0"/>
+        </a:xfrm>
+      </p:grpSpPr>
+      <p:sp>
+        <p:nvSpPr>
+          <p:cNvPr id="810823032" name="Slide Image Placeholder 1"/>
+          <p:cNvSpPr>
+            <a:spLocks noChangeAspect="1" noGrp="1" noRot="1"/>
+          </p:cNvSpPr>
+          <p:nvPr>
+            <p:ph type="sldImg"/>
+          </p:nvPr>
+        </p:nvSpPr>
+        <p:spPr bwMode="auto"/>
+      </p:sp>
+      <p:sp>
+        <p:nvSpPr>
+          <p:cNvPr id="2100302593" name="Notes Placeholder 2"/>
+          <p:cNvSpPr>
+            <a:spLocks noGrp="1"/>
+          </p:cNvSpPr>
+          <p:nvPr>
+            <p:ph type="body" idx="1"/>
+          </p:nvPr>
+        </p:nvSpPr>
+        <p:spPr bwMode="auto"/>
+        <p:txBody>
+          <a:bodyPr/>
+          <a:lstStyle/>
+          <a:p>
+            <a:pPr>
+              <a:defRPr/>
+            </a:pPr>
+            <a:endParaRPr/>
+          </a:p>
+        </p:txBody>
+      </p:sp>
+      <p:sp>
+        <p:nvSpPr>
+          <p:cNvPr id="216717321" name="Slide Number Placeholder 3"/>
+          <p:cNvSpPr>
+            <a:spLocks noGrp="1"/>
+          </p:cNvSpPr>
+          <p:nvPr>
+            <p:ph type="sldNum" sz="quarter" idx="10"/>
+          </p:nvPr>
+        </p:nvSpPr>
+        <p:spPr bwMode="auto"/>
+        <p:txBody>
+          <a:bodyPr/>
+          <a:lstStyle/>
+          <a:p>
+            <a:pPr>
+              <a:defRPr/>
+            </a:pPr>
+            <a:fld id="{2AC5B76C-DD23-4FCB-003C-D52A04CFB43A}" type="slidenum">
               <a:rPr/>
               <a:t/>
             </a:fld>
@@ -1237,7 +1582,7 @@
       </p:grpSpPr>
       <p:sp>
         <p:nvSpPr>
-          <p:cNvPr id="1783907705" name="Slide Image Placeholder 1"/>
+          <p:cNvPr id="1843710384" name="Slide Image Placeholder 1"/>
           <p:cNvSpPr>
             <a:spLocks noChangeAspect="1" noGrp="1" noRot="1"/>
           </p:cNvSpPr>
@@ -1249,7 +1594,7 @@
       </p:sp>
       <p:sp>
         <p:nvSpPr>
-          <p:cNvPr id="2140288754" name="Notes Placeholder 2"/>
+          <p:cNvPr id="796102039" name="Notes Placeholder 2"/>
           <p:cNvSpPr>
             <a:spLocks noGrp="1"/>
           </p:cNvSpPr>
@@ -1271,7 +1616,7 @@
       </p:sp>
       <p:sp>
         <p:nvSpPr>
-          <p:cNvPr id="1907015483" name="Slide Number Placeholder 3"/>
+          <p:cNvPr id="2046892240" name="Slide Number Placeholder 3"/>
           <p:cNvSpPr>
             <a:spLocks noGrp="1"/>
           </p:cNvSpPr>
@@ -1288,6 +1633,91 @@
               <a:defRPr/>
             </a:pPr>
             <a:fld id="{B19133A2-6693-FAF2-00D9-4E9892C7E760}" type="slidenum">
+              <a:rPr/>
+              <a:t/>
+            </a:fld>
+            <a:endParaRPr/>
+          </a:p>
+        </p:txBody>
+      </p:sp>
+    </p:spTree>
+  </p:cSld>
+  <p:clrMapOvr>
+    <a:masterClrMapping/>
+  </p:clrMapOvr>
+</p:notes>
+</file>
+
+<file path=ppt/notesSlides/notesSlide20.xml><?xml version="1.0" encoding="utf-8"?>
+<p:notes xmlns:a="http://schemas.openxmlformats.org/drawingml/2006/main" xmlns:r="http://schemas.openxmlformats.org/officeDocument/2006/relationships" xmlns:p="http://schemas.openxmlformats.org/presentationml/2006/main" xmlns:m="http://schemas.openxmlformats.org/officeDocument/2006/math" xmlns:w="http://schemas.openxmlformats.org/wordprocessingml/2006/main">
+  <p:cSld name="">
+    <p:spTree>
+      <p:nvGrpSpPr>
+        <p:cNvPr id="1" name=""/>
+        <p:cNvGrpSpPr/>
+        <p:nvPr/>
+      </p:nvGrpSpPr>
+      <p:grpSpPr bwMode="auto">
+        <a:xfrm>
+          <a:off x="0" y="0"/>
+          <a:ext cx="0" cy="0"/>
+          <a:chOff x="0" y="0"/>
+          <a:chExt cx="0" cy="0"/>
+        </a:xfrm>
+      </p:grpSpPr>
+      <p:sp>
+        <p:nvSpPr>
+          <p:cNvPr id="1042398102" name="Slide Image Placeholder 1"/>
+          <p:cNvSpPr>
+            <a:spLocks noChangeAspect="1" noGrp="1" noRot="1"/>
+          </p:cNvSpPr>
+          <p:nvPr>
+            <p:ph type="sldImg"/>
+          </p:nvPr>
+        </p:nvSpPr>
+        <p:spPr bwMode="auto"/>
+      </p:sp>
+      <p:sp>
+        <p:nvSpPr>
+          <p:cNvPr id="2067860229" name="Notes Placeholder 2"/>
+          <p:cNvSpPr>
+            <a:spLocks noGrp="1"/>
+          </p:cNvSpPr>
+          <p:nvPr>
+            <p:ph type="body" idx="1"/>
+          </p:nvPr>
+        </p:nvSpPr>
+        <p:spPr bwMode="auto"/>
+        <p:txBody>
+          <a:bodyPr/>
+          <a:lstStyle/>
+          <a:p>
+            <a:pPr>
+              <a:defRPr/>
+            </a:pPr>
+            <a:endParaRPr/>
+          </a:p>
+        </p:txBody>
+      </p:sp>
+      <p:sp>
+        <p:nvSpPr>
+          <p:cNvPr id="1442341166" name="Slide Number Placeholder 3"/>
+          <p:cNvSpPr>
+            <a:spLocks noGrp="1"/>
+          </p:cNvSpPr>
+          <p:nvPr>
+            <p:ph type="sldNum" sz="quarter" idx="10"/>
+          </p:nvPr>
+        </p:nvSpPr>
+        <p:spPr bwMode="auto"/>
+        <p:txBody>
+          <a:bodyPr/>
+          <a:lstStyle/>
+          <a:p>
+            <a:pPr>
+              <a:defRPr/>
+            </a:pPr>
+            <a:fld id="{865F0A82-757B-D1BA-3449-0B5164A8F7BC}" type="slidenum">
               <a:rPr/>
               <a:t/>
             </a:fld>
@@ -1322,7 +1752,7 @@
       </p:grpSpPr>
       <p:sp>
         <p:nvSpPr>
-          <p:cNvPr id="318500603" name="Slide Image Placeholder 1"/>
+          <p:cNvPr id="1210016063" name="Slide Image Placeholder 1"/>
           <p:cNvSpPr>
             <a:spLocks noChangeAspect="1" noGrp="1" noRot="1"/>
           </p:cNvSpPr>
@@ -1334,7 +1764,7 @@
       </p:sp>
       <p:sp>
         <p:nvSpPr>
-          <p:cNvPr id="1786407375" name="Notes Placeholder 2"/>
+          <p:cNvPr id="131813597" name="Notes Placeholder 2"/>
           <p:cNvSpPr>
             <a:spLocks noGrp="1"/>
           </p:cNvSpPr>
@@ -1356,7 +1786,7 @@
       </p:sp>
       <p:sp>
         <p:nvSpPr>
-          <p:cNvPr id="1671783114" name="Slide Number Placeholder 3"/>
+          <p:cNvPr id="904612335" name="Slide Number Placeholder 3"/>
           <p:cNvSpPr>
             <a:spLocks noGrp="1"/>
           </p:cNvSpPr>
@@ -1407,7 +1837,7 @@
       </p:grpSpPr>
       <p:sp>
         <p:nvSpPr>
-          <p:cNvPr id="898022664" name="Slide Image Placeholder 1"/>
+          <p:cNvPr id="1835248158" name="Slide Image Placeholder 1"/>
           <p:cNvSpPr>
             <a:spLocks noChangeAspect="1" noGrp="1" noRot="1"/>
           </p:cNvSpPr>
@@ -1419,7 +1849,7 @@
       </p:sp>
       <p:sp>
         <p:nvSpPr>
-          <p:cNvPr id="663831207" name="Notes Placeholder 2"/>
+          <p:cNvPr id="572241393" name="Notes Placeholder 2"/>
           <p:cNvSpPr>
             <a:spLocks noGrp="1"/>
           </p:cNvSpPr>
@@ -1441,7 +1871,7 @@
       </p:sp>
       <p:sp>
         <p:nvSpPr>
-          <p:cNvPr id="1125038516" name="Slide Number Placeholder 3"/>
+          <p:cNvPr id="1750776755" name="Slide Number Placeholder 3"/>
           <p:cNvSpPr>
             <a:spLocks noGrp="1"/>
           </p:cNvSpPr>
@@ -1492,7 +1922,7 @@
       </p:grpSpPr>
       <p:sp>
         <p:nvSpPr>
-          <p:cNvPr id="40494105" name="Slide Image Placeholder 1"/>
+          <p:cNvPr id="1864022958" name="Slide Image Placeholder 1"/>
           <p:cNvSpPr>
             <a:spLocks noChangeAspect="1" noGrp="1" noRot="1"/>
           </p:cNvSpPr>
@@ -1504,7 +1934,7 @@
       </p:sp>
       <p:sp>
         <p:nvSpPr>
-          <p:cNvPr id="813208714" name="Notes Placeholder 2"/>
+          <p:cNvPr id="751389873" name="Notes Placeholder 2"/>
           <p:cNvSpPr>
             <a:spLocks noGrp="1"/>
           </p:cNvSpPr>
@@ -1526,7 +1956,7 @@
       </p:sp>
       <p:sp>
         <p:nvSpPr>
-          <p:cNvPr id="1871359575" name="Slide Number Placeholder 3"/>
+          <p:cNvPr id="2109458361" name="Slide Number Placeholder 3"/>
           <p:cNvSpPr>
             <a:spLocks noGrp="1"/>
           </p:cNvSpPr>
@@ -1577,7 +2007,7 @@
       </p:grpSpPr>
       <p:sp>
         <p:nvSpPr>
-          <p:cNvPr id="423314160" name="Slide Image Placeholder 1"/>
+          <p:cNvPr id="623021144" name="Slide Image Placeholder 1"/>
           <p:cNvSpPr>
             <a:spLocks noChangeAspect="1" noGrp="1" noRot="1"/>
           </p:cNvSpPr>
@@ -1589,7 +2019,7 @@
       </p:sp>
       <p:sp>
         <p:nvSpPr>
-          <p:cNvPr id="318924182" name="Notes Placeholder 2"/>
+          <p:cNvPr id="1383808660" name="Notes Placeholder 2"/>
           <p:cNvSpPr>
             <a:spLocks noGrp="1"/>
           </p:cNvSpPr>
@@ -1611,7 +2041,7 @@
       </p:sp>
       <p:sp>
         <p:nvSpPr>
-          <p:cNvPr id="922359632" name="Slide Number Placeholder 3"/>
+          <p:cNvPr id="1579775847" name="Slide Number Placeholder 3"/>
           <p:cNvSpPr>
             <a:spLocks noGrp="1"/>
           </p:cNvSpPr>
@@ -1662,7 +2092,7 @@
       </p:grpSpPr>
       <p:sp>
         <p:nvSpPr>
-          <p:cNvPr id="1912441382" name="Slide Image Placeholder 1"/>
+          <p:cNvPr id="289847899" name="Slide Image Placeholder 1"/>
           <p:cNvSpPr>
             <a:spLocks noChangeAspect="1" noGrp="1" noRot="1"/>
           </p:cNvSpPr>
@@ -1674,7 +2104,7 @@
       </p:sp>
       <p:sp>
         <p:nvSpPr>
-          <p:cNvPr id="984342070" name="Notes Placeholder 2"/>
+          <p:cNvPr id="853154082" name="Notes Placeholder 2"/>
           <p:cNvSpPr>
             <a:spLocks noGrp="1"/>
           </p:cNvSpPr>
@@ -1696,7 +2126,7 @@
       </p:sp>
       <p:sp>
         <p:nvSpPr>
-          <p:cNvPr id="445094858" name="Slide Number Placeholder 3"/>
+          <p:cNvPr id="331054784" name="Slide Number Placeholder 3"/>
           <p:cNvSpPr>
             <a:spLocks noGrp="1"/>
           </p:cNvSpPr>
@@ -1747,7 +2177,7 @@
       </p:grpSpPr>
       <p:sp>
         <p:nvSpPr>
-          <p:cNvPr id="704707202" name="Slide Image Placeholder 1"/>
+          <p:cNvPr id="701061544" name="Slide Image Placeholder 1"/>
           <p:cNvSpPr>
             <a:spLocks noChangeAspect="1" noGrp="1" noRot="1"/>
           </p:cNvSpPr>
@@ -1759,7 +2189,7 @@
       </p:sp>
       <p:sp>
         <p:nvSpPr>
-          <p:cNvPr id="2029693369" name="Notes Placeholder 2"/>
+          <p:cNvPr id="16701331" name="Notes Placeholder 2"/>
           <p:cNvSpPr>
             <a:spLocks noGrp="1"/>
           </p:cNvSpPr>
@@ -1781,7 +2211,7 @@
       </p:sp>
       <p:sp>
         <p:nvSpPr>
-          <p:cNvPr id="1563763076" name="Slide Number Placeholder 3"/>
+          <p:cNvPr id="1993636373" name="Slide Number Placeholder 3"/>
           <p:cNvSpPr>
             <a:spLocks noGrp="1"/>
           </p:cNvSpPr>
@@ -1832,7 +2262,7 @@
       </p:grpSpPr>
       <p:sp>
         <p:nvSpPr>
-          <p:cNvPr id="1710340394" name="Slide Image Placeholder 1"/>
+          <p:cNvPr id="1998061619" name="Slide Image Placeholder 1"/>
           <p:cNvSpPr>
             <a:spLocks noChangeAspect="1" noGrp="1" noRot="1"/>
           </p:cNvSpPr>
@@ -1844,7 +2274,7 @@
       </p:sp>
       <p:sp>
         <p:nvSpPr>
-          <p:cNvPr id="2134274849" name="Notes Placeholder 2"/>
+          <p:cNvPr id="332079368" name="Notes Placeholder 2"/>
           <p:cNvSpPr>
             <a:spLocks noGrp="1"/>
           </p:cNvSpPr>
@@ -1866,7 +2296,7 @@
       </p:sp>
       <p:sp>
         <p:nvSpPr>
-          <p:cNvPr id="1635290654" name="Slide Number Placeholder 3"/>
+          <p:cNvPr id="1388222176" name="Slide Number Placeholder 3"/>
           <p:cNvSpPr>
             <a:spLocks noGrp="1"/>
           </p:cNvSpPr>
@@ -1917,7 +2347,7 @@
       </p:grpSpPr>
       <p:sp>
         <p:nvSpPr>
-          <p:cNvPr id="2064888569" name="Subtítulo 2"/>
+          <p:cNvPr id="1539412415" name="Subtítulo 2"/>
           <p:cNvSpPr txBox="1">
             <a:spLocks noGrp="1"/>
           </p:cNvSpPr>
@@ -1952,7 +2382,7 @@
       </p:sp>
       <p:sp>
         <p:nvSpPr>
-          <p:cNvPr id="1046121311" name="Title Placeholder 1"/>
+          <p:cNvPr id="110847323" name="Title Placeholder 1"/>
           <p:cNvSpPr>
             <a:spLocks noGrp="1"/>
           </p:cNvSpPr>
@@ -1996,7 +2426,7 @@
       </p:sp>
       <p:sp>
         <p:nvSpPr>
-          <p:cNvPr id="78632004" name="Text Placeholder 9"/>
+          <p:cNvPr id="299062311" name="Text Placeholder 9"/>
           <p:cNvSpPr>
             <a:spLocks noGrp="1"/>
           </p:cNvSpPr>
@@ -2031,7 +2461,7 @@
       </p:sp>
       <p:sp>
         <p:nvSpPr>
-          <p:cNvPr id="456185126" name="Text Placeholder 9"/>
+          <p:cNvPr id="311238431" name="Text Placeholder 9"/>
           <p:cNvSpPr>
             <a:spLocks noGrp="1"/>
           </p:cNvSpPr>
@@ -2091,7 +2521,7 @@
       </p:grpSpPr>
       <p:sp>
         <p:nvSpPr>
-          <p:cNvPr id="495965452" name="Title 1"/>
+          <p:cNvPr id="1269676195" name="Title 1"/>
           <p:cNvSpPr>
             <a:spLocks noGrp="1"/>
           </p:cNvSpPr>
@@ -2126,7 +2556,7 @@
       </p:sp>
       <p:sp>
         <p:nvSpPr>
-          <p:cNvPr id="458707309" name="Content Placeholder 2"/>
+          <p:cNvPr id="387604938" name="Content Placeholder 2"/>
           <p:cNvSpPr>
             <a:spLocks noGrp="1"/>
           </p:cNvSpPr>
@@ -2233,7 +2663,7 @@
       </p:sp>
       <p:sp>
         <p:nvSpPr>
-          <p:cNvPr id="769967191" name="Text Placeholder 3"/>
+          <p:cNvPr id="1505866292" name="Text Placeholder 3"/>
           <p:cNvSpPr>
             <a:spLocks noGrp="1"/>
           </p:cNvSpPr>
@@ -2301,7 +2731,7 @@
       </p:sp>
       <p:sp>
         <p:nvSpPr>
-          <p:cNvPr id="1406396666" name="Date Placeholder 4"/>
+          <p:cNvPr id="811743800" name="Date Placeholder 4"/>
           <p:cNvSpPr>
             <a:spLocks noGrp="1"/>
           </p:cNvSpPr>
@@ -2327,7 +2757,7 @@
       </p:sp>
       <p:sp>
         <p:nvSpPr>
-          <p:cNvPr id="1042530256" name="Footer Placeholder 5"/>
+          <p:cNvPr id="901583337" name="Footer Placeholder 5"/>
           <p:cNvSpPr>
             <a:spLocks noGrp="1"/>
           </p:cNvSpPr>
@@ -2353,7 +2783,7 @@
       </p:sp>
       <p:sp>
         <p:nvSpPr>
-          <p:cNvPr id="481673912" name="Slide Number Placeholder 6"/>
+          <p:cNvPr id="722489763" name="Slide Number Placeholder 6"/>
           <p:cNvSpPr>
             <a:spLocks noGrp="1"/>
           </p:cNvSpPr>
@@ -2404,7 +2834,7 @@
       </p:grpSpPr>
       <p:sp>
         <p:nvSpPr>
-          <p:cNvPr id="32271143" name="Title 1"/>
+          <p:cNvPr id="76992441" name="Title 1"/>
           <p:cNvSpPr>
             <a:spLocks noGrp="1"/>
           </p:cNvSpPr>
@@ -2439,7 +2869,7 @@
       </p:sp>
       <p:sp>
         <p:nvSpPr>
-          <p:cNvPr id="2042153333" name="Picture Placeholder 2"/>
+          <p:cNvPr id="1020408311" name="Picture Placeholder 2"/>
           <p:cNvSpPr>
             <a:spLocks noChangeAspect="1" noGrp="1"/>
           </p:cNvSpPr>
@@ -2507,7 +2937,7 @@
       </p:sp>
       <p:sp>
         <p:nvSpPr>
-          <p:cNvPr id="2110778487" name="Text Placeholder 3"/>
+          <p:cNvPr id="1382768942" name="Text Placeholder 3"/>
           <p:cNvSpPr>
             <a:spLocks noGrp="1"/>
           </p:cNvSpPr>
@@ -2575,7 +3005,7 @@
       </p:sp>
       <p:sp>
         <p:nvSpPr>
-          <p:cNvPr id="1957066919" name="Date Placeholder 4"/>
+          <p:cNvPr id="1451387590" name="Date Placeholder 4"/>
           <p:cNvSpPr>
             <a:spLocks noGrp="1"/>
           </p:cNvSpPr>
@@ -2601,7 +3031,7 @@
       </p:sp>
       <p:sp>
         <p:nvSpPr>
-          <p:cNvPr id="917438484" name="Footer Placeholder 5"/>
+          <p:cNvPr id="1126342458" name="Footer Placeholder 5"/>
           <p:cNvSpPr>
             <a:spLocks noGrp="1"/>
           </p:cNvSpPr>
@@ -2627,7 +3057,7 @@
       </p:sp>
       <p:sp>
         <p:nvSpPr>
-          <p:cNvPr id="1283309800" name="Slide Number Placeholder 6"/>
+          <p:cNvPr id="588282475" name="Slide Number Placeholder 6"/>
           <p:cNvSpPr>
             <a:spLocks noGrp="1"/>
           </p:cNvSpPr>
@@ -2678,7 +3108,7 @@
       </p:grpSpPr>
       <p:sp>
         <p:nvSpPr>
-          <p:cNvPr id="1840700692" name="Título 1"/>
+          <p:cNvPr id="494214899" name="Título 1"/>
           <p:cNvSpPr txBox="1">
             <a:spLocks noGrp="1"/>
           </p:cNvSpPr>
@@ -2713,7 +3143,7 @@
       </p:sp>
       <p:sp>
         <p:nvSpPr>
-          <p:cNvPr id="1745977727" name="Marcador de contenido 2"/>
+          <p:cNvPr id="705918635" name="Marcador de contenido 2"/>
           <p:cNvSpPr txBox="1">
             <a:spLocks noGrp="1"/>
           </p:cNvSpPr>
@@ -2873,7 +3303,7 @@
       </p:grpSpPr>
       <p:sp>
         <p:nvSpPr>
-          <p:cNvPr id="1739582910" name="Título 1"/>
+          <p:cNvPr id="607881666" name="Título 1"/>
           <p:cNvSpPr txBox="1">
             <a:spLocks noGrp="1"/>
           </p:cNvSpPr>
@@ -2908,7 +3338,7 @@
       </p:sp>
       <p:sp>
         <p:nvSpPr>
-          <p:cNvPr id="965591267" name="Marcador de contenido 2"/>
+          <p:cNvPr id="115202426" name="Marcador de contenido 2"/>
           <p:cNvSpPr txBox="1">
             <a:spLocks noGrp="1"/>
           </p:cNvSpPr>
@@ -3047,7 +3477,7 @@
       </p:sp>
       <p:sp>
         <p:nvSpPr>
-          <p:cNvPr id="946246742" name="Marcador de contenido 3"/>
+          <p:cNvPr id="880657200" name="Marcador de contenido 3"/>
           <p:cNvSpPr txBox="1">
             <a:spLocks noGrp="1"/>
           </p:cNvSpPr>
@@ -3211,7 +3641,7 @@
       </p:grpSpPr>
       <p:sp>
         <p:nvSpPr>
-          <p:cNvPr id="396621242" name="Título 1"/>
+          <p:cNvPr id="1009243914" name="Título 1"/>
           <p:cNvSpPr txBox="1">
             <a:spLocks noGrp="1"/>
           </p:cNvSpPr>
@@ -3245,7 +3675,7 @@
       </p:sp>
       <p:pic>
         <p:nvPicPr>
-          <p:cNvPr id="867488769" name="Gráfico 8"/>
+          <p:cNvPr id="1640980558" name="Gráfico 8"/>
           <p:cNvPicPr>
             <a:picLocks noChangeAspect="1"/>
           </p:cNvPicPr>
@@ -3277,7 +3707,7 @@
       </p:pic>
       <p:pic>
         <p:nvPicPr>
-          <p:cNvPr id="1941717011" name="Imagen 15" descr="Texto&#10;&#10;Descripción generada automáticamente"/>
+          <p:cNvPr id="6743317" name="Imagen 15" descr="Texto&#10;&#10;Descripción generada automáticamente"/>
           <p:cNvPicPr>
             <a:picLocks noChangeAspect="1"/>
           </p:cNvPicPr>
@@ -3303,7 +3733,7 @@
       </p:pic>
       <p:pic>
         <p:nvPicPr>
-          <p:cNvPr id="1111751737" name="Imagen 16" descr="Logotipo&#10;&#10;Descripción generada automáticamente"/>
+          <p:cNvPr id="722986150" name="Imagen 16" descr="Logotipo&#10;&#10;Descripción generada automáticamente"/>
           <p:cNvPicPr>
             <a:picLocks noChangeAspect="1"/>
           </p:cNvPicPr>
@@ -3329,7 +3759,7 @@
       </p:pic>
       <p:pic>
         <p:nvPicPr>
-          <p:cNvPr id="1951705803" name="Imagen 17" descr="Imagen que contiene Texto&#10;&#10;Descripción generada automáticamente"/>
+          <p:cNvPr id="567592599" name="Imagen 17" descr="Imagen que contiene Texto&#10;&#10;Descripción generada automáticamente"/>
           <p:cNvPicPr>
             <a:picLocks noChangeAspect="1"/>
           </p:cNvPicPr>
@@ -3355,7 +3785,7 @@
       </p:pic>
       <p:pic>
         <p:nvPicPr>
-          <p:cNvPr id="773748690" name="Imagen 18" descr="Texto&#10;&#10;Descripción generada automáticamente"/>
+          <p:cNvPr id="2065279217" name="Imagen 18" descr="Texto&#10;&#10;Descripción generada automáticamente"/>
           <p:cNvPicPr>
             <a:picLocks noChangeAspect="1"/>
           </p:cNvPicPr>
@@ -3381,7 +3811,7 @@
       </p:pic>
       <p:pic>
         <p:nvPicPr>
-          <p:cNvPr id="629615837" name="Picture 3" descr="Logotipo&#10;&#10;Descripción generada automáticamente"/>
+          <p:cNvPr id="1548638378" name="Picture 3" descr="Logotipo&#10;&#10;Descripción generada automáticamente"/>
           <p:cNvPicPr>
             <a:picLocks noChangeAspect="1"/>
           </p:cNvPicPr>
@@ -3407,7 +3837,7 @@
       </p:pic>
       <p:pic>
         <p:nvPicPr>
-          <p:cNvPr id="1694526263" name="Imagen 20" descr="Imagen que contiene Forma&#10;&#10;Descripción generada automáticamente"/>
+          <p:cNvPr id="1425856203" name="Imagen 20" descr="Imagen que contiene Forma&#10;&#10;Descripción generada automáticamente"/>
           <p:cNvPicPr>
             <a:picLocks noChangeAspect="1"/>
           </p:cNvPicPr>
@@ -3458,7 +3888,7 @@
       </p:grpSpPr>
       <p:sp>
         <p:nvSpPr>
-          <p:cNvPr id="1381310316" name="Title 1"/>
+          <p:cNvPr id="1474685756" name="Title 1"/>
           <p:cNvSpPr>
             <a:spLocks noGrp="1"/>
           </p:cNvSpPr>
@@ -3484,7 +3914,7 @@
       </p:sp>
       <p:sp>
         <p:nvSpPr>
-          <p:cNvPr id="222052043" name="Date Placeholder 3"/>
+          <p:cNvPr id="1693170656" name="Date Placeholder 3"/>
           <p:cNvSpPr>
             <a:spLocks noGrp="1"/>
           </p:cNvSpPr>
@@ -3510,7 +3940,7 @@
       </p:sp>
       <p:sp>
         <p:nvSpPr>
-          <p:cNvPr id="1997890366" name="Footer Placeholder 4"/>
+          <p:cNvPr id="1829229101" name="Footer Placeholder 4"/>
           <p:cNvSpPr>
             <a:spLocks noGrp="1"/>
           </p:cNvSpPr>
@@ -3536,7 +3966,7 @@
       </p:sp>
       <p:sp>
         <p:nvSpPr>
-          <p:cNvPr id="963720667" name="Slide Number Placeholder 5"/>
+          <p:cNvPr id="1901828960" name="Slide Number Placeholder 5"/>
           <p:cNvSpPr>
             <a:spLocks noGrp="1"/>
           </p:cNvSpPr>
@@ -3562,7 +3992,7 @@
       </p:sp>
       <p:sp>
         <p:nvSpPr>
-          <p:cNvPr id="1162096129" name="Text Placeholder 2"/>
+          <p:cNvPr id="351191306" name="Text Placeholder 2"/>
           <p:cNvSpPr>
             <a:spLocks noGrp="1"/>
           </p:cNvSpPr>
@@ -3709,7 +4139,7 @@
       </p:grpSpPr>
       <p:sp>
         <p:nvSpPr>
-          <p:cNvPr id="1361079544" name="Title 1"/>
+          <p:cNvPr id="1271155355" name="Title 1"/>
           <p:cNvSpPr>
             <a:spLocks noGrp="1"/>
           </p:cNvSpPr>
@@ -3735,7 +4165,7 @@
       </p:sp>
       <p:sp>
         <p:nvSpPr>
-          <p:cNvPr id="1200094601" name="Content Placeholder 2"/>
+          <p:cNvPr id="1122372344" name="Content Placeholder 2"/>
           <p:cNvSpPr>
             <a:spLocks noGrp="1"/>
           </p:cNvSpPr>
@@ -3832,7 +4262,7 @@
       </p:sp>
       <p:sp>
         <p:nvSpPr>
-          <p:cNvPr id="1113298630" name="Content Placeholder 3"/>
+          <p:cNvPr id="1788039272" name="Content Placeholder 3"/>
           <p:cNvSpPr>
             <a:spLocks noGrp="1"/>
           </p:cNvSpPr>
@@ -3929,7 +4359,7 @@
       </p:sp>
       <p:sp>
         <p:nvSpPr>
-          <p:cNvPr id="1155666167" name="Date Placeholder 4"/>
+          <p:cNvPr id="1627601280" name="Date Placeholder 4"/>
           <p:cNvSpPr>
             <a:spLocks noGrp="1"/>
           </p:cNvSpPr>
@@ -3955,7 +4385,7 @@
       </p:sp>
       <p:sp>
         <p:nvSpPr>
-          <p:cNvPr id="1062999882" name="Footer Placeholder 5"/>
+          <p:cNvPr id="555897486" name="Footer Placeholder 5"/>
           <p:cNvSpPr>
             <a:spLocks noGrp="1"/>
           </p:cNvSpPr>
@@ -3981,7 +4411,7 @@
       </p:sp>
       <p:sp>
         <p:nvSpPr>
-          <p:cNvPr id="388192263" name="Slide Number Placeholder 6"/>
+          <p:cNvPr id="501617269" name="Slide Number Placeholder 6"/>
           <p:cNvSpPr>
             <a:spLocks noGrp="1"/>
           </p:cNvSpPr>
@@ -4032,7 +4462,7 @@
       </p:grpSpPr>
       <p:sp>
         <p:nvSpPr>
-          <p:cNvPr id="1224079693" name="Title 1"/>
+          <p:cNvPr id="239880527" name="Title 1"/>
           <p:cNvSpPr>
             <a:spLocks noGrp="1"/>
           </p:cNvSpPr>
@@ -4063,7 +4493,7 @@
       </p:sp>
       <p:sp>
         <p:nvSpPr>
-          <p:cNvPr id="1359920649" name="Text Placeholder 2"/>
+          <p:cNvPr id="1589442705" name="Text Placeholder 2"/>
           <p:cNvSpPr>
             <a:spLocks noGrp="1"/>
           </p:cNvSpPr>
@@ -4131,7 +4561,7 @@
       </p:sp>
       <p:sp>
         <p:nvSpPr>
-          <p:cNvPr id="1749445205" name="Content Placeholder 3"/>
+          <p:cNvPr id="1200597112" name="Content Placeholder 3"/>
           <p:cNvSpPr>
             <a:spLocks noGrp="1"/>
           </p:cNvSpPr>
@@ -4228,7 +4658,7 @@
       </p:sp>
       <p:sp>
         <p:nvSpPr>
-          <p:cNvPr id="608546871" name="Text Placeholder 4"/>
+          <p:cNvPr id="1264792060" name="Text Placeholder 4"/>
           <p:cNvSpPr>
             <a:spLocks noGrp="1"/>
           </p:cNvSpPr>
@@ -4296,7 +4726,7 @@
       </p:sp>
       <p:sp>
         <p:nvSpPr>
-          <p:cNvPr id="1465065474" name="Content Placeholder 5"/>
+          <p:cNvPr id="1608299878" name="Content Placeholder 5"/>
           <p:cNvSpPr>
             <a:spLocks noGrp="1"/>
           </p:cNvSpPr>
@@ -4393,7 +4823,7 @@
       </p:sp>
       <p:sp>
         <p:nvSpPr>
-          <p:cNvPr id="1835027599" name="Date Placeholder 6"/>
+          <p:cNvPr id="1346413413" name="Date Placeholder 6"/>
           <p:cNvSpPr>
             <a:spLocks noGrp="1"/>
           </p:cNvSpPr>
@@ -4419,7 +4849,7 @@
       </p:sp>
       <p:sp>
         <p:nvSpPr>
-          <p:cNvPr id="1802205633" name="Footer Placeholder 7"/>
+          <p:cNvPr id="214075515" name="Footer Placeholder 7"/>
           <p:cNvSpPr>
             <a:spLocks noGrp="1"/>
           </p:cNvSpPr>
@@ -4445,7 +4875,7 @@
       </p:sp>
       <p:sp>
         <p:nvSpPr>
-          <p:cNvPr id="2054097366" name="Slide Number Placeholder 8"/>
+          <p:cNvPr id="1601843208" name="Slide Number Placeholder 8"/>
           <p:cNvSpPr>
             <a:spLocks noGrp="1"/>
           </p:cNvSpPr>
@@ -4496,7 +4926,7 @@
       </p:grpSpPr>
       <p:sp>
         <p:nvSpPr>
-          <p:cNvPr id="1902015819" name="Title 1"/>
+          <p:cNvPr id="367705760" name="Title 1"/>
           <p:cNvSpPr>
             <a:spLocks noGrp="1"/>
           </p:cNvSpPr>
@@ -4522,7 +4952,7 @@
       </p:sp>
       <p:sp>
         <p:nvSpPr>
-          <p:cNvPr id="1255558650" name="Date Placeholder 2"/>
+          <p:cNvPr id="25069080" name="Date Placeholder 2"/>
           <p:cNvSpPr>
             <a:spLocks noGrp="1"/>
           </p:cNvSpPr>
@@ -4548,7 +4978,7 @@
       </p:sp>
       <p:sp>
         <p:nvSpPr>
-          <p:cNvPr id="1530598513" name="Footer Placeholder 3"/>
+          <p:cNvPr id="919864560" name="Footer Placeholder 3"/>
           <p:cNvSpPr>
             <a:spLocks noGrp="1"/>
           </p:cNvSpPr>
@@ -4574,7 +5004,7 @@
       </p:sp>
       <p:sp>
         <p:nvSpPr>
-          <p:cNvPr id="1498196688" name="Slide Number Placeholder 4"/>
+          <p:cNvPr id="964674918" name="Slide Number Placeholder 4"/>
           <p:cNvSpPr>
             <a:spLocks noGrp="1"/>
           </p:cNvSpPr>
@@ -4625,7 +5055,7 @@
       </p:grpSpPr>
       <p:sp>
         <p:nvSpPr>
-          <p:cNvPr id="1272490793" name="Date Placeholder 1"/>
+          <p:cNvPr id="173134627" name="Date Placeholder 1"/>
           <p:cNvSpPr>
             <a:spLocks noGrp="1"/>
           </p:cNvSpPr>
@@ -4651,7 +5081,7 @@
       </p:sp>
       <p:sp>
         <p:nvSpPr>
-          <p:cNvPr id="2051323517" name="Footer Placeholder 2"/>
+          <p:cNvPr id="327800279" name="Footer Placeholder 2"/>
           <p:cNvSpPr>
             <a:spLocks noGrp="1"/>
           </p:cNvSpPr>
@@ -4677,7 +5107,7 @@
       </p:sp>
       <p:sp>
         <p:nvSpPr>
-          <p:cNvPr id="1372284362" name="Slide Number Placeholder 3"/>
+          <p:cNvPr id="1432609654" name="Slide Number Placeholder 3"/>
           <p:cNvSpPr>
             <a:spLocks noGrp="1"/>
           </p:cNvSpPr>
@@ -4733,7 +5163,7 @@
       </p:grpSpPr>
       <p:sp>
         <p:nvSpPr>
-          <p:cNvPr id="189192178" name="Marcador de título 1"/>
+          <p:cNvPr id="1401800288" name="Marcador de título 1"/>
           <p:cNvSpPr txBox="1">
             <a:spLocks noGrp="1"/>
           </p:cNvSpPr>
@@ -4777,7 +5207,7 @@
       </p:sp>
       <p:sp>
         <p:nvSpPr>
-          <p:cNvPr id="2044963137" name="Marcador de texto 2"/>
+          <p:cNvPr id="1896240972" name="Marcador de texto 2"/>
           <p:cNvSpPr txBox="1">
             <a:spLocks noGrp="1"/>
           </p:cNvSpPr>
@@ -4821,7 +5251,7 @@
       </p:sp>
       <p:pic>
         <p:nvPicPr>
-          <p:cNvPr id="1405467708" name="Imagen 17"/>
+          <p:cNvPr id="1353415587" name="Imagen 17"/>
           <p:cNvPicPr>
             <a:picLocks noChangeAspect="1"/>
           </p:cNvPicPr>
@@ -4847,7 +5277,7 @@
       </p:pic>
       <p:pic>
         <p:nvPicPr>
-          <p:cNvPr id="477829217" name=""/>
+          <p:cNvPr id="1357641543" name=""/>
           <p:cNvPicPr>
             <a:picLocks noChangeAspect="1"/>
           </p:cNvPicPr>
@@ -5185,7 +5615,7 @@
       </p:grpSpPr>
       <p:sp>
         <p:nvSpPr>
-          <p:cNvPr id="1646554438" name="Title Placeholder 1"/>
+          <p:cNvPr id="1834980691" name="Title Placeholder 1"/>
           <p:cNvSpPr>
             <a:spLocks noGrp="1"/>
           </p:cNvSpPr>
@@ -5232,7 +5662,7 @@
       </p:sp>
       <p:sp>
         <p:nvSpPr>
-          <p:cNvPr id="1344920858" name="Text Placeholder 2"/>
+          <p:cNvPr id="682144595" name="Text Placeholder 2"/>
           <p:cNvSpPr>
             <a:spLocks noGrp="1"/>
           </p:cNvSpPr>
@@ -5354,7 +5784,7 @@
       </p:sp>
       <p:sp>
         <p:nvSpPr>
-          <p:cNvPr id="1262412719" name="Date Placeholder 3"/>
+          <p:cNvPr id="109458908" name="Date Placeholder 3"/>
           <p:cNvSpPr>
             <a:spLocks noGrp="1"/>
           </p:cNvSpPr>
@@ -5399,7 +5829,7 @@
       </p:sp>
       <p:sp>
         <p:nvSpPr>
-          <p:cNvPr id="1195967608" name="Footer Placeholder 4"/>
+          <p:cNvPr id="672576159" name="Footer Placeholder 4"/>
           <p:cNvSpPr>
             <a:spLocks noGrp="1"/>
           </p:cNvSpPr>
@@ -5444,7 +5874,7 @@
       </p:sp>
       <p:sp>
         <p:nvSpPr>
-          <p:cNvPr id="1019800956" name="Slide Number Placeholder 5"/>
+          <p:cNvPr id="1933653296" name="Slide Number Placeholder 5"/>
           <p:cNvSpPr>
             <a:spLocks noGrp="1"/>
           </p:cNvSpPr>
@@ -5489,7 +5919,7 @@
       </p:sp>
       <p:cxnSp>
         <p:nvCxnSpPr>
-          <p:cNvPr id="1805445848" name=""/>
+          <p:cNvPr id="247595584" name=""/>
           <p:cNvCxnSpPr/>
           <p:nvPr/>
         </p:nvCxnSpPr>
@@ -5841,7 +6271,7 @@
       </p:grpSpPr>
       <p:sp>
         <p:nvSpPr>
-          <p:cNvPr id="1863979956" name="Subtítulo 2"/>
+          <p:cNvPr id="1952483790" name="Subtítulo 2"/>
           <p:cNvSpPr txBox="1">
             <a:spLocks noGrp="1"/>
           </p:cNvSpPr>
@@ -5900,7 +6330,7 @@
       </p:sp>
       <p:sp>
         <p:nvSpPr>
-          <p:cNvPr id="623017" name="Title Placeholder 1"/>
+          <p:cNvPr id="1895502773" name="Title Placeholder 1"/>
           <p:cNvSpPr>
             <a:spLocks noGrp="1"/>
           </p:cNvSpPr>
@@ -5997,7 +6427,7 @@
       </p:sp>
       <p:sp>
         <p:nvSpPr>
-          <p:cNvPr id="379557065" name="Text Placeholder 9"/>
+          <p:cNvPr id="2136906654" name="Text Placeholder 9"/>
           <p:cNvSpPr>
             <a:spLocks noGrp="1"/>
           </p:cNvSpPr>
@@ -6034,7 +6464,7 @@
       </p:sp>
       <p:sp>
         <p:nvSpPr>
-          <p:cNvPr id="374972063" name="Text Placeholder 9"/>
+          <p:cNvPr id="434358897" name="Text Placeholder 9"/>
           <p:cNvSpPr>
             <a:spLocks noGrp="1"/>
           </p:cNvSpPr>
@@ -6261,7 +6691,7 @@
       </p:grpSpPr>
       <p:sp>
         <p:nvSpPr>
-          <p:cNvPr id="1453125760" name="Title 1"/>
+          <p:cNvPr id="376746628" name="Title 1"/>
           <p:cNvSpPr>
             <a:spLocks noGrp="1"/>
           </p:cNvSpPr>
@@ -6295,7 +6725,7 @@
       </p:sp>
       <p:sp>
         <p:nvSpPr>
-          <p:cNvPr id="1946581000" name="Date Placeholder 3"/>
+          <p:cNvPr id="720570886" name="Date Placeholder 3"/>
           <p:cNvSpPr>
             <a:spLocks noGrp="1"/>
           </p:cNvSpPr>
@@ -6321,7 +6751,7 @@
       </p:sp>
       <p:sp>
         <p:nvSpPr>
-          <p:cNvPr id="766529556" name="Footer Placeholder 4"/>
+          <p:cNvPr id="43814571" name="Footer Placeholder 4"/>
           <p:cNvSpPr>
             <a:spLocks noGrp="1"/>
           </p:cNvSpPr>
@@ -6347,7 +6777,7 @@
       </p:sp>
       <p:sp>
         <p:nvSpPr>
-          <p:cNvPr id="1596081190" name="Slide Number Placeholder 5"/>
+          <p:cNvPr id="216780561" name="Slide Number Placeholder 5"/>
           <p:cNvSpPr>
             <a:spLocks noGrp="1"/>
           </p:cNvSpPr>
@@ -6373,7 +6803,7 @@
       </p:sp>
       <p:pic>
         <p:nvPicPr>
-          <p:cNvPr id="270234892" name=""/>
+          <p:cNvPr id="1820924871" name=""/>
           <p:cNvPicPr>
             <a:picLocks noChangeAspect="1"/>
           </p:cNvPicPr>
@@ -6398,7 +6828,7 @@
       </p:pic>
       <p:sp>
         <p:nvSpPr>
-          <p:cNvPr id="1638043529" name=""/>
+          <p:cNvPr id="1111547195" name=""/>
           <p:cNvSpPr/>
           <p:nvPr/>
         </p:nvSpPr>
@@ -6514,7 +6944,7 @@
       </p:sp>
       <p:sp>
         <p:nvSpPr>
-          <p:cNvPr id="174100319" name=""/>
+          <p:cNvPr id="614683855" name=""/>
           <p:cNvSpPr/>
           <p:nvPr/>
         </p:nvSpPr>
@@ -6699,7 +7129,7 @@
       </p:sp>
       <p:sp>
         <p:nvSpPr>
-          <p:cNvPr id="410228336" name=""/>
+          <p:cNvPr id="605372809" name=""/>
           <p:cNvSpPr txBox="1"/>
           <p:nvPr/>
         </p:nvSpPr>
@@ -6771,7 +7201,7 @@
       </p:grpSpPr>
       <p:sp>
         <p:nvSpPr>
-          <p:cNvPr id="375734910" name="Title 1"/>
+          <p:cNvPr id="294632438" name="Title 1"/>
           <p:cNvSpPr>
             <a:spLocks noGrp="1"/>
           </p:cNvSpPr>
@@ -6797,7 +7227,7 @@
       </p:sp>
       <p:sp>
         <p:nvSpPr>
-          <p:cNvPr id="1420019829" name="Date Placeholder 3"/>
+          <p:cNvPr id="785653704" name="Date Placeholder 3"/>
           <p:cNvSpPr>
             <a:spLocks noGrp="1"/>
           </p:cNvSpPr>
@@ -6823,7 +7253,7 @@
       </p:sp>
       <p:sp>
         <p:nvSpPr>
-          <p:cNvPr id="2099238423" name="Footer Placeholder 4"/>
+          <p:cNvPr id="1500712015" name="Footer Placeholder 4"/>
           <p:cNvSpPr>
             <a:spLocks noGrp="1"/>
           </p:cNvSpPr>
@@ -6849,7 +7279,7 @@
       </p:sp>
       <p:sp>
         <p:nvSpPr>
-          <p:cNvPr id="760633407" name="Slide Number Placeholder 5"/>
+          <p:cNvPr id="720747564" name="Slide Number Placeholder 5"/>
           <p:cNvSpPr>
             <a:spLocks noGrp="1"/>
           </p:cNvSpPr>
@@ -6875,7 +7305,7 @@
       </p:sp>
       <p:pic>
         <p:nvPicPr>
-          <p:cNvPr id="1465756435" name=""/>
+          <p:cNvPr id="886901476" name=""/>
           <p:cNvPicPr>
             <a:picLocks noChangeAspect="1"/>
           </p:cNvPicPr>
@@ -6897,7 +7327,7 @@
       </p:pic>
       <p:grpSp>
         <p:nvGrpSpPr>
-          <p:cNvPr id="789909139" name=""/>
+          <p:cNvPr id="178574473" name=""/>
           <p:cNvGrpSpPr/>
           <p:nvPr/>
         </p:nvGrpSpPr>
@@ -7381,7 +7811,7 @@
       </p:grpSp>
       <p:grpSp>
         <p:nvGrpSpPr>
-          <p:cNvPr id="996742127" name=""/>
+          <p:cNvPr id="256062551" name=""/>
           <p:cNvGrpSpPr/>
           <p:nvPr/>
         </p:nvGrpSpPr>
@@ -7865,7 +8295,7 @@
       </p:grpSp>
       <p:sp>
         <p:nvSpPr>
-          <p:cNvPr id="1324799088" name=""/>
+          <p:cNvPr id="268362087" name=""/>
           <p:cNvSpPr/>
           <p:nvPr/>
         </p:nvSpPr>
@@ -8363,7 +8793,7 @@
       </p:sp>
       <p:pic>
         <p:nvPicPr>
-          <p:cNvPr id="1099579875" name=""/>
+          <p:cNvPr id="486955346" name=""/>
           <p:cNvPicPr>
             <a:picLocks noChangeAspect="1"/>
           </p:cNvPicPr>
@@ -8385,7 +8815,7 @@
       </p:pic>
       <p:sp>
         <p:nvSpPr>
-          <p:cNvPr id="2064773793" name=""/>
+          <p:cNvPr id="870235104" name=""/>
           <p:cNvSpPr/>
           <p:nvPr/>
         </p:nvSpPr>
@@ -8603,7 +9033,7 @@
       </p:grpSpPr>
       <p:sp>
         <p:nvSpPr>
-          <p:cNvPr id="1314661235" name="Title 1"/>
+          <p:cNvPr id="1572455973" name="Title 1"/>
           <p:cNvSpPr>
             <a:spLocks noGrp="1"/>
           </p:cNvSpPr>
@@ -8629,7 +9059,7 @@
       </p:sp>
       <p:sp>
         <p:nvSpPr>
-          <p:cNvPr id="19908623" name="Date Placeholder 3"/>
+          <p:cNvPr id="75609037" name="Date Placeholder 3"/>
           <p:cNvSpPr>
             <a:spLocks noGrp="1"/>
           </p:cNvSpPr>
@@ -8655,7 +9085,7 @@
       </p:sp>
       <p:sp>
         <p:nvSpPr>
-          <p:cNvPr id="823622894" name="Footer Placeholder 4"/>
+          <p:cNvPr id="1949008185" name="Footer Placeholder 4"/>
           <p:cNvSpPr>
             <a:spLocks noGrp="1"/>
           </p:cNvSpPr>
@@ -8681,7 +9111,7 @@
       </p:sp>
       <p:sp>
         <p:nvSpPr>
-          <p:cNvPr id="282773069" name="Slide Number Placeholder 5"/>
+          <p:cNvPr id="923698494" name="Slide Number Placeholder 5"/>
           <p:cNvSpPr>
             <a:spLocks noGrp="1"/>
           </p:cNvSpPr>
@@ -8707,7 +9137,7 @@
       </p:sp>
       <p:pic>
         <p:nvPicPr>
-          <p:cNvPr id="278735197" name=""/>
+          <p:cNvPr id="1215350546" name=""/>
           <p:cNvPicPr>
             <a:picLocks noChangeAspect="1"/>
           </p:cNvPicPr>
@@ -8729,7 +9159,7 @@
       </p:pic>
       <p:sp>
         <p:nvSpPr>
-          <p:cNvPr id="1846570097" name=""/>
+          <p:cNvPr id="1199445409" name=""/>
           <p:cNvSpPr/>
           <p:nvPr/>
         </p:nvSpPr>
@@ -8769,14 +9199,14 @@
       </p:sp>
       <p:sp>
         <p:nvSpPr>
-          <p:cNvPr id="985090994" name=""/>
+          <p:cNvPr id="480128431" name=""/>
           <p:cNvSpPr/>
           <p:nvPr/>
         </p:nvSpPr>
         <p:spPr bwMode="auto">
           <a:xfrm rot="0">
             <a:off x="1020308" y="2728632"/>
-            <a:ext cx="2482102" cy="3059134"/>
+            <a:ext cx="2482101" cy="3059134"/>
           </a:xfrm>
           <a:custGeom>
             <a:avLst/>
@@ -8845,7 +9275,7 @@
       </p:sp>
       <p:grpSp>
         <p:nvGrpSpPr>
-          <p:cNvPr id="1556233091" name=""/>
+          <p:cNvPr id="1505245680" name=""/>
           <p:cNvGrpSpPr/>
           <p:nvPr/>
         </p:nvGrpSpPr>
@@ -9839,7 +10269,7 @@
       </p:grpSp>
       <p:sp>
         <p:nvSpPr>
-          <p:cNvPr id="1759536568" name=""/>
+          <p:cNvPr id="1937843155" name=""/>
           <p:cNvSpPr/>
           <p:nvPr/>
         </p:nvSpPr>
@@ -10070,7 +10500,7 @@
       </p:sp>
       <p:sp>
         <p:nvSpPr>
-          <p:cNvPr id="697899597" name=""/>
+          <p:cNvPr id="940882978" name=""/>
           <p:cNvSpPr/>
           <p:nvPr/>
         </p:nvSpPr>
@@ -10267,7 +10697,7 @@
       </p:grpSpPr>
       <p:sp>
         <p:nvSpPr>
-          <p:cNvPr id="1611041853" name="Title 1"/>
+          <p:cNvPr id="989119866" name="Title 1"/>
           <p:cNvSpPr>
             <a:spLocks noGrp="1"/>
           </p:cNvSpPr>
@@ -10285,7 +10715,7 @@
             </a:pPr>
             <a:r>
               <a:rPr/>
-              <a:t>Results</a:t>
+              <a:t>Results: comparison with models</a:t>
             </a:r>
             <a:endParaRPr/>
           </a:p>
@@ -10293,7 +10723,7 @@
       </p:sp>
       <p:sp>
         <p:nvSpPr>
-          <p:cNvPr id="764880189" name="Date Placeholder 3"/>
+          <p:cNvPr id="1863898135" name="Date Placeholder 3"/>
           <p:cNvSpPr>
             <a:spLocks noGrp="1"/>
           </p:cNvSpPr>
@@ -10319,7 +10749,7 @@
       </p:sp>
       <p:sp>
         <p:nvSpPr>
-          <p:cNvPr id="549740657" name="Footer Placeholder 4"/>
+          <p:cNvPr id="425224793" name="Footer Placeholder 4"/>
           <p:cNvSpPr>
             <a:spLocks noGrp="1"/>
           </p:cNvSpPr>
@@ -10345,7 +10775,7 @@
       </p:sp>
       <p:sp>
         <p:nvSpPr>
-          <p:cNvPr id="790656224" name="Slide Number Placeholder 5"/>
+          <p:cNvPr id="1586277495" name="Slide Number Placeholder 5"/>
           <p:cNvSpPr>
             <a:spLocks noGrp="1"/>
           </p:cNvSpPr>
@@ -10371,7 +10801,7 @@
       </p:sp>
       <p:pic>
         <p:nvPicPr>
-          <p:cNvPr id="319910925" name=""/>
+          <p:cNvPr id="877018609" name=""/>
           <p:cNvPicPr>
             <a:picLocks noChangeAspect="1"/>
           </p:cNvPicPr>
@@ -10383,14 +10813,515 @@
         </p:blipFill>
         <p:spPr bwMode="auto">
           <a:xfrm flipH="0" flipV="0">
-            <a:off x="4549158" y="952499"/>
-            <a:ext cx="7208479" cy="5150913"/>
+            <a:off x="4885882" y="1316688"/>
+            <a:ext cx="6830618" cy="4880907"/>
           </a:xfrm>
           <a:prstGeom prst="rect">
             <a:avLst/>
           </a:prstGeom>
         </p:spPr>
       </p:pic>
+      <p:sp>
+        <p:nvSpPr>
+          <p:cNvPr id="240535754" name=""/>
+          <p:cNvSpPr/>
+          <p:nvPr/>
+        </p:nvSpPr>
+        <p:spPr bwMode="auto">
+          <a:xfrm rot="0" flipH="0" flipV="0">
+            <a:off x="554898" y="1495989"/>
+            <a:ext cx="4059540" cy="1707024"/>
+          </a:xfrm>
+          <a:prstGeom prst="flowChartAlternateProcess">
+            <a:avLst/>
+          </a:prstGeom>
+          <a:solidFill>
+            <a:srgbClr val="CCEBC5"/>
+          </a:solidFill>
+          <a:ln w="12700" cap="flat" cmpd="sng" algn="ctr">
+            <a:solidFill>
+              <a:schemeClr val="bg1"/>
+            </a:solidFill>
+            <a:prstDash val="solid"/>
+            <a:miter lim="800000"/>
+          </a:ln>
+          <a:effectLst/>
+        </p:spPr>
+        <p:style>
+          <a:lnRef idx="2">
+            <a:schemeClr val="accent1">
+              <a:shade val="50000"/>
+            </a:schemeClr>
+          </a:lnRef>
+          <a:fillRef idx="1">
+            <a:schemeClr val="accent1"/>
+          </a:fillRef>
+          <a:effectRef idx="0">
+            <a:schemeClr val="accent1"/>
+          </a:effectRef>
+          <a:fontRef idx="minor">
+            <a:schemeClr val="lt1"/>
+          </a:fontRef>
+        </p:style>
+        <p:txBody>
+          <a:bodyPr vertOverflow="overflow" horzOverflow="overflow" vert="horz" wrap="square" lIns="91440" tIns="45720" rIns="91440" bIns="45720" numCol="1" spcCol="0" rtlCol="0" fromWordArt="0" anchor="ctr" anchorCtr="0" forceAA="0" upright="0" compatLnSpc="0"/>
+          <a:p>
+            <a:pPr algn="ctr">
+              <a:defRPr/>
+            </a:pPr>
+            <a:r>
+              <a:rPr sz="2000" b="1">
+                <a:solidFill>
+                  <a:srgbClr val="7030A0"/>
+                </a:solidFill>
+                <a:latin typeface="Roobert"/>
+                <a:ea typeface="Roobert"/>
+                <a:cs typeface="Roobert"/>
+              </a:rPr>
+              <a:t>SFO-tls</a:t>
+            </a:r>
+            <a:r>
+              <a:rPr sz="2000" b="0">
+                <a:solidFill>
+                  <a:schemeClr val="tx1"/>
+                </a:solidFill>
+                <a:latin typeface="Roobert"/>
+                <a:ea typeface="Roobert"/>
+                <a:cs typeface="Roobert"/>
+              </a:rPr>
+              <a:t> interaction</a:t>
+            </a:r>
+            <a:endParaRPr sz="2000" b="0">
+              <a:solidFill>
+                <a:schemeClr val="tx1"/>
+              </a:solidFill>
+              <a:latin typeface="Roobert"/>
+              <a:cs typeface="Roobert"/>
+            </a:endParaRPr>
+          </a:p>
+          <a:p>
+            <a:pPr algn="ctr">
+              <a:defRPr/>
+            </a:pPr>
+            <a:r>
+              <a:rPr sz="1400" b="0" i="1">
+                <a:solidFill>
+                  <a:schemeClr val="tx1"/>
+                </a:solidFill>
+                <a:latin typeface="Roobert"/>
+                <a:cs typeface="Roobert"/>
+              </a:rPr>
+              <a:t>T. Suzuki, T. Otsuka PRC 78 (2008)</a:t>
+            </a:r>
+            <a:endParaRPr sz="1400" b="0" i="1">
+              <a:solidFill>
+                <a:schemeClr val="tx1"/>
+              </a:solidFill>
+              <a:latin typeface="Roobert"/>
+              <a:ea typeface="Roobert"/>
+              <a:cs typeface="Roobert"/>
+            </a:endParaRPr>
+          </a:p>
+          <a:p>
+            <a:pPr marL="305908" indent="-305908" algn="l">
+              <a:buFont typeface="Arial"/>
+              <a:buChar char="•"/>
+              <a:defRPr/>
+            </a:pPr>
+            <a:r>
+              <a:rPr sz="2000" b="0" i="0">
+                <a:solidFill>
+                  <a:schemeClr val="tx1"/>
+                </a:solidFill>
+                <a:latin typeface="Roobert"/>
+                <a:ea typeface="Roobert"/>
+                <a:cs typeface="Roobert"/>
+              </a:rPr>
+              <a:t>For </a:t>
+            </a:r>
+            <a:r>
+              <a:rPr sz="2000" b="0" i="1">
+                <a:solidFill>
+                  <a:schemeClr val="tx1"/>
+                </a:solidFill>
+                <a:latin typeface="Roobert"/>
+                <a:ea typeface="Roobert"/>
+                <a:cs typeface="Roobert"/>
+              </a:rPr>
+              <a:t>p-sd</a:t>
+            </a:r>
+            <a:r>
+              <a:rPr sz="2000" b="0" i="0">
+                <a:solidFill>
+                  <a:schemeClr val="tx1"/>
+                </a:solidFill>
+                <a:latin typeface="Roobert"/>
+                <a:ea typeface="Roobert"/>
+                <a:cs typeface="Roobert"/>
+              </a:rPr>
+              <a:t> neutron-rich nuclei</a:t>
+            </a:r>
+            <a:endParaRPr sz="2000" b="0" i="0">
+              <a:solidFill>
+                <a:schemeClr val="tx1"/>
+              </a:solidFill>
+              <a:latin typeface="Roobert"/>
+              <a:ea typeface="Roobert"/>
+              <a:cs typeface="Roobert"/>
+            </a:endParaRPr>
+          </a:p>
+          <a:p>
+            <a:pPr marL="305908" indent="-305908" algn="l">
+              <a:buFont typeface="Arial"/>
+              <a:buChar char="•"/>
+              <a:defRPr/>
+            </a:pPr>
+            <a:r>
+              <a:rPr sz="2000" b="0" i="1">
+                <a:solidFill>
+                  <a:schemeClr val="tx1"/>
+                </a:solidFill>
+                <a:latin typeface="Roobert"/>
+                <a:ea typeface="Roobert"/>
+                <a:cs typeface="Roobert"/>
+              </a:rPr>
+              <a:t>Modified:</a:t>
+            </a:r>
+            <a:r>
+              <a:rPr sz="2000" b="0" i="0">
+                <a:solidFill>
+                  <a:schemeClr val="tx1"/>
+                </a:solidFill>
+                <a:latin typeface="Roobert"/>
+                <a:ea typeface="Roobert"/>
+                <a:cs typeface="Roobert"/>
+              </a:rPr>
+              <a:t> reduced </a:t>
+            </a:r>
+            <a:r>
+              <a:rPr sz="2000" b="0" i="0">
+                <a:solidFill>
+                  <a:schemeClr val="tx1"/>
+                </a:solidFill>
+                <a:latin typeface="Roobert"/>
+                <a:ea typeface="Roobert"/>
+                <a:cs typeface="Roobert"/>
+              </a:rPr>
+              <a:t>tensor </a:t>
+            </a:r>
+            <a:r>
+              <a:rPr sz="2000" b="0" i="0">
+                <a:solidFill>
+                  <a:schemeClr val="tx1"/>
+                </a:solidFill>
+                <a:latin typeface="STIX"/>
+                <a:ea typeface="STIX"/>
+                <a:cs typeface="STIX"/>
+              </a:rPr>
+              <a:t>ν</a:t>
+            </a:r>
+            <a:r>
+              <a:rPr sz="2000" b="0" i="0">
+                <a:solidFill>
+                  <a:schemeClr val="tx1"/>
+                </a:solidFill>
+                <a:latin typeface="STIX"/>
+                <a:ea typeface="STIX"/>
+                <a:cs typeface="STIX"/>
+              </a:rPr>
+              <a:t>ν</a:t>
+            </a:r>
+            <a:r>
+              <a:rPr sz="2000" b="0" i="0">
+                <a:solidFill>
+                  <a:schemeClr val="tx1"/>
+                </a:solidFill>
+                <a:latin typeface="Roobert"/>
+                <a:ea typeface="Roobert"/>
+                <a:cs typeface="Roobert"/>
+              </a:rPr>
+              <a:t> and </a:t>
+            </a:r>
+            <a:r>
+              <a:rPr sz="2000" b="0" i="0">
+                <a:solidFill>
+                  <a:schemeClr val="tx1"/>
+                </a:solidFill>
+                <a:latin typeface="STIX"/>
+                <a:ea typeface="STIX"/>
+                <a:cs typeface="STIX"/>
+              </a:rPr>
+              <a:t>ν</a:t>
+            </a:r>
+            <a:r>
+              <a:rPr sz="2000" b="0" i="0">
+                <a:solidFill>
+                  <a:schemeClr val="tx1"/>
+                </a:solidFill>
+                <a:latin typeface="STIX"/>
+                <a:ea typeface="STIX"/>
+                <a:cs typeface="STIX"/>
+              </a:rPr>
+              <a:t>π</a:t>
+            </a:r>
+            <a:r>
+              <a:rPr sz="2000" b="0" i="0">
+                <a:solidFill>
+                  <a:schemeClr val="tx1"/>
+                </a:solidFill>
+                <a:latin typeface="Roobert"/>
+                <a:ea typeface="Roobert"/>
+                <a:cs typeface="Roobert"/>
+              </a:rPr>
+              <a:t> monopole matrix el.</a:t>
+            </a:r>
+            <a:endParaRPr sz="2000" b="0" i="0">
+              <a:solidFill>
+                <a:schemeClr val="tx1"/>
+              </a:solidFill>
+              <a:latin typeface="Roobert"/>
+              <a:cs typeface="Roobert"/>
+            </a:endParaRPr>
+          </a:p>
+        </p:txBody>
+      </p:sp>
+      <p:sp>
+        <p:nvSpPr>
+          <p:cNvPr id="892723476" name=""/>
+          <p:cNvSpPr/>
+          <p:nvPr/>
+        </p:nvSpPr>
+        <p:spPr bwMode="auto">
+          <a:xfrm rot="0" flipH="0" flipV="0">
+            <a:off x="554898" y="3340007"/>
+            <a:ext cx="4059540" cy="1805359"/>
+          </a:xfrm>
+          <a:prstGeom prst="flowChartAlternateProcess">
+            <a:avLst/>
+          </a:prstGeom>
+          <a:solidFill>
+            <a:srgbClr val="CAF0F8"/>
+          </a:solidFill>
+          <a:ln w="12700" cap="flat" cmpd="sng" algn="ctr">
+            <a:solidFill>
+              <a:schemeClr val="bg1"/>
+            </a:solidFill>
+            <a:prstDash val="solid"/>
+            <a:miter lim="800000"/>
+          </a:ln>
+        </p:spPr>
+        <p:style>
+          <a:lnRef idx="2">
+            <a:schemeClr val="accent1">
+              <a:shade val="50000"/>
+            </a:schemeClr>
+          </a:lnRef>
+          <a:fillRef idx="1">
+            <a:schemeClr val="accent1"/>
+          </a:fillRef>
+          <a:effectRef idx="0">
+            <a:schemeClr val="accent1"/>
+          </a:effectRef>
+          <a:fontRef idx="minor">
+            <a:schemeClr val="lt1"/>
+          </a:fontRef>
+        </p:style>
+        <p:txBody>
+          <a:bodyPr vertOverflow="overflow" horzOverflow="overflow" vert="horz" wrap="square" lIns="91440" tIns="45720" rIns="91440" bIns="45720" numCol="1" spcCol="0" rtlCol="0" fromWordArt="0" anchor="ctr" anchorCtr="0" forceAA="0" upright="0" compatLnSpc="0"/>
+          <a:p>
+            <a:pPr marL="327935" indent="-327935" algn="l">
+              <a:buFont typeface="Arial"/>
+              <a:buChar char="•"/>
+              <a:defRPr/>
+            </a:pPr>
+            <a:r>
+              <a:rPr sz="2000" i="0">
+                <a:solidFill>
+                  <a:srgbClr val="000000"/>
+                </a:solidFill>
+                <a:latin typeface="Roobert"/>
+                <a:ea typeface="Roobert"/>
+                <a:cs typeface="Roobert"/>
+              </a:rPr>
+              <a:t>C</a:t>
+            </a:r>
+            <a:r>
+              <a:rPr sz="2000" i="0" baseline="30000">
+                <a:solidFill>
+                  <a:srgbClr val="000000"/>
+                </a:solidFill>
+                <a:latin typeface="Roobert"/>
+                <a:ea typeface="Roobert"/>
+                <a:cs typeface="Roobert"/>
+              </a:rPr>
+              <a:t>2</a:t>
+            </a:r>
+            <a:r>
+              <a:rPr sz="2000" i="0">
+                <a:solidFill>
+                  <a:srgbClr val="000000"/>
+                </a:solidFill>
+                <a:latin typeface="Roobert"/>
+                <a:ea typeface="Roobert"/>
+                <a:cs typeface="Roobert"/>
+              </a:rPr>
+              <a:t>S reduced wrt SFO-tls</a:t>
+            </a:r>
+            <a:endParaRPr sz="2000" i="0">
+              <a:solidFill>
+                <a:srgbClr val="000000"/>
+              </a:solidFill>
+              <a:latin typeface="Roobert"/>
+              <a:ea typeface="Roobert"/>
+              <a:cs typeface="Roobert"/>
+            </a:endParaRPr>
+          </a:p>
+          <a:p>
+            <a:pPr marL="327935" indent="-327935" algn="l">
+              <a:buFont typeface="Arial"/>
+              <a:buChar char="•"/>
+              <a:defRPr/>
+            </a:pPr>
+            <a:r>
+              <a:rPr sz="2000" i="0">
+                <a:solidFill>
+                  <a:srgbClr val="000000"/>
+                </a:solidFill>
+                <a:latin typeface="Roobert"/>
+                <a:ea typeface="Roobert"/>
+                <a:cs typeface="Roobert"/>
+              </a:rPr>
+              <a:t>Great reproduction of low-lying states</a:t>
+            </a:r>
+            <a:endParaRPr sz="2000" i="0">
+              <a:solidFill>
+                <a:srgbClr val="000000"/>
+              </a:solidFill>
+              <a:latin typeface="Roobert"/>
+              <a:ea typeface="Roobert"/>
+              <a:cs typeface="Roobert"/>
+            </a:endParaRPr>
+          </a:p>
+          <a:p>
+            <a:pPr marL="327935" indent="-327935" algn="l">
+              <a:buFont typeface="Arial"/>
+              <a:buChar char="•"/>
+              <a:defRPr/>
+            </a:pPr>
+            <a:r>
+              <a:rPr sz="2000" i="0">
+                <a:solidFill>
+                  <a:srgbClr val="000000"/>
+                </a:solidFill>
+                <a:latin typeface="Roobert"/>
+                <a:ea typeface="Roobert"/>
+                <a:cs typeface="Roobert"/>
+              </a:rPr>
+              <a:t>0p</a:t>
+            </a:r>
+            <a:r>
+              <a:rPr sz="2000" i="0" baseline="-25000">
+                <a:solidFill>
+                  <a:srgbClr val="000000"/>
+                </a:solidFill>
+                <a:latin typeface="Roobert"/>
+                <a:ea typeface="Roobert"/>
+                <a:cs typeface="Roobert"/>
+              </a:rPr>
+              <a:t>3/2</a:t>
+            </a:r>
+            <a:r>
+              <a:rPr sz="2000" i="0">
+                <a:solidFill>
+                  <a:srgbClr val="000000"/>
+                </a:solidFill>
+                <a:latin typeface="Roobert"/>
+                <a:ea typeface="Roobert"/>
+                <a:cs typeface="Roobert"/>
+              </a:rPr>
+              <a:t> less fragmented than predicted</a:t>
+            </a:r>
+            <a:endParaRPr sz="2000" i="0">
+              <a:solidFill>
+                <a:srgbClr val="000000"/>
+              </a:solidFill>
+              <a:latin typeface="Roobert"/>
+              <a:ea typeface="Roobert"/>
+              <a:cs typeface="Roobert"/>
+            </a:endParaRPr>
+          </a:p>
+        </p:txBody>
+      </p:sp>
+      <p:sp>
+        <p:nvSpPr>
+          <p:cNvPr id="1099950286" name=""/>
+          <p:cNvSpPr/>
+          <p:nvPr/>
+        </p:nvSpPr>
+        <p:spPr bwMode="auto">
+          <a:xfrm rot="0" flipH="0" flipV="0">
+            <a:off x="554898" y="5252565"/>
+            <a:ext cx="4059541" cy="945030"/>
+          </a:xfrm>
+          <a:prstGeom prst="flowChartAlternateProcess">
+            <a:avLst/>
+          </a:prstGeom>
+          <a:solidFill>
+            <a:srgbClr val="FFEEDD"/>
+          </a:solidFill>
+          <a:ln w="12700" cap="flat" cmpd="sng" algn="ctr">
+            <a:solidFill>
+              <a:schemeClr val="bg1"/>
+            </a:solidFill>
+            <a:prstDash val="solid"/>
+            <a:miter lim="800000"/>
+          </a:ln>
+          <a:effectLst/>
+        </p:spPr>
+        <p:style>
+          <a:lnRef idx="2">
+            <a:schemeClr val="accent1">
+              <a:shade val="50000"/>
+            </a:schemeClr>
+          </a:lnRef>
+          <a:fillRef idx="1">
+            <a:schemeClr val="accent1"/>
+          </a:fillRef>
+          <a:effectRef idx="0">
+            <a:schemeClr val="accent1"/>
+          </a:effectRef>
+          <a:fontRef idx="minor">
+            <a:schemeClr val="lt1"/>
+          </a:fontRef>
+        </p:style>
+        <p:txBody>
+          <a:bodyPr vertOverflow="overflow" horzOverflow="overflow" vert="horz" wrap="square" lIns="91440" tIns="45720" rIns="91440" bIns="45720" numCol="1" spcCol="0" rtlCol="0" fromWordArt="0" anchor="ctr" anchorCtr="0" forceAA="0" upright="0" compatLnSpc="0"/>
+          <a:p>
+            <a:pPr marL="305907" indent="-305907" algn="l">
+              <a:buFont typeface="Arial"/>
+              <a:buChar char="•"/>
+              <a:defRPr/>
+            </a:pPr>
+            <a:r>
+              <a:rPr sz="2000" b="0" u="none">
+                <a:solidFill>
+                  <a:schemeClr val="tx1"/>
+                </a:solidFill>
+                <a:latin typeface="Roobert"/>
+                <a:cs typeface="Roobert"/>
+              </a:rPr>
+              <a:t>How to accommodate T = 5/2? Bc SFo-tls predicts it a much higher Ex!!</a:t>
+            </a:r>
+            <a:endParaRPr sz="2000" b="0" u="none">
+              <a:solidFill>
+                <a:schemeClr val="tx1"/>
+              </a:solidFill>
+              <a:latin typeface="Roobert"/>
+              <a:cs typeface="Roobert"/>
+            </a:endParaRPr>
+          </a:p>
+        </p:txBody>
+      </p:sp>
     </p:spTree>
   </p:cSld>
   <p:clrMapOvr>
@@ -10426,7 +11357,7 @@
       </p:grpSpPr>
       <p:sp>
         <p:nvSpPr>
-          <p:cNvPr id="861840946" name="Title 1"/>
+          <p:cNvPr id="1688590271" name="Title 1"/>
           <p:cNvSpPr>
             <a:spLocks noGrp="1"/>
           </p:cNvSpPr>
@@ -10444,7 +11375,7 @@
             </a:pPr>
             <a:r>
               <a:rPr/>
-              <a:t>A window to the analysis</a:t>
+              <a:t>Results: centroids</a:t>
             </a:r>
             <a:endParaRPr/>
           </a:p>
@@ -10452,7 +11383,7 @@
       </p:sp>
       <p:sp>
         <p:nvSpPr>
-          <p:cNvPr id="1202260537" name="Date Placeholder 3"/>
+          <p:cNvPr id="2021166008" name="Date Placeholder 3"/>
           <p:cNvSpPr>
             <a:spLocks noGrp="1"/>
           </p:cNvSpPr>
@@ -10478,7 +11409,7 @@
       </p:sp>
       <p:sp>
         <p:nvSpPr>
-          <p:cNvPr id="1545681241" name="Footer Placeholder 4"/>
+          <p:cNvPr id="1321298463" name="Footer Placeholder 4"/>
           <p:cNvSpPr>
             <a:spLocks noGrp="1"/>
           </p:cNvSpPr>
@@ -10504,7 +11435,7 @@
       </p:sp>
       <p:sp>
         <p:nvSpPr>
-          <p:cNvPr id="2035842972" name="Slide Number Placeholder 5"/>
+          <p:cNvPr id="387829428" name="Slide Number Placeholder 5"/>
           <p:cNvSpPr>
             <a:spLocks noGrp="1"/>
           </p:cNvSpPr>
@@ -10520,6 +11451,2659 @@
             <a:pPr>
               <a:defRPr/>
             </a:pPr>
+            <a:fld id="{46D68974-2908-D8CE-D46A-D7AF64595658}" type="slidenum">
+              <a:rPr lang="en-US"/>
+              <a:t/>
+            </a:fld>
+            <a:endParaRPr lang="en-US"/>
+          </a:p>
+        </p:txBody>
+      </p:sp>
+      <p:pic>
+        <p:nvPicPr>
+          <p:cNvPr id="803217147" name=""/>
+          <p:cNvPicPr>
+            <a:picLocks noChangeAspect="1"/>
+          </p:cNvPicPr>
+          <p:nvPr/>
+        </p:nvPicPr>
+        <p:blipFill>
+          <a:blip r:embed="rId3"/>
+          <a:stretch/>
+        </p:blipFill>
+        <p:spPr bwMode="auto">
+          <a:xfrm flipH="0" flipV="0">
+            <a:off x="5611770" y="1578161"/>
+            <a:ext cx="5997656" cy="3940734"/>
+          </a:xfrm>
+          <a:prstGeom prst="rect">
+            <a:avLst/>
+          </a:prstGeom>
+        </p:spPr>
+      </p:pic>
+      <p:sp>
+        <p:nvSpPr>
+          <p:cNvPr id="1571800949" name=""/>
+          <p:cNvSpPr/>
+          <p:nvPr/>
+        </p:nvSpPr>
+        <p:spPr bwMode="auto">
+          <a:xfrm rot="0" flipH="0" flipV="0">
+            <a:off x="554898" y="1495989"/>
+            <a:ext cx="4059540" cy="2229966"/>
+          </a:xfrm>
+          <a:prstGeom prst="flowChartAlternateProcess">
+            <a:avLst/>
+          </a:prstGeom>
+          <a:solidFill>
+            <a:srgbClr val="CCEBC5"/>
+          </a:solidFill>
+          <a:ln w="12700" cap="flat" cmpd="sng" algn="ctr">
+            <a:solidFill>
+              <a:schemeClr val="bg1"/>
+            </a:solidFill>
+            <a:prstDash val="solid"/>
+            <a:miter lim="800000"/>
+          </a:ln>
+          <a:effectLst/>
+        </p:spPr>
+        <p:style>
+          <a:lnRef idx="2">
+            <a:schemeClr val="accent1">
+              <a:shade val="50000"/>
+            </a:schemeClr>
+          </a:lnRef>
+          <a:fillRef idx="1">
+            <a:schemeClr val="accent1"/>
+          </a:fillRef>
+          <a:effectRef idx="0">
+            <a:schemeClr val="accent1"/>
+          </a:effectRef>
+          <a:fontRef idx="minor">
+            <a:schemeClr val="lt1"/>
+          </a:fontRef>
+        </p:style>
+        <p:txBody>
+          <a:bodyPr vertOverflow="overflow" horzOverflow="overflow" vert="horz" wrap="square" lIns="91440" tIns="45720" rIns="91440" bIns="45720" numCol="1" spcCol="0" rtlCol="0" fromWordArt="0" anchor="ctr" anchorCtr="0" forceAA="0" upright="0" compatLnSpc="0"/>
+          <a:p>
+            <a:pPr algn="ctr">
+              <a:defRPr/>
+            </a:pPr>
+            <a:r>
+              <a:rPr sz="2000" b="1" i="1">
+                <a:solidFill>
+                  <a:srgbClr val="7030A0"/>
+                </a:solidFill>
+                <a:latin typeface="Roobert"/>
+                <a:ea typeface="Roobert"/>
+                <a:cs typeface="Roobert"/>
+              </a:rPr>
+              <a:t>Modified </a:t>
+            </a:r>
+            <a:r>
+              <a:rPr sz="2000" b="1">
+                <a:solidFill>
+                  <a:srgbClr val="7030A0"/>
+                </a:solidFill>
+                <a:latin typeface="Roobert"/>
+                <a:ea typeface="Roobert"/>
+                <a:cs typeface="Roobert"/>
+              </a:rPr>
+              <a:t>SFO-tls</a:t>
+            </a:r>
+            <a:r>
+              <a:rPr sz="2000" b="0">
+                <a:solidFill>
+                  <a:schemeClr val="tx1"/>
+                </a:solidFill>
+                <a:latin typeface="Roobert"/>
+                <a:ea typeface="Roobert"/>
+                <a:cs typeface="Roobert"/>
+              </a:rPr>
+              <a:t>:</a:t>
+            </a:r>
+            <a:endParaRPr sz="2000" b="0">
+              <a:solidFill>
+                <a:schemeClr val="tx1"/>
+              </a:solidFill>
+              <a:latin typeface="Roobert"/>
+              <a:ea typeface="Roobert"/>
+              <a:cs typeface="Roobert"/>
+            </a:endParaRPr>
+          </a:p>
+          <a:p>
+            <a:pPr marL="305907" indent="-305907" algn="l">
+              <a:buFont typeface="Arial"/>
+              <a:buChar char="•"/>
+              <a:defRPr/>
+            </a:pPr>
+            <a:r>
+              <a:rPr sz="2000" b="0" i="0">
+                <a:solidFill>
+                  <a:schemeClr val="tx1"/>
+                </a:solidFill>
+                <a:latin typeface="Roobert"/>
+                <a:ea typeface="Roobert"/>
+                <a:cs typeface="Roobert"/>
+              </a:rPr>
+              <a:t>Excellent agreement for 0d</a:t>
+            </a:r>
+            <a:r>
+              <a:rPr sz="2000" b="0" i="0" baseline="-25000">
+                <a:solidFill>
+                  <a:schemeClr val="tx1"/>
+                </a:solidFill>
+                <a:latin typeface="Roobert"/>
+                <a:ea typeface="Roobert"/>
+                <a:cs typeface="Roobert"/>
+              </a:rPr>
+              <a:t>5/2</a:t>
+            </a:r>
+            <a:r>
+              <a:rPr sz="2000" b="0" i="0">
+                <a:solidFill>
+                  <a:schemeClr val="tx1"/>
+                </a:solidFill>
+                <a:latin typeface="Roobert"/>
+                <a:ea typeface="Roobert"/>
+                <a:cs typeface="Roobert"/>
+              </a:rPr>
+              <a:t>, 1s</a:t>
+            </a:r>
+            <a:r>
+              <a:rPr sz="2000" b="0" i="0" baseline="-25000">
+                <a:solidFill>
+                  <a:schemeClr val="tx1"/>
+                </a:solidFill>
+                <a:latin typeface="Roobert"/>
+                <a:ea typeface="Roobert"/>
+                <a:cs typeface="Roobert"/>
+              </a:rPr>
+              <a:t>1/</a:t>
+            </a:r>
+            <a:r>
+              <a:rPr sz="2000" b="0" i="0" baseline="-25000">
+                <a:solidFill>
+                  <a:schemeClr val="tx1"/>
+                </a:solidFill>
+                <a:latin typeface="Roobert"/>
+                <a:ea typeface="Roobert"/>
+                <a:cs typeface="Roobert"/>
+              </a:rPr>
+              <a:t>2</a:t>
+            </a:r>
+            <a:r>
+              <a:rPr sz="2000" b="0" i="0">
+                <a:solidFill>
+                  <a:schemeClr val="tx1"/>
+                </a:solidFill>
+                <a:latin typeface="Roobert"/>
+                <a:ea typeface="Roobert"/>
+                <a:cs typeface="Roobert"/>
+              </a:rPr>
+              <a:t> </a:t>
+            </a:r>
+            <a:r>
+              <a:rPr sz="2000" b="0" i="0">
+                <a:solidFill>
+                  <a:schemeClr val="tx1"/>
+                </a:solidFill>
+                <a:latin typeface="Roobert"/>
+                <a:ea typeface="Roobert"/>
+                <a:cs typeface="Roobert"/>
+              </a:rPr>
+              <a:t>and 0p</a:t>
+            </a:r>
+            <a:r>
+              <a:rPr sz="2000" b="0" i="0" baseline="-25000">
+                <a:solidFill>
+                  <a:schemeClr val="tx1"/>
+                </a:solidFill>
+                <a:latin typeface="Roobert"/>
+                <a:ea typeface="Roobert"/>
+                <a:cs typeface="Roobert"/>
+              </a:rPr>
+              <a:t>1/2</a:t>
+            </a:r>
+            <a:endParaRPr sz="2000" b="0" i="0">
+              <a:solidFill>
+                <a:schemeClr val="tx1"/>
+              </a:solidFill>
+              <a:latin typeface="Roobert"/>
+              <a:ea typeface="Roobert"/>
+              <a:cs typeface="Roobert"/>
+            </a:endParaRPr>
+          </a:p>
+          <a:p>
+            <a:pPr marL="305907" indent="-305907" algn="l">
+              <a:buFont typeface="Arial"/>
+              <a:buChar char="•"/>
+              <a:defRPr/>
+            </a:pPr>
+            <a:r>
+              <a:rPr sz="2000" b="0" i="0">
+                <a:solidFill>
+                  <a:schemeClr val="tx1"/>
+                </a:solidFill>
+                <a:latin typeface="Roobert"/>
+                <a:ea typeface="Roobert"/>
+                <a:cs typeface="Roobert"/>
+              </a:rPr>
+              <a:t>0p</a:t>
+            </a:r>
+            <a:r>
+              <a:rPr sz="2000" b="0" i="0" baseline="-25000">
+                <a:solidFill>
+                  <a:schemeClr val="tx1"/>
+                </a:solidFill>
+                <a:latin typeface="Roobert"/>
+                <a:ea typeface="Roobert"/>
+                <a:cs typeface="Roobert"/>
+              </a:rPr>
+              <a:t>3/2</a:t>
+            </a:r>
+            <a:r>
+              <a:rPr sz="2000" b="0" i="0">
+                <a:solidFill>
+                  <a:schemeClr val="tx1"/>
+                </a:solidFill>
+                <a:latin typeface="Roobert"/>
+                <a:ea typeface="Roobert"/>
+                <a:cs typeface="Roobert"/>
+              </a:rPr>
+              <a:t> shifted towards high E</a:t>
+            </a:r>
+            <a:r>
+              <a:rPr sz="2000" b="0" i="0" baseline="-25000">
+                <a:solidFill>
+                  <a:schemeClr val="tx1"/>
+                </a:solidFill>
+                <a:latin typeface="Roobert"/>
+                <a:ea typeface="Roobert"/>
+                <a:cs typeface="Roobert"/>
+              </a:rPr>
+              <a:t>x</a:t>
+            </a:r>
+            <a:r>
+              <a:rPr sz="2000" b="0" i="0">
+                <a:solidFill>
+                  <a:schemeClr val="tx1"/>
+                </a:solidFill>
+                <a:latin typeface="Roobert"/>
+                <a:ea typeface="Roobert"/>
+                <a:cs typeface="Roobert"/>
+              </a:rPr>
+              <a:t> </a:t>
+            </a:r>
+            <a:r>
+              <a:rPr sz="2000" b="0" i="0">
+                <a:solidFill>
+                  <a:schemeClr val="tx1"/>
+                </a:solidFill>
+                <a:latin typeface="Roobert"/>
+                <a:cs typeface="Roobert"/>
+              </a:rPr>
+              <a:t>and overestimated </a:t>
+            </a:r>
+            <a:r>
+              <a:rPr sz="2000" b="0" i="0">
+                <a:solidFill>
+                  <a:schemeClr val="tx1"/>
+                </a:solidFill>
+                <a:latin typeface="STIX"/>
+                <a:ea typeface="STIX"/>
+                <a:cs typeface="STIX"/>
+              </a:rPr>
+              <a:t>∑</a:t>
+            </a:r>
+            <a:r>
+              <a:rPr sz="2000">
+                <a:solidFill>
+                  <a:schemeClr val="tx1"/>
+                </a:solidFill>
+                <a:latin typeface="Roobert"/>
+                <a:ea typeface="Roobert"/>
+                <a:cs typeface="Roobert"/>
+              </a:rPr>
+              <a:t>C</a:t>
+            </a:r>
+            <a:r>
+              <a:rPr sz="2000" baseline="30000">
+                <a:solidFill>
+                  <a:schemeClr val="tx1"/>
+                </a:solidFill>
+                <a:latin typeface="Roobert"/>
+                <a:ea typeface="Roobert"/>
+                <a:cs typeface="Roobert"/>
+              </a:rPr>
+              <a:t>2</a:t>
+            </a:r>
+            <a:r>
+              <a:rPr sz="2000">
+                <a:solidFill>
+                  <a:schemeClr val="tx1"/>
+                </a:solidFill>
+                <a:latin typeface="Roobert"/>
+                <a:ea typeface="Roobert"/>
+                <a:cs typeface="Roobert"/>
+              </a:rPr>
+              <a:t>S</a:t>
+            </a:r>
+            <a:endParaRPr sz="2000" b="0" i="0">
+              <a:solidFill>
+                <a:schemeClr val="tx1"/>
+              </a:solidFill>
+              <a:latin typeface="Roobert"/>
+              <a:cs typeface="Roobert"/>
+            </a:endParaRPr>
+          </a:p>
+        </p:txBody>
+      </p:sp>
+      <p:sp>
+        <p:nvSpPr>
+          <p:cNvPr id="1426050755" name=""/>
+          <p:cNvSpPr/>
+          <p:nvPr/>
+        </p:nvSpPr>
+        <p:spPr bwMode="auto">
+          <a:xfrm rot="0" flipH="0" flipV="0">
+            <a:off x="554898" y="3873269"/>
+            <a:ext cx="4059540" cy="1934042"/>
+          </a:xfrm>
+          <a:prstGeom prst="flowChartAlternateProcess">
+            <a:avLst/>
+          </a:prstGeom>
+          <a:solidFill>
+            <a:srgbClr val="FDD9EC"/>
+          </a:solidFill>
+          <a:ln w="12700" cap="flat" cmpd="sng" algn="ctr">
+            <a:solidFill>
+              <a:schemeClr val="bg1"/>
+            </a:solidFill>
+            <a:prstDash val="solid"/>
+            <a:miter lim="800000"/>
+          </a:ln>
+        </p:spPr>
+        <p:style>
+          <a:lnRef idx="2">
+            <a:schemeClr val="accent1">
+              <a:shade val="50000"/>
+            </a:schemeClr>
+          </a:lnRef>
+          <a:fillRef idx="1">
+            <a:schemeClr val="accent1"/>
+          </a:fillRef>
+          <a:effectRef idx="0">
+            <a:schemeClr val="accent1"/>
+          </a:effectRef>
+          <a:fontRef idx="minor">
+            <a:schemeClr val="lt1"/>
+          </a:fontRef>
+        </p:style>
+        <p:txBody>
+          <a:bodyPr vertOverflow="overflow" horzOverflow="overflow" vert="horz" wrap="square" lIns="91440" tIns="45720" rIns="91440" bIns="45720" numCol="1" spcCol="0" rtlCol="0" fromWordArt="0" anchor="ctr" anchorCtr="0" forceAA="0" upright="0" compatLnSpc="0"/>
+          <a:p>
+            <a:pPr algn="ctr">
+              <a:lnSpc>
+                <a:spcPct val="114999"/>
+              </a:lnSpc>
+              <a:defRPr/>
+            </a:pPr>
+            <a:r>
+              <a:rPr sz="2000" b="1" i="0">
+                <a:solidFill>
+                  <a:schemeClr val="accent6">
+                    <a:lumMod val="75000"/>
+                  </a:schemeClr>
+                </a:solidFill>
+                <a:latin typeface="Roobert"/>
+                <a:cs typeface="Roobert"/>
+              </a:rPr>
+              <a:t>0p</a:t>
+            </a:r>
+            <a:r>
+              <a:rPr sz="2000" b="1" i="0" baseline="-25000">
+                <a:solidFill>
+                  <a:schemeClr val="accent6">
+                    <a:lumMod val="75000"/>
+                  </a:schemeClr>
+                </a:solidFill>
+                <a:latin typeface="Roobert"/>
+                <a:cs typeface="Roobert"/>
+              </a:rPr>
+              <a:t>1/2</a:t>
+            </a:r>
+            <a:r>
+              <a:rPr sz="2000" b="1" i="0">
+                <a:solidFill>
+                  <a:schemeClr val="accent6">
+                    <a:lumMod val="75000"/>
+                  </a:schemeClr>
+                </a:solidFill>
+                <a:latin typeface="Roobert"/>
+                <a:cs typeface="Roobert"/>
+              </a:rPr>
+              <a:t> - 0p</a:t>
+            </a:r>
+            <a:r>
+              <a:rPr sz="2000" b="1" i="0" baseline="-25000">
+                <a:solidFill>
+                  <a:schemeClr val="accent6">
+                    <a:lumMod val="75000"/>
+                  </a:schemeClr>
+                </a:solidFill>
+                <a:latin typeface="Roobert"/>
+                <a:cs typeface="Roobert"/>
+              </a:rPr>
+              <a:t>3/2</a:t>
+            </a:r>
+            <a:r>
+              <a:rPr sz="2000" b="1" i="0">
+                <a:solidFill>
+                  <a:schemeClr val="accent6">
+                    <a:lumMod val="75000"/>
+                  </a:schemeClr>
+                </a:solidFill>
+                <a:latin typeface="Roobert"/>
+                <a:cs typeface="Roobert"/>
+              </a:rPr>
+              <a:t> gap</a:t>
+            </a:r>
+            <a:r>
+              <a:rPr sz="2000" b="0" i="0">
+                <a:solidFill>
+                  <a:schemeClr val="tx1"/>
+                </a:solidFill>
+                <a:latin typeface="Roobert"/>
+                <a:cs typeface="Roobert"/>
+              </a:rPr>
+              <a:t>:</a:t>
+            </a:r>
+            <a:endParaRPr sz="2000" b="0" i="0">
+              <a:solidFill>
+                <a:schemeClr val="tx1"/>
+              </a:solidFill>
+              <a:latin typeface="Roobert"/>
+              <a:cs typeface="Roobert"/>
+            </a:endParaRPr>
+          </a:p>
+          <a:p>
+            <a:pPr marL="305907" indent="-305907">
+              <a:lnSpc>
+                <a:spcPct val="114999"/>
+              </a:lnSpc>
+              <a:buFont typeface="Arial"/>
+              <a:buChar char="•"/>
+              <a:defRPr/>
+            </a:pPr>
+            <a:r>
+              <a:rPr sz="2000">
+                <a:solidFill>
+                  <a:schemeClr val="tx1"/>
+                </a:solidFill>
+                <a:latin typeface="Roobert"/>
+                <a:cs typeface="Roobert"/>
+              </a:rPr>
+              <a:t>Exp: 3.79(9) MeV</a:t>
+            </a:r>
+            <a:endParaRPr sz="2000">
+              <a:solidFill>
+                <a:schemeClr val="tx1"/>
+              </a:solidFill>
+              <a:latin typeface="Roobert"/>
+              <a:cs typeface="Roobert"/>
+            </a:endParaRPr>
+          </a:p>
+          <a:p>
+            <a:pPr marL="305907" indent="-305907">
+              <a:lnSpc>
+                <a:spcPct val="114999"/>
+              </a:lnSpc>
+              <a:buFont typeface="Arial"/>
+              <a:buChar char="•"/>
+              <a:defRPr/>
+            </a:pPr>
+            <a:r>
+              <a:rPr sz="2000">
+                <a:solidFill>
+                  <a:schemeClr val="tx1"/>
+                </a:solidFill>
+                <a:latin typeface="Roobert"/>
+                <a:cs typeface="Roobert"/>
+              </a:rPr>
+              <a:t>Theo: 5.64 MeV</a:t>
+            </a:r>
+            <a:endParaRPr sz="2000">
+              <a:solidFill>
+                <a:schemeClr val="tx1"/>
+              </a:solidFill>
+              <a:latin typeface="Roobert"/>
+              <a:cs typeface="Roobert"/>
+            </a:endParaRPr>
+          </a:p>
+          <a:p>
+            <a:pPr>
+              <a:lnSpc>
+                <a:spcPct val="114999"/>
+              </a:lnSpc>
+              <a:defRPr/>
+            </a:pPr>
+            <a:r>
+              <a:rPr sz="2000">
+                <a:solidFill>
+                  <a:schemeClr val="tx1"/>
+                </a:solidFill>
+                <a:latin typeface="STIX"/>
+                <a:ea typeface="STIX"/>
+                <a:cs typeface="STIX"/>
+              </a:rPr>
+              <a:t>⇒</a:t>
+            </a:r>
+            <a:r>
+              <a:rPr sz="2000">
+                <a:solidFill>
+                  <a:schemeClr val="tx1"/>
+                </a:solidFill>
+                <a:latin typeface="Roobert"/>
+                <a:cs typeface="Roobert"/>
+              </a:rPr>
+              <a:t> Gap is reduced </a:t>
+            </a:r>
+            <a:r>
+              <a:rPr sz="2000">
+                <a:solidFill>
+                  <a:schemeClr val="tx1"/>
+                </a:solidFill>
+                <a:latin typeface="Roobert"/>
+                <a:cs typeface="Roobert"/>
+              </a:rPr>
+              <a:t>by </a:t>
+            </a:r>
+            <a:r>
+              <a:rPr sz="2000">
+                <a:solidFill>
+                  <a:schemeClr val="tx1"/>
+                </a:solidFill>
+                <a:latin typeface="Arial"/>
+                <a:ea typeface="Arial"/>
+                <a:cs typeface="Arial"/>
+              </a:rPr>
+              <a:t>~</a:t>
+            </a:r>
+            <a:r>
+              <a:rPr sz="2000">
+                <a:solidFill>
+                  <a:schemeClr val="tx1"/>
+                </a:solidFill>
+                <a:latin typeface="Roobert"/>
+                <a:cs typeface="Roobert"/>
+              </a:rPr>
+              <a:t> 1.8 MeV!</a:t>
+            </a:r>
+            <a:endParaRPr sz="2000">
+              <a:solidFill>
+                <a:schemeClr val="tx1"/>
+              </a:solidFill>
+              <a:latin typeface="Roobert"/>
+              <a:cs typeface="Roobert"/>
+            </a:endParaRPr>
+          </a:p>
+        </p:txBody>
+      </p:sp>
+      <p:sp>
+        <p:nvSpPr>
+          <p:cNvPr id="2026765082" name=""/>
+          <p:cNvSpPr txBox="1"/>
+          <p:nvPr/>
+        </p:nvSpPr>
+        <p:spPr bwMode="auto">
+          <a:xfrm rot="0" flipH="0" flipV="0">
+            <a:off x="626617" y="5817720"/>
+            <a:ext cx="4035197" cy="396599"/>
+          </a:xfrm>
+          <a:prstGeom prst="rect">
+            <a:avLst/>
+          </a:prstGeom>
+          <a:noFill/>
+        </p:spPr>
+        <p:txBody>
+          <a:bodyPr vertOverflow="overflow" horzOverflow="overflow" vert="horz" wrap="square" lIns="91440" tIns="45720" rIns="91440" bIns="45720" numCol="1" spcCol="0" rtlCol="0" fromWordArt="0" anchor="t" anchorCtr="0" forceAA="0" upright="0" compatLnSpc="0">
+            <a:spAutoFit/>
+          </a:bodyPr>
+          <a:p>
+            <a:pPr>
+              <a:defRPr/>
+            </a:pPr>
+            <a:r>
+              <a:rPr sz="1000" i="1">
+                <a:latin typeface="Roobert"/>
+                <a:ea typeface="Roobert"/>
+                <a:cs typeface="Roobert"/>
+              </a:rPr>
+              <a:t>No systematic errors on C2S have been included yet. Should we for the EuNPC? About 30% due to OMPs</a:t>
+            </a:r>
+            <a:endParaRPr sz="1000" i="1">
+              <a:latin typeface="Roobert"/>
+              <a:cs typeface="Roobert"/>
+            </a:endParaRPr>
+          </a:p>
+        </p:txBody>
+      </p:sp>
+      <p:sp>
+        <p:nvSpPr>
+          <p:cNvPr id="1999266066" name=""/>
+          <p:cNvSpPr txBox="1"/>
+          <p:nvPr/>
+        </p:nvSpPr>
+        <p:spPr bwMode="auto">
+          <a:xfrm rot="0" flipH="0" flipV="0">
+            <a:off x="5736690" y="5436539"/>
+            <a:ext cx="5872736" cy="579479"/>
+          </a:xfrm>
+          <a:prstGeom prst="rect">
+            <a:avLst/>
+          </a:prstGeom>
+          <a:noFill/>
+        </p:spPr>
+        <p:txBody>
+          <a:bodyPr vertOverflow="overflow" horzOverflow="overflow" vert="horz" wrap="square" lIns="91440" tIns="45720" rIns="91440" bIns="45720" numCol="1" spcCol="0" rtlCol="0" fromWordArt="0" anchor="t" anchorCtr="0" forceAA="0" upright="0" compatLnSpc="0">
+            <a:spAutoFit/>
+          </a:bodyPr>
+          <a:p>
+            <a:pPr>
+              <a:defRPr/>
+            </a:pPr>
+            <a:r>
+              <a:rPr sz="1800">
+                <a:latin typeface="Roobert"/>
+                <a:ea typeface="Roobert"/>
+                <a:cs typeface="Roobert"/>
+              </a:rPr>
+              <a:t>No </a:t>
+            </a:r>
+            <a:r>
+              <a:rPr sz="1800" i="0">
+                <a:latin typeface="Roobert"/>
+                <a:ea typeface="Roobert"/>
+                <a:cs typeface="Roobert"/>
+              </a:rPr>
+              <a:t>0p vacancies were observed through </a:t>
+            </a:r>
+            <a:r>
+              <a:rPr sz="1800" i="0" baseline="30000">
+                <a:latin typeface="Roobert"/>
+                <a:ea typeface="Roobert"/>
+                <a:cs typeface="Roobert"/>
+              </a:rPr>
+              <a:t>20</a:t>
+            </a:r>
+            <a:r>
+              <a:rPr sz="1800" i="0">
+                <a:latin typeface="Roobert"/>
+                <a:ea typeface="Roobert"/>
+                <a:cs typeface="Roobert"/>
+              </a:rPr>
+              <a:t>O(d,p)</a:t>
+            </a:r>
+            <a:r>
+              <a:rPr sz="1800" i="0" baseline="30000">
+                <a:latin typeface="Roobert"/>
+                <a:ea typeface="Roobert"/>
+                <a:cs typeface="Roobert"/>
+              </a:rPr>
+              <a:t>21</a:t>
+            </a:r>
+            <a:r>
+              <a:rPr sz="1800" i="0">
+                <a:latin typeface="Roobert"/>
+                <a:ea typeface="Roobert"/>
+                <a:cs typeface="Roobert"/>
+              </a:rPr>
+              <a:t>O</a:t>
+            </a:r>
+            <a:r>
+              <a:rPr sz="1800" i="0">
+                <a:latin typeface="Roobert"/>
+                <a:ea typeface="Roobert"/>
+                <a:cs typeface="Roobert"/>
+              </a:rPr>
+              <a:t> </a:t>
+            </a:r>
+            <a:endParaRPr sz="1800" i="0">
+              <a:latin typeface="Roobert"/>
+              <a:ea typeface="Roobert"/>
+              <a:cs typeface="Roobert"/>
+            </a:endParaRPr>
+          </a:p>
+          <a:p>
+            <a:pPr>
+              <a:defRPr/>
+            </a:pPr>
+            <a:r>
+              <a:rPr sz="1400" i="1">
+                <a:latin typeface="Roobert"/>
+                <a:ea typeface="Roobert"/>
+                <a:cs typeface="Roobert"/>
+              </a:rPr>
+              <a:t>B. Fernández-Domínguez </a:t>
+            </a:r>
+            <a:r>
+              <a:rPr sz="1400" i="1">
+                <a:latin typeface="Roobert"/>
+                <a:ea typeface="Roobert"/>
+                <a:cs typeface="Roobert"/>
+              </a:rPr>
+              <a:t>et al. </a:t>
+            </a:r>
+            <a:r>
+              <a:rPr sz="1400" i="1">
+                <a:latin typeface="Roobert"/>
+                <a:ea typeface="Roobert"/>
+                <a:cs typeface="Roobert"/>
+              </a:rPr>
+              <a:t>PRC 84 (2011)</a:t>
+            </a:r>
+            <a:endParaRPr sz="1400" i="0">
+              <a:latin typeface="Roobert"/>
+              <a:ea typeface="Roobert"/>
+              <a:cs typeface="Roobert"/>
+            </a:endParaRPr>
+          </a:p>
+        </p:txBody>
+      </p:sp>
+      <p:sp>
+        <p:nvSpPr>
+          <p:cNvPr id="845412741" name=""/>
+          <p:cNvSpPr txBox="1"/>
+          <p:nvPr/>
+        </p:nvSpPr>
+        <p:spPr bwMode="auto">
+          <a:xfrm rot="0" flipH="0" flipV="0">
+            <a:off x="7144704" y="2514240"/>
+            <a:ext cx="2725029" cy="1189080"/>
+          </a:xfrm>
+          <a:prstGeom prst="rect">
+            <a:avLst/>
+          </a:prstGeom>
+          <a:noFill/>
+        </p:spPr>
+        <p:txBody>
+          <a:bodyPr vertOverflow="overflow" horzOverflow="overflow" vert="horz" wrap="square" lIns="91440" tIns="45720" rIns="91440" bIns="45720" numCol="1" spcCol="0" rtlCol="0" fromWordArt="0" anchor="t" anchorCtr="0" forceAA="0" upright="0" compatLnSpc="0">
+            <a:spAutoFit/>
+          </a:bodyPr>
+          <a:p>
+            <a:pPr>
+              <a:defRPr/>
+            </a:pPr>
+            <a:r>
+              <a:rPr>
+                <a:latin typeface="Roobert"/>
+                <a:ea typeface="Roobert"/>
+                <a:cs typeface="Roobert"/>
+              </a:rPr>
+              <a:t>With T=3/2 alone we reach really low strengths for 0p orbitals....</a:t>
+            </a:r>
+            <a:endParaRPr>
+              <a:latin typeface="Roobert"/>
+              <a:cs typeface="Roobert"/>
+            </a:endParaRPr>
+          </a:p>
+        </p:txBody>
+      </p:sp>
+    </p:spTree>
+  </p:cSld>
+  <p:clrMapOvr>
+    <a:masterClrMapping/>
+  </p:clrMapOvr>
+  <mc:AlternateContent xmlns:mc="http://schemas.openxmlformats.org/markup-compatibility/2006">
+    <mc:Choice xmlns:p159="http://schemas.microsoft.com/office/powerpoint/2015/09/main" xmlns:p14="http://schemas.microsoft.com/office/powerpoint/2010/main" Requires="p159">
+      <p:transition p14:dur="2000" advClick="1"/>
+    </mc:Choice>
+    <mc:Fallback>
+      <p:transition advClick="1"/>
+    </mc:Fallback>
+  </mc:AlternateContent>
+</p:sld>
+</file>
+
+<file path=ppt/slides/slide15.xml><?xml version="1.0" encoding="utf-8"?>
+<p:sld xmlns:a="http://schemas.openxmlformats.org/drawingml/2006/main" xmlns:r="http://schemas.openxmlformats.org/officeDocument/2006/relationships" xmlns:p="http://schemas.openxmlformats.org/presentationml/2006/main" xmlns:m="http://schemas.openxmlformats.org/officeDocument/2006/math" xmlns:w="http://schemas.openxmlformats.org/wordprocessingml/2006/main" xmlns:mc="http://schemas.openxmlformats.org/markup-compatibility/2006" showMasterPhAnim="0" showMasterSp="1" show="1">
+  <p:cSld name="">
+    <p:spTree>
+      <p:nvGrpSpPr>
+        <p:cNvPr id="1" name=""/>
+        <p:cNvGrpSpPr/>
+        <p:nvPr/>
+      </p:nvGrpSpPr>
+      <p:grpSpPr bwMode="auto">
+        <a:xfrm>
+          <a:off x="0" y="0"/>
+          <a:ext cx="0" cy="0"/>
+          <a:chOff x="0" y="0"/>
+          <a:chExt cx="0" cy="0"/>
+        </a:xfrm>
+      </p:grpSpPr>
+      <p:sp>
+        <p:nvSpPr>
+          <p:cNvPr id="495077570" name="Title 1"/>
+          <p:cNvSpPr>
+            <a:spLocks noGrp="1"/>
+          </p:cNvSpPr>
+          <p:nvPr>
+            <p:ph type="title"/>
+          </p:nvPr>
+        </p:nvSpPr>
+        <p:spPr bwMode="auto"/>
+        <p:txBody>
+          <a:bodyPr/>
+          <a:lstStyle/>
+          <a:p>
+            <a:pPr>
+              <a:defRPr/>
+            </a:pPr>
+            <a:r>
+              <a:rPr/>
+              <a:t>Results: gap evolution</a:t>
+            </a:r>
+            <a:endParaRPr/>
+          </a:p>
+        </p:txBody>
+      </p:sp>
+      <p:sp>
+        <p:nvSpPr>
+          <p:cNvPr id="255776203" name="Date Placeholder 3"/>
+          <p:cNvSpPr>
+            <a:spLocks noGrp="1"/>
+          </p:cNvSpPr>
+          <p:nvPr>
+            <p:ph type="dt" sz="half" idx="10"/>
+          </p:nvPr>
+        </p:nvSpPr>
+        <p:spPr bwMode="auto"/>
+        <p:txBody>
+          <a:bodyPr/>
+          <a:lstStyle/>
+          <a:p>
+            <a:pPr>
+              <a:defRPr/>
+            </a:pPr>
+            <a:r>
+              <a:rPr/>
+              <a:t>EuNPC 2025 - Caen</a:t>
+            </a:r>
+            <a:endParaRPr/>
+          </a:p>
+        </p:txBody>
+      </p:sp>
+      <p:sp>
+        <p:nvSpPr>
+          <p:cNvPr id="748083859" name="Footer Placeholder 4"/>
+          <p:cNvSpPr>
+            <a:spLocks noGrp="1"/>
+          </p:cNvSpPr>
+          <p:nvPr>
+            <p:ph type="ftr" sz="quarter" idx="11"/>
+          </p:nvPr>
+        </p:nvSpPr>
+        <p:spPr bwMode="auto"/>
+        <p:txBody>
+          <a:bodyPr/>
+          <a:lstStyle/>
+          <a:p>
+            <a:pPr>
+              <a:defRPr/>
+            </a:pPr>
+            <a:r>
+              <a:rPr/>
+              <a:t>SO splitting in 20O</a:t>
+            </a:r>
+            <a:endParaRPr/>
+          </a:p>
+        </p:txBody>
+      </p:sp>
+      <p:sp>
+        <p:nvSpPr>
+          <p:cNvPr id="1431497829" name="Slide Number Placeholder 5"/>
+          <p:cNvSpPr>
+            <a:spLocks noGrp="1"/>
+          </p:cNvSpPr>
+          <p:nvPr>
+            <p:ph type="sldNum" sz="quarter" idx="12"/>
+          </p:nvPr>
+        </p:nvSpPr>
+        <p:spPr bwMode="auto"/>
+        <p:txBody>
+          <a:bodyPr/>
+          <a:lstStyle/>
+          <a:p>
+            <a:pPr>
+              <a:defRPr/>
+            </a:pPr>
+            <a:fld id="{C1A42CB0-2A31-6750-5577-25EB44FEA23B}" type="slidenum">
+              <a:rPr lang="en-US"/>
+              <a:t/>
+            </a:fld>
+            <a:endParaRPr lang="en-US"/>
+          </a:p>
+        </p:txBody>
+      </p:sp>
+      <p:pic>
+        <p:nvPicPr>
+          <p:cNvPr id="1759002733" name=""/>
+          <p:cNvPicPr>
+            <a:picLocks noChangeAspect="1"/>
+          </p:cNvPicPr>
+          <p:nvPr/>
+        </p:nvPicPr>
+        <p:blipFill>
+          <a:blip r:embed="rId3"/>
+          <a:stretch/>
+        </p:blipFill>
+        <p:spPr bwMode="auto">
+          <a:xfrm>
+            <a:off x="6276973" y="1833095"/>
+            <a:ext cx="4667249" cy="3714750"/>
+          </a:xfrm>
+          <a:prstGeom prst="rect">
+            <a:avLst/>
+          </a:prstGeom>
+        </p:spPr>
+      </p:pic>
+      <p:sp>
+        <p:nvSpPr>
+          <p:cNvPr id="1240700929" name=""/>
+          <p:cNvSpPr txBox="1"/>
+          <p:nvPr/>
+        </p:nvSpPr>
+        <p:spPr bwMode="auto">
+          <a:xfrm rot="0" flipH="0" flipV="0">
+            <a:off x="906764" y="1811617"/>
+            <a:ext cx="4471432" cy="3737206"/>
+          </a:xfrm>
+          <a:prstGeom prst="rect">
+            <a:avLst/>
+          </a:prstGeom>
+          <a:noFill/>
+        </p:spPr>
+        <p:txBody>
+          <a:bodyPr vertOverflow="overflow" horzOverflow="overflow" vert="horz" wrap="square" lIns="91440" tIns="45720" rIns="91440" bIns="45720" numCol="1" spcCol="0" rtlCol="0" fromWordArt="0" anchor="t" anchorCtr="0" forceAA="0" upright="0" compatLnSpc="0">
+            <a:spAutoFit/>
+          </a:bodyPr>
+          <a:p>
+            <a:pPr marL="327936" indent="-327936">
+              <a:lnSpc>
+                <a:spcPct val="114999"/>
+              </a:lnSpc>
+              <a:buFont typeface="Arial"/>
+              <a:buChar char="•"/>
+              <a:defRPr/>
+            </a:pPr>
+            <a:r>
+              <a:rPr sz="1600" baseline="30000">
+                <a:latin typeface="Roobert"/>
+                <a:ea typeface="Roobert"/>
+                <a:cs typeface="Roobert"/>
+              </a:rPr>
+              <a:t>16</a:t>
+            </a:r>
+            <a:r>
+              <a:rPr sz="1600">
+                <a:latin typeface="Roobert"/>
+                <a:ea typeface="Roobert"/>
+                <a:cs typeface="Roobert"/>
+              </a:rPr>
+              <a:t>O(d,t): </a:t>
+            </a:r>
+            <a:r>
+              <a:rPr sz="1200" i="1">
+                <a:latin typeface="Roobert"/>
+                <a:ea typeface="Roobert"/>
+                <a:cs typeface="Roobert"/>
+              </a:rPr>
+              <a:t>K. H. Purser et al. NPA 132 (1969)</a:t>
+            </a:r>
+            <a:r>
+              <a:rPr sz="1600">
+                <a:latin typeface="Roobert"/>
+                <a:ea typeface="Roobert"/>
+                <a:cs typeface="Roobert"/>
+              </a:rPr>
+              <a:t>. No need to reanalyze xs bc there is only one state per nlj; just take the Ex</a:t>
+            </a:r>
+            <a:endParaRPr sz="1600">
+              <a:latin typeface="Roobert"/>
+              <a:ea typeface="Roobert"/>
+              <a:cs typeface="Roobert"/>
+            </a:endParaRPr>
+          </a:p>
+          <a:p>
+            <a:pPr marL="327936" indent="-327936">
+              <a:lnSpc>
+                <a:spcPct val="114999"/>
+              </a:lnSpc>
+              <a:buFont typeface="Arial"/>
+              <a:buChar char="•"/>
+              <a:defRPr/>
+            </a:pPr>
+            <a:r>
+              <a:rPr sz="1600" baseline="30000">
+                <a:latin typeface="Roobert"/>
+                <a:ea typeface="Roobert"/>
+                <a:cs typeface="Roobert"/>
+              </a:rPr>
+              <a:t>16</a:t>
+            </a:r>
+            <a:r>
+              <a:rPr sz="1600">
+                <a:latin typeface="Roobert"/>
+                <a:ea typeface="Roobert"/>
+                <a:cs typeface="Roobert"/>
+              </a:rPr>
+              <a:t>O(d,p): Alleged state 3/2- is not </a:t>
+            </a:r>
+            <a:r>
+              <a:rPr sz="1600" i="1">
+                <a:latin typeface="Roobert"/>
+                <a:ea typeface="Roobert"/>
+                <a:cs typeface="Roobert"/>
+              </a:rPr>
+              <a:t>single-particle</a:t>
+            </a:r>
+            <a:r>
+              <a:rPr sz="1600" i="0">
+                <a:latin typeface="Roobert"/>
+                <a:ea typeface="Roobert"/>
+                <a:cs typeface="Roobert"/>
+              </a:rPr>
+              <a:t> but j-forbidden stripping. See </a:t>
+            </a:r>
+            <a:r>
+              <a:rPr sz="1200" i="1">
+                <a:latin typeface="Roobert"/>
+                <a:ea typeface="Roobert"/>
+                <a:cs typeface="Roobert"/>
+              </a:rPr>
+              <a:t>K. Hosono JPSP 25 (1968) </a:t>
+            </a:r>
+            <a:r>
+              <a:rPr sz="1600" i="0">
+                <a:latin typeface="Roobert"/>
+                <a:ea typeface="Roobert"/>
+                <a:cs typeface="Roobert"/>
+              </a:rPr>
+              <a:t>Table II. This state is neutron 0d</a:t>
+            </a:r>
+            <a:r>
+              <a:rPr sz="1600" i="0" baseline="-25000">
+                <a:latin typeface="Roobert"/>
+                <a:ea typeface="Roobert"/>
+                <a:cs typeface="Roobert"/>
+              </a:rPr>
+              <a:t>5/2</a:t>
+            </a:r>
+            <a:r>
+              <a:rPr sz="1600" i="0">
+                <a:latin typeface="Roobert"/>
+                <a:ea typeface="Roobert"/>
+                <a:cs typeface="Roobert"/>
+              </a:rPr>
+              <a:t> + proton 0p</a:t>
+            </a:r>
+            <a:r>
+              <a:rPr sz="1600" i="0" baseline="-25000">
+                <a:latin typeface="Roobert"/>
+                <a:ea typeface="Roobert"/>
+                <a:cs typeface="Roobert"/>
+              </a:rPr>
+              <a:t>1/2</a:t>
+            </a:r>
+            <a:r>
+              <a:rPr sz="1600" i="0" baseline="30000">
+                <a:latin typeface="Roobert"/>
+                <a:ea typeface="Roobert"/>
+                <a:cs typeface="Roobert"/>
+              </a:rPr>
+              <a:t>-1</a:t>
+            </a:r>
+            <a:r>
+              <a:rPr sz="1600" i="0">
+                <a:latin typeface="Roobert"/>
+                <a:ea typeface="Roobert"/>
+                <a:cs typeface="Roobert"/>
+              </a:rPr>
+              <a:t>0d</a:t>
+            </a:r>
+            <a:r>
+              <a:rPr sz="1600" i="0" baseline="-25000">
+                <a:latin typeface="Roobert"/>
+                <a:ea typeface="Roobert"/>
+                <a:cs typeface="Roobert"/>
+              </a:rPr>
+              <a:t>5/2</a:t>
+            </a:r>
+            <a:r>
+              <a:rPr sz="1600" i="0" baseline="30000">
+                <a:latin typeface="Roobert"/>
+                <a:ea typeface="Roobert"/>
+                <a:cs typeface="Roobert"/>
+              </a:rPr>
+              <a:t>1</a:t>
+            </a:r>
+            <a:r>
+              <a:rPr sz="1600" i="0">
+                <a:latin typeface="Roobert"/>
+                <a:ea typeface="Roobert"/>
+                <a:cs typeface="Roobert"/>
+              </a:rPr>
+              <a:t> as I understood from it</a:t>
+            </a:r>
+            <a:endParaRPr sz="1600" i="0">
+              <a:latin typeface="Roobert"/>
+              <a:ea typeface="Roobert"/>
+              <a:cs typeface="Roobert"/>
+            </a:endParaRPr>
+          </a:p>
+          <a:p>
+            <a:pPr marL="327936" indent="-327936">
+              <a:lnSpc>
+                <a:spcPct val="114999"/>
+              </a:lnSpc>
+              <a:buFont typeface="Arial"/>
+              <a:buChar char="•"/>
+              <a:defRPr/>
+            </a:pPr>
+            <a:r>
+              <a:rPr sz="1600" baseline="30000">
+                <a:latin typeface="Roobert"/>
+                <a:ea typeface="Roobert"/>
+                <a:cs typeface="Roobert"/>
+              </a:rPr>
+              <a:t>18</a:t>
+            </a:r>
+            <a:r>
+              <a:rPr sz="1600">
+                <a:latin typeface="Roobert"/>
+                <a:ea typeface="Roobert"/>
+                <a:cs typeface="Roobert"/>
+              </a:rPr>
+              <a:t>O(d,t)</a:t>
+            </a:r>
+            <a:r>
+              <a:rPr sz="1600">
+                <a:latin typeface="Roobert"/>
+                <a:ea typeface="Roobert"/>
+                <a:cs typeface="Roobert"/>
+              </a:rPr>
+              <a:t>: </a:t>
+            </a:r>
+            <a:r>
+              <a:rPr sz="1200" i="1">
+                <a:latin typeface="Roobert"/>
+                <a:ea typeface="Roobert"/>
+                <a:cs typeface="Roobert"/>
+              </a:rPr>
+              <a:t>G. Mairle et al. NPA 280 (1977)</a:t>
+            </a:r>
+            <a:r>
+              <a:rPr sz="1600">
+                <a:latin typeface="Roobert"/>
+                <a:ea typeface="Roobert"/>
+                <a:cs typeface="Roobert"/>
+              </a:rPr>
+              <a:t>. Reanalysis of xs with our OMPs and Fresco. Major discrepancies with their paper </a:t>
+            </a:r>
+            <a:endParaRPr sz="1600">
+              <a:latin typeface="Roobert"/>
+              <a:ea typeface="Roobert"/>
+              <a:cs typeface="Roobert"/>
+            </a:endParaRPr>
+          </a:p>
+          <a:p>
+            <a:pPr marL="327936" indent="-327936">
+              <a:lnSpc>
+                <a:spcPct val="114999"/>
+              </a:lnSpc>
+              <a:buFont typeface="Arial"/>
+              <a:buChar char="•"/>
+              <a:defRPr/>
+            </a:pPr>
+            <a:r>
+              <a:rPr sz="1600" baseline="30000">
+                <a:latin typeface="Roobert"/>
+                <a:ea typeface="Roobert"/>
+                <a:cs typeface="Roobert"/>
+              </a:rPr>
+              <a:t>20</a:t>
+            </a:r>
+            <a:r>
+              <a:rPr sz="1600">
+                <a:latin typeface="Roobert"/>
+                <a:ea typeface="Roobert"/>
+                <a:cs typeface="Roobert"/>
+              </a:rPr>
+              <a:t>O(d,t): this experiment</a:t>
+            </a:r>
+            <a:endParaRPr sz="1600">
+              <a:latin typeface="Roobert"/>
+              <a:ea typeface="Roobert"/>
+              <a:cs typeface="Roobert"/>
+            </a:endParaRPr>
+          </a:p>
+          <a:p>
+            <a:pPr>
+              <a:lnSpc>
+                <a:spcPct val="114999"/>
+              </a:lnSpc>
+              <a:defRPr/>
+            </a:pPr>
+            <a:endParaRPr sz="1600">
+              <a:latin typeface="Roobert"/>
+              <a:cs typeface="Roobert"/>
+            </a:endParaRPr>
+          </a:p>
+        </p:txBody>
+      </p:sp>
+      <p:sp>
+        <p:nvSpPr>
+          <p:cNvPr id="1809065357" name=""/>
+          <p:cNvSpPr txBox="1"/>
+          <p:nvPr/>
+        </p:nvSpPr>
+        <p:spPr bwMode="auto">
+          <a:xfrm rot="0" flipH="0" flipV="0">
+            <a:off x="5641249" y="5602941"/>
+            <a:ext cx="5857277" cy="366120"/>
+          </a:xfrm>
+          <a:prstGeom prst="rect">
+            <a:avLst/>
+          </a:prstGeom>
+          <a:noFill/>
+        </p:spPr>
+        <p:txBody>
+          <a:bodyPr vertOverflow="overflow" horzOverflow="overflow" vert="horz" wrap="square" lIns="91440" tIns="45720" rIns="91440" bIns="45720" numCol="1" spcCol="0" rtlCol="0" fromWordArt="0" anchor="t" anchorCtr="0" forceAA="0" upright="0" compatLnSpc="0">
+            <a:spAutoFit/>
+          </a:bodyPr>
+          <a:p>
+            <a:pPr>
+              <a:defRPr/>
+            </a:pPr>
+            <a:r>
+              <a:rPr i="1">
+                <a:latin typeface="Roobert"/>
+                <a:ea typeface="Roobert"/>
+                <a:cs typeface="Roobert"/>
+              </a:rPr>
+              <a:t>We are lacking theo calculations for 16O and 18O</a:t>
+            </a:r>
+            <a:endParaRPr i="1">
+              <a:latin typeface="Roobert"/>
+              <a:cs typeface="Roobert"/>
+            </a:endParaRPr>
+          </a:p>
+        </p:txBody>
+      </p:sp>
+    </p:spTree>
+  </p:cSld>
+  <p:clrMapOvr>
+    <a:masterClrMapping/>
+  </p:clrMapOvr>
+  <mc:AlternateContent xmlns:mc="http://schemas.openxmlformats.org/markup-compatibility/2006">
+    <mc:Choice xmlns:p159="http://schemas.microsoft.com/office/powerpoint/2015/09/main" xmlns:p14="http://schemas.microsoft.com/office/powerpoint/2010/main" Requires="p159">
+      <p:transition p14:dur="2000" advClick="1"/>
+    </mc:Choice>
+    <mc:Fallback>
+      <p:transition advClick="1"/>
+    </mc:Fallback>
+  </mc:AlternateContent>
+</p:sld>
+</file>
+
+<file path=ppt/slides/slide16.xml><?xml version="1.0" encoding="utf-8"?>
+<p:sld xmlns:a="http://schemas.openxmlformats.org/drawingml/2006/main" xmlns:r="http://schemas.openxmlformats.org/officeDocument/2006/relationships" xmlns:p="http://schemas.openxmlformats.org/presentationml/2006/main" xmlns:m="http://schemas.openxmlformats.org/officeDocument/2006/math" xmlns:w="http://schemas.openxmlformats.org/wordprocessingml/2006/main" xmlns:mc="http://schemas.openxmlformats.org/markup-compatibility/2006" showMasterPhAnim="0" showMasterSp="1" show="1">
+  <p:cSld name="">
+    <p:spTree>
+      <p:nvGrpSpPr>
+        <p:cNvPr id="1" name=""/>
+        <p:cNvGrpSpPr/>
+        <p:nvPr/>
+      </p:nvGrpSpPr>
+      <p:grpSpPr bwMode="auto">
+        <a:xfrm>
+          <a:off x="0" y="0"/>
+          <a:ext cx="0" cy="0"/>
+          <a:chOff x="0" y="0"/>
+          <a:chExt cx="0" cy="0"/>
+        </a:xfrm>
+      </p:grpSpPr>
+      <p:sp>
+        <p:nvSpPr>
+          <p:cNvPr id="1101693924" name="Title 1"/>
+          <p:cNvSpPr>
+            <a:spLocks noGrp="1"/>
+          </p:cNvSpPr>
+          <p:nvPr>
+            <p:ph type="title"/>
+          </p:nvPr>
+        </p:nvSpPr>
+        <p:spPr bwMode="auto"/>
+        <p:txBody>
+          <a:bodyPr/>
+          <a:lstStyle/>
+          <a:p>
+            <a:pPr>
+              <a:defRPr/>
+            </a:pPr>
+            <a:r>
+              <a:rPr/>
+              <a:t>Conclusions</a:t>
+            </a:r>
+            <a:endParaRPr/>
+          </a:p>
+        </p:txBody>
+      </p:sp>
+      <p:sp>
+        <p:nvSpPr>
+          <p:cNvPr id="826150735" name="Date Placeholder 3"/>
+          <p:cNvSpPr>
+            <a:spLocks noGrp="1"/>
+          </p:cNvSpPr>
+          <p:nvPr>
+            <p:ph type="dt" sz="half" idx="10"/>
+          </p:nvPr>
+        </p:nvSpPr>
+        <p:spPr bwMode="auto"/>
+        <p:txBody>
+          <a:bodyPr/>
+          <a:lstStyle/>
+          <a:p>
+            <a:pPr>
+              <a:defRPr/>
+            </a:pPr>
+            <a:r>
+              <a:rPr/>
+              <a:t>EuNPC 2025 - Caen</a:t>
+            </a:r>
+            <a:endParaRPr/>
+          </a:p>
+        </p:txBody>
+      </p:sp>
+      <p:sp>
+        <p:nvSpPr>
+          <p:cNvPr id="2134582827" name="Footer Placeholder 4"/>
+          <p:cNvSpPr>
+            <a:spLocks noGrp="1"/>
+          </p:cNvSpPr>
+          <p:nvPr>
+            <p:ph type="ftr" sz="quarter" idx="11"/>
+          </p:nvPr>
+        </p:nvSpPr>
+        <p:spPr bwMode="auto"/>
+        <p:txBody>
+          <a:bodyPr/>
+          <a:lstStyle/>
+          <a:p>
+            <a:pPr>
+              <a:defRPr/>
+            </a:pPr>
+            <a:r>
+              <a:rPr/>
+              <a:t>SO splitting in 20O</a:t>
+            </a:r>
+            <a:endParaRPr/>
+          </a:p>
+        </p:txBody>
+      </p:sp>
+      <p:sp>
+        <p:nvSpPr>
+          <p:cNvPr id="141400427" name="Slide Number Placeholder 5"/>
+          <p:cNvSpPr>
+            <a:spLocks noGrp="1"/>
+          </p:cNvSpPr>
+          <p:nvPr>
+            <p:ph type="sldNum" sz="quarter" idx="12"/>
+          </p:nvPr>
+        </p:nvSpPr>
+        <p:spPr bwMode="auto"/>
+        <p:txBody>
+          <a:bodyPr/>
+          <a:lstStyle/>
+          <a:p>
+            <a:pPr>
+              <a:defRPr/>
+            </a:pPr>
+            <a:fld id="{5C627867-A383-825F-36F6-DDD96EE6C092}" type="slidenum">
+              <a:rPr lang="en-US"/>
+              <a:t/>
+            </a:fld>
+            <a:endParaRPr lang="en-US"/>
+          </a:p>
+        </p:txBody>
+      </p:sp>
+      <p:sp>
+        <p:nvSpPr>
+          <p:cNvPr id="1818617053" name="Text Placeholder 2"/>
+          <p:cNvSpPr>
+            <a:spLocks noGrp="1"/>
+          </p:cNvSpPr>
+          <p:nvPr>
+            <p:ph type="body" idx="1"/>
+          </p:nvPr>
+        </p:nvSpPr>
+        <p:spPr bwMode="auto">
+          <a:xfrm flipH="0" flipV="0">
+            <a:off x="838197" y="1438085"/>
+            <a:ext cx="10515600" cy="4697129"/>
+          </a:xfrm>
+          <a:prstGeom prst="rect">
+            <a:avLst/>
+          </a:prstGeom>
+        </p:spPr>
+        <p:txBody>
+          <a:bodyPr/>
+          <a:lstStyle>
+            <a:lvl1pPr>
+              <a:buFont typeface="Arial"/>
+              <a:buChar char="•"/>
+              <a:defRPr lang="en-GB" sz="2400">
+                <a:latin typeface="Roobert"/>
+                <a:ea typeface="Roobert"/>
+                <a:cs typeface="Roobert"/>
+              </a:defRPr>
+            </a:lvl1pPr>
+            <a:lvl2pPr>
+              <a:buFont typeface="Arial"/>
+              <a:buChar char="•"/>
+              <a:defRPr lang="en-GB" sz="2000">
+                <a:latin typeface="Roobert"/>
+                <a:ea typeface="Roobert"/>
+                <a:cs typeface="Roobert"/>
+              </a:defRPr>
+            </a:lvl2pPr>
+            <a:lvl3pPr>
+              <a:buFont typeface="Arial"/>
+              <a:buChar char="•"/>
+              <a:defRPr lang="en-GB" sz="1800">
+                <a:latin typeface="Roobert"/>
+                <a:ea typeface="Roobert"/>
+                <a:cs typeface="Roobert"/>
+              </a:defRPr>
+            </a:lvl3pPr>
+            <a:lvl4pPr>
+              <a:buFont typeface="Arial"/>
+              <a:buChar char="•"/>
+              <a:defRPr lang="en-GB" sz="1600">
+                <a:latin typeface="Roobert"/>
+                <a:ea typeface="Roobert"/>
+                <a:cs typeface="Roobert"/>
+              </a:defRPr>
+            </a:lvl4pPr>
+            <a:lvl5pPr>
+              <a:buFont typeface="Arial"/>
+              <a:buChar char="•"/>
+              <a:defRPr lang="en-GB" sz="1400">
+                <a:latin typeface="Roobert"/>
+                <a:ea typeface="Roobert"/>
+                <a:cs typeface="Roobert"/>
+              </a:defRPr>
+            </a:lvl5pPr>
+          </a:lstStyle>
+          <a:p>
+            <a:pPr>
+              <a:defRPr/>
+            </a:pPr>
+            <a:r>
+              <a:rPr/>
+              <a:t>To be determined</a:t>
+            </a:r>
+            <a:endParaRPr/>
+          </a:p>
+        </p:txBody>
+      </p:sp>
+      <p:pic>
+        <p:nvPicPr>
+          <p:cNvPr id="1598719506" name=""/>
+          <p:cNvPicPr>
+            <a:picLocks noChangeAspect="1"/>
+          </p:cNvPicPr>
+          <p:nvPr/>
+        </p:nvPicPr>
+        <p:blipFill>
+          <a:blip r:embed="rId3"/>
+          <a:stretch/>
+        </p:blipFill>
+        <p:spPr bwMode="auto">
+          <a:xfrm flipH="0" flipV="0">
+            <a:off x="2519980" y="1899622"/>
+            <a:ext cx="6389651" cy="4235592"/>
+          </a:xfrm>
+          <a:prstGeom prst="rect">
+            <a:avLst/>
+          </a:prstGeom>
+        </p:spPr>
+      </p:pic>
+    </p:spTree>
+  </p:cSld>
+  <p:clrMapOvr>
+    <a:masterClrMapping/>
+  </p:clrMapOvr>
+  <mc:AlternateContent xmlns:mc="http://schemas.openxmlformats.org/markup-compatibility/2006">
+    <mc:Choice xmlns:p159="http://schemas.microsoft.com/office/powerpoint/2015/09/main" xmlns:p14="http://schemas.microsoft.com/office/powerpoint/2010/main" Requires="p159">
+      <p:transition p14:dur="2000" advClick="1"/>
+    </mc:Choice>
+    <mc:Fallback>
+      <p:transition advClick="1"/>
+    </mc:Fallback>
+  </mc:AlternateContent>
+</p:sld>
+</file>
+
+<file path=ppt/slides/slide17.xml><?xml version="1.0" encoding="utf-8"?>
+<p:sld xmlns:a="http://schemas.openxmlformats.org/drawingml/2006/main" xmlns:r="http://schemas.openxmlformats.org/officeDocument/2006/relationships" xmlns:p="http://schemas.openxmlformats.org/presentationml/2006/main" xmlns:m="http://schemas.openxmlformats.org/officeDocument/2006/math" xmlns:w="http://schemas.openxmlformats.org/wordprocessingml/2006/main" xmlns:mc="http://schemas.openxmlformats.org/markup-compatibility/2006" showMasterPhAnim="0" showMasterSp="1" show="1">
+  <p:cSld name="">
+    <p:spTree>
+      <p:nvGrpSpPr>
+        <p:cNvPr id="1" name=""/>
+        <p:cNvGrpSpPr/>
+        <p:nvPr/>
+      </p:nvGrpSpPr>
+      <p:grpSpPr bwMode="auto">
+        <a:xfrm>
+          <a:off x="0" y="0"/>
+          <a:ext cx="0" cy="0"/>
+          <a:chOff x="0" y="0"/>
+          <a:chExt cx="0" cy="0"/>
+        </a:xfrm>
+      </p:grpSpPr>
+      <p:sp>
+        <p:nvSpPr>
+          <p:cNvPr id="1285831364" name="Title 1"/>
+          <p:cNvSpPr>
+            <a:spLocks noGrp="1"/>
+          </p:cNvSpPr>
+          <p:nvPr>
+            <p:ph type="title"/>
+          </p:nvPr>
+        </p:nvSpPr>
+        <p:spPr bwMode="auto"/>
+        <p:txBody>
+          <a:bodyPr/>
+          <a:lstStyle/>
+          <a:p>
+            <a:pPr>
+              <a:defRPr/>
+            </a:pPr>
+            <a:r>
+              <a:rPr/>
+              <a:t>Acknowledgements</a:t>
+            </a:r>
+            <a:endParaRPr/>
+          </a:p>
+        </p:txBody>
+      </p:sp>
+      <p:sp>
+        <p:nvSpPr>
+          <p:cNvPr id="562777202" name="Date Placeholder 3"/>
+          <p:cNvSpPr>
+            <a:spLocks noGrp="1"/>
+          </p:cNvSpPr>
+          <p:nvPr>
+            <p:ph type="dt" sz="half" idx="10"/>
+          </p:nvPr>
+        </p:nvSpPr>
+        <p:spPr bwMode="auto"/>
+        <p:txBody>
+          <a:bodyPr/>
+          <a:lstStyle/>
+          <a:p>
+            <a:pPr>
+              <a:defRPr/>
+            </a:pPr>
+            <a:r>
+              <a:rPr/>
+              <a:t>EuNPC 2025 - Caen</a:t>
+            </a:r>
+            <a:endParaRPr/>
+          </a:p>
+        </p:txBody>
+      </p:sp>
+      <p:sp>
+        <p:nvSpPr>
+          <p:cNvPr id="1417415718" name="Footer Placeholder 4"/>
+          <p:cNvSpPr>
+            <a:spLocks noGrp="1"/>
+          </p:cNvSpPr>
+          <p:nvPr>
+            <p:ph type="ftr" sz="quarter" idx="11"/>
+          </p:nvPr>
+        </p:nvSpPr>
+        <p:spPr bwMode="auto"/>
+        <p:txBody>
+          <a:bodyPr/>
+          <a:lstStyle/>
+          <a:p>
+            <a:pPr>
+              <a:defRPr/>
+            </a:pPr>
+            <a:r>
+              <a:rPr/>
+              <a:t>SO splitting in 20O</a:t>
+            </a:r>
+            <a:endParaRPr/>
+          </a:p>
+        </p:txBody>
+      </p:sp>
+      <p:sp>
+        <p:nvSpPr>
+          <p:cNvPr id="651602156" name="Slide Number Placeholder 5"/>
+          <p:cNvSpPr>
+            <a:spLocks noGrp="1"/>
+          </p:cNvSpPr>
+          <p:nvPr>
+            <p:ph type="sldNum" sz="quarter" idx="12"/>
+          </p:nvPr>
+        </p:nvSpPr>
+        <p:spPr bwMode="auto"/>
+        <p:txBody>
+          <a:bodyPr/>
+          <a:lstStyle/>
+          <a:p>
+            <a:pPr>
+              <a:defRPr/>
+            </a:pPr>
+            <a:fld id="{81E17A3D-BC1A-8CC6-F059-FB7376A3D304}" type="slidenum">
+              <a:rPr lang="en-US"/>
+              <a:t/>
+            </a:fld>
+            <a:endParaRPr lang="en-US"/>
+          </a:p>
+        </p:txBody>
+      </p:sp>
+      <p:pic>
+        <p:nvPicPr>
+          <p:cNvPr id="973326256" name=""/>
+          <p:cNvPicPr>
+            <a:picLocks noChangeAspect="1"/>
+          </p:cNvPicPr>
+          <p:nvPr/>
+        </p:nvPicPr>
+        <p:blipFill>
+          <a:blip r:embed="rId3"/>
+          <a:stretch/>
+        </p:blipFill>
+        <p:spPr bwMode="auto">
+          <a:xfrm flipH="0" flipV="0">
+            <a:off x="1055687" y="1486490"/>
+            <a:ext cx="1354532" cy="288966"/>
+          </a:xfrm>
+          <a:prstGeom prst="rect">
+            <a:avLst/>
+          </a:prstGeom>
+        </p:spPr>
+      </p:pic>
+      <p:sp>
+        <p:nvSpPr>
+          <p:cNvPr id="1936270843" name=""/>
+          <p:cNvSpPr txBox="1"/>
+          <p:nvPr/>
+        </p:nvSpPr>
+        <p:spPr bwMode="auto">
+          <a:xfrm rot="0" flipH="0" flipV="0">
+            <a:off x="990808" y="1970367"/>
+            <a:ext cx="1593728" cy="3383640"/>
+          </a:xfrm>
+          <a:prstGeom prst="rect">
+            <a:avLst/>
+          </a:prstGeom>
+          <a:noFill/>
+        </p:spPr>
+        <p:txBody>
+          <a:bodyPr vertOverflow="overflow" horzOverflow="overflow" vert="horz" wrap="square" lIns="91440" tIns="45720" rIns="91440" bIns="45720" numCol="1" spcCol="0" rtlCol="0" fromWordArt="0" anchor="t" anchorCtr="0" forceAA="0" upright="0" compatLnSpc="0">
+            <a:spAutoFit/>
+          </a:bodyPr>
+          <a:p>
+            <a:pPr>
+              <a:defRPr/>
+            </a:pPr>
+            <a:r>
+              <a:rPr>
+                <a:latin typeface="Roobert"/>
+                <a:ea typeface="Roobert"/>
+                <a:cs typeface="Roobert"/>
+              </a:rPr>
+              <a:t>T. Roger </a:t>
+            </a:r>
+            <a:endParaRPr>
+              <a:latin typeface="Roobert"/>
+              <a:cs typeface="Roobert"/>
+            </a:endParaRPr>
+          </a:p>
+          <a:p>
+            <a:pPr>
+              <a:defRPr/>
+            </a:pPr>
+            <a:r>
+              <a:rPr>
+                <a:latin typeface="Roobert"/>
+                <a:ea typeface="Roobert"/>
+                <a:cs typeface="Roobert"/>
+              </a:rPr>
+              <a:t>J. Pancin</a:t>
+            </a:r>
+            <a:endParaRPr>
+              <a:latin typeface="Roobert"/>
+              <a:cs typeface="Roobert"/>
+            </a:endParaRPr>
+          </a:p>
+          <a:p>
+            <a:pPr>
+              <a:defRPr/>
+            </a:pPr>
+            <a:r>
+              <a:rPr>
+                <a:latin typeface="Roobert"/>
+                <a:ea typeface="Roobert"/>
+                <a:cs typeface="Roobert"/>
+              </a:rPr>
+              <a:t>F. Saillant</a:t>
+            </a:r>
+            <a:endParaRPr>
+              <a:latin typeface="Roobert"/>
+              <a:cs typeface="Roobert"/>
+            </a:endParaRPr>
+          </a:p>
+          <a:p>
+            <a:pPr>
+              <a:defRPr/>
+            </a:pPr>
+            <a:r>
+              <a:rPr>
+                <a:latin typeface="Roobert"/>
+                <a:ea typeface="Roobert"/>
+                <a:cs typeface="Roobert"/>
+              </a:rPr>
+              <a:t>G. Wittwer</a:t>
+            </a:r>
+            <a:endParaRPr>
+              <a:latin typeface="Roobert"/>
+              <a:cs typeface="Roobert"/>
+            </a:endParaRPr>
+          </a:p>
+          <a:p>
+            <a:pPr>
+              <a:defRPr/>
+            </a:pPr>
+            <a:r>
+              <a:rPr>
+                <a:latin typeface="Roobert"/>
+                <a:ea typeface="Roobert"/>
+                <a:cs typeface="Roobert"/>
+              </a:rPr>
+              <a:t>V. Morel </a:t>
+            </a:r>
+            <a:endParaRPr>
+              <a:latin typeface="Roobert"/>
+              <a:cs typeface="Roobert"/>
+            </a:endParaRPr>
+          </a:p>
+          <a:p>
+            <a:pPr marL="283879" indent="-283879">
+              <a:buAutoNum type="alphaUcPeriod"/>
+              <a:defRPr/>
+            </a:pPr>
+            <a:r>
+              <a:rPr>
+                <a:latin typeface="Roobert"/>
+                <a:ea typeface="Roobert"/>
+                <a:cs typeface="Roobert"/>
+              </a:rPr>
+              <a:t>Cassisa </a:t>
+            </a:r>
+            <a:endParaRPr>
+              <a:latin typeface="Roobert"/>
+              <a:cs typeface="Roobert"/>
+            </a:endParaRPr>
+          </a:p>
+          <a:p>
+            <a:pPr>
+              <a:defRPr/>
+            </a:pPr>
+            <a:r>
+              <a:rPr>
+                <a:latin typeface="Roobert"/>
+                <a:ea typeface="Roobert"/>
+                <a:cs typeface="Roobert"/>
+              </a:rPr>
+              <a:t>J.C. Thomas</a:t>
+            </a:r>
+            <a:endParaRPr>
+              <a:latin typeface="Roobert"/>
+              <a:cs typeface="Roobert"/>
+            </a:endParaRPr>
+          </a:p>
+          <a:p>
+            <a:pPr>
+              <a:defRPr/>
+            </a:pPr>
+            <a:r>
+              <a:rPr>
+                <a:latin typeface="Roobert"/>
+                <a:ea typeface="Roobert"/>
+                <a:cs typeface="Roobert"/>
+              </a:rPr>
+              <a:t>O. Sorlin</a:t>
+            </a:r>
+            <a:endParaRPr>
+              <a:latin typeface="Roobert"/>
+              <a:cs typeface="Roobert"/>
+            </a:endParaRPr>
+          </a:p>
+          <a:p>
+            <a:pPr>
+              <a:defRPr/>
+            </a:pPr>
+            <a:r>
+              <a:rPr>
+                <a:latin typeface="Roobert"/>
+                <a:ea typeface="Roobert"/>
+                <a:cs typeface="Roobert"/>
+              </a:rPr>
+              <a:t>L. Cáceres</a:t>
+            </a:r>
+            <a:endParaRPr>
+              <a:latin typeface="Roobert"/>
+              <a:cs typeface="Roobert"/>
+            </a:endParaRPr>
+          </a:p>
+          <a:p>
+            <a:pPr>
+              <a:defRPr/>
+            </a:pPr>
+            <a:r>
+              <a:rPr>
+                <a:latin typeface="Roobert"/>
+                <a:ea typeface="Roobert"/>
+                <a:cs typeface="Roobert"/>
+              </a:rPr>
+              <a:t>C. Stodel</a:t>
+            </a:r>
+            <a:endParaRPr>
+              <a:latin typeface="Roobert"/>
+              <a:cs typeface="Roobert"/>
+            </a:endParaRPr>
+          </a:p>
+          <a:p>
+            <a:pPr>
+              <a:defRPr/>
+            </a:pPr>
+            <a:r>
+              <a:rPr>
+                <a:latin typeface="Roobert"/>
+                <a:ea typeface="Roobert"/>
+                <a:cs typeface="Roobert"/>
+              </a:rPr>
+              <a:t>F. de Oliveira</a:t>
+            </a:r>
+            <a:endParaRPr>
+              <a:latin typeface="Roobert"/>
+              <a:cs typeface="Roobert"/>
+            </a:endParaRPr>
+          </a:p>
+          <a:p>
+            <a:pPr>
+              <a:defRPr/>
+            </a:pPr>
+            <a:r>
+              <a:rPr>
+                <a:latin typeface="Roobert"/>
+                <a:ea typeface="Roobert"/>
+                <a:cs typeface="Roobert"/>
+              </a:rPr>
+              <a:t>C. Nicole</a:t>
+            </a:r>
+            <a:endParaRPr>
+              <a:latin typeface="Roobert"/>
+              <a:cs typeface="Roobert"/>
+            </a:endParaRPr>
+          </a:p>
+        </p:txBody>
+      </p:sp>
+      <p:pic>
+        <p:nvPicPr>
+          <p:cNvPr id="738752612" name=""/>
+          <p:cNvPicPr>
+            <a:picLocks noChangeAspect="1"/>
+          </p:cNvPicPr>
+          <p:nvPr/>
+        </p:nvPicPr>
+        <p:blipFill>
+          <a:blip r:embed="rId4"/>
+          <a:stretch/>
+        </p:blipFill>
+        <p:spPr bwMode="auto">
+          <a:xfrm flipH="0" flipV="0">
+            <a:off x="3123824" y="1447527"/>
+            <a:ext cx="655695" cy="423178"/>
+          </a:xfrm>
+          <a:prstGeom prst="rect">
+            <a:avLst/>
+          </a:prstGeom>
+        </p:spPr>
+      </p:pic>
+      <p:sp>
+        <p:nvSpPr>
+          <p:cNvPr id="1944028844" name=""/>
+          <p:cNvSpPr txBox="1"/>
+          <p:nvPr/>
+        </p:nvSpPr>
+        <p:spPr bwMode="auto">
+          <a:xfrm rot="0" flipH="0" flipV="0">
+            <a:off x="3194632" y="1998382"/>
+            <a:ext cx="2220830" cy="2835000"/>
+          </a:xfrm>
+          <a:prstGeom prst="rect">
+            <a:avLst/>
+          </a:prstGeom>
+          <a:noFill/>
+        </p:spPr>
+        <p:txBody>
+          <a:bodyPr vertOverflow="overflow" horzOverflow="overflow" vert="horz" wrap="square" lIns="91440" tIns="45720" rIns="91440" bIns="45720" numCol="1" spcCol="0" rtlCol="0" fromWordArt="0" anchor="t" anchorCtr="0" forceAA="0" upright="0" compatLnSpc="0">
+            <a:spAutoFit/>
+          </a:bodyPr>
+          <a:p>
+            <a:pPr>
+              <a:defRPr/>
+            </a:pPr>
+            <a:r>
+              <a:rPr>
+                <a:latin typeface="Roobert"/>
+                <a:ea typeface="Roobert"/>
+                <a:cs typeface="Roobert"/>
+              </a:rPr>
+              <a:t>J. Lois-Fuentes</a:t>
+            </a:r>
+            <a:endParaRPr>
+              <a:latin typeface="Roobert"/>
+              <a:cs typeface="Roobert"/>
+            </a:endParaRPr>
+          </a:p>
+          <a:p>
+            <a:pPr>
+              <a:defRPr/>
+            </a:pPr>
+            <a:r>
+              <a:rPr>
+                <a:latin typeface="Roobert"/>
+                <a:ea typeface="Roobert"/>
+                <a:cs typeface="Roobert"/>
+              </a:rPr>
+              <a:t>B. Fernández-Domínguez</a:t>
+            </a:r>
+            <a:endParaRPr>
+              <a:latin typeface="Roobert"/>
+              <a:cs typeface="Roobert"/>
+            </a:endParaRPr>
+          </a:p>
+          <a:p>
+            <a:pPr>
+              <a:defRPr/>
+            </a:pPr>
+            <a:r>
+              <a:rPr>
+                <a:latin typeface="Roobert"/>
+                <a:ea typeface="Roobert"/>
+                <a:cs typeface="Roobert"/>
+              </a:rPr>
+              <a:t>M. Caamaño</a:t>
+            </a:r>
+            <a:endParaRPr>
+              <a:latin typeface="Roobert"/>
+              <a:cs typeface="Roobert"/>
+            </a:endParaRPr>
+          </a:p>
+          <a:p>
+            <a:pPr>
+              <a:defRPr/>
+            </a:pPr>
+            <a:r>
+              <a:rPr>
+                <a:latin typeface="Roobert"/>
+                <a:ea typeface="Roobert"/>
+                <a:cs typeface="Roobert"/>
+              </a:rPr>
+              <a:t>D. Fernández</a:t>
+            </a:r>
+            <a:endParaRPr>
+              <a:latin typeface="Roobert"/>
+              <a:cs typeface="Roobert"/>
+            </a:endParaRPr>
+          </a:p>
+          <a:p>
+            <a:pPr>
+              <a:defRPr/>
+            </a:pPr>
+            <a:r>
+              <a:rPr>
+                <a:latin typeface="Roobert"/>
+                <a:ea typeface="Roobert"/>
+                <a:cs typeface="Roobert"/>
+              </a:rPr>
+              <a:t>D. Regueira</a:t>
+            </a:r>
+            <a:endParaRPr>
+              <a:latin typeface="Roobert"/>
+              <a:cs typeface="Roobert"/>
+            </a:endParaRPr>
+          </a:p>
+          <a:p>
+            <a:pPr>
+              <a:defRPr/>
+            </a:pPr>
+            <a:r>
+              <a:rPr>
+                <a:latin typeface="Roobert"/>
+                <a:ea typeface="Roobert"/>
+                <a:cs typeface="Roobert"/>
+              </a:rPr>
+              <a:t>C. Cabo </a:t>
+            </a:r>
+            <a:endParaRPr>
+              <a:latin typeface="Roobert"/>
+              <a:cs typeface="Roobert"/>
+            </a:endParaRPr>
+          </a:p>
+          <a:p>
+            <a:pPr>
+              <a:defRPr/>
+            </a:pPr>
+            <a:r>
+              <a:rPr>
+                <a:latin typeface="Roobert"/>
+                <a:ea typeface="Roobert"/>
+                <a:cs typeface="Roobert"/>
+              </a:rPr>
+              <a:t>H. Álvarez-Pol</a:t>
+            </a:r>
+            <a:endParaRPr>
+              <a:latin typeface="Roobert"/>
+              <a:cs typeface="Roobert"/>
+            </a:endParaRPr>
+          </a:p>
+          <a:p>
+            <a:pPr>
+              <a:defRPr/>
+            </a:pPr>
+            <a:r>
+              <a:rPr>
+                <a:latin typeface="Roobert"/>
+                <a:ea typeface="Roobert"/>
+                <a:cs typeface="Roobert"/>
+              </a:rPr>
+              <a:t>Y. Ayyad</a:t>
+            </a:r>
+            <a:endParaRPr>
+              <a:latin typeface="Roobert"/>
+              <a:cs typeface="Roobert"/>
+            </a:endParaRPr>
+          </a:p>
+          <a:p>
+            <a:pPr>
+              <a:defRPr/>
+            </a:pPr>
+            <a:r>
+              <a:rPr>
+                <a:latin typeface="Roobert"/>
+                <a:ea typeface="Roobert"/>
+                <a:cs typeface="Roobert"/>
+              </a:rPr>
+              <a:t>G. Mantovani</a:t>
+            </a:r>
+            <a:endParaRPr>
+              <a:latin typeface="Roobert"/>
+              <a:cs typeface="Roobert"/>
+            </a:endParaRPr>
+          </a:p>
+        </p:txBody>
+      </p:sp>
+      <p:pic>
+        <p:nvPicPr>
+          <p:cNvPr id="2097082625" name=""/>
+          <p:cNvPicPr>
+            <a:picLocks noChangeAspect="1"/>
+          </p:cNvPicPr>
+          <p:nvPr/>
+        </p:nvPicPr>
+        <p:blipFill>
+          <a:blip r:embed="rId5"/>
+          <a:stretch/>
+        </p:blipFill>
+        <p:spPr bwMode="auto">
+          <a:xfrm flipH="0" flipV="0">
+            <a:off x="5906993" y="1357551"/>
+            <a:ext cx="798814" cy="546844"/>
+          </a:xfrm>
+          <a:prstGeom prst="rect">
+            <a:avLst/>
+          </a:prstGeom>
+        </p:spPr>
+      </p:pic>
+      <p:sp>
+        <p:nvSpPr>
+          <p:cNvPr id="822163033" name=""/>
+          <p:cNvSpPr txBox="1"/>
+          <p:nvPr/>
+        </p:nvSpPr>
+        <p:spPr bwMode="auto">
+          <a:xfrm rot="0" flipH="0" flipV="0">
+            <a:off x="5828014" y="2110440"/>
+            <a:ext cx="1564525" cy="640440"/>
+          </a:xfrm>
+          <a:prstGeom prst="rect">
+            <a:avLst/>
+          </a:prstGeom>
+          <a:noFill/>
+        </p:spPr>
+        <p:txBody>
+          <a:bodyPr vertOverflow="overflow" horzOverflow="overflow" vert="horz" wrap="square" lIns="91440" tIns="45720" rIns="91440" bIns="45720" numCol="1" spcCol="0" rtlCol="0" fromWordArt="0" anchor="t" anchorCtr="0" forceAA="0" upright="0" compatLnSpc="0">
+            <a:spAutoFit/>
+          </a:bodyPr>
+          <a:p>
+            <a:pPr>
+              <a:defRPr/>
+            </a:pPr>
+            <a:r>
+              <a:rPr>
+                <a:latin typeface="Roobert"/>
+                <a:ea typeface="Roobert"/>
+                <a:cs typeface="Roobert"/>
+              </a:rPr>
+              <a:t>F. Delaunay</a:t>
+            </a:r>
+            <a:endParaRPr>
+              <a:latin typeface="Roobert"/>
+              <a:cs typeface="Roobert"/>
+            </a:endParaRPr>
+          </a:p>
+          <a:p>
+            <a:pPr>
+              <a:defRPr/>
+            </a:pPr>
+            <a:r>
+              <a:rPr>
+                <a:latin typeface="Roobert"/>
+                <a:ea typeface="Roobert"/>
+                <a:cs typeface="Roobert"/>
+              </a:rPr>
+              <a:t>L. Achouri</a:t>
+            </a:r>
+            <a:endParaRPr>
+              <a:latin typeface="Roobert"/>
+              <a:cs typeface="Roobert"/>
+            </a:endParaRPr>
+          </a:p>
+        </p:txBody>
+      </p:sp>
+      <p:pic>
+        <p:nvPicPr>
+          <p:cNvPr id="853681633" name=""/>
+          <p:cNvPicPr>
+            <a:picLocks noChangeAspect="1"/>
+          </p:cNvPicPr>
+          <p:nvPr/>
+        </p:nvPicPr>
+        <p:blipFill>
+          <a:blip r:embed="rId6"/>
+          <a:stretch/>
+        </p:blipFill>
+        <p:spPr bwMode="auto">
+          <a:xfrm flipH="0" flipV="0">
+            <a:off x="4038597" y="1542777"/>
+            <a:ext cx="1027899" cy="327929"/>
+          </a:xfrm>
+          <a:prstGeom prst="rect">
+            <a:avLst/>
+          </a:prstGeom>
+        </p:spPr>
+      </p:pic>
+      <p:pic>
+        <p:nvPicPr>
+          <p:cNvPr id="667821443" name=""/>
+          <p:cNvPicPr>
+            <a:picLocks noChangeAspect="1"/>
+          </p:cNvPicPr>
+          <p:nvPr/>
+        </p:nvPicPr>
+        <p:blipFill>
+          <a:blip r:embed="rId7"/>
+          <a:stretch/>
+        </p:blipFill>
+        <p:spPr bwMode="auto">
+          <a:xfrm flipH="0" flipV="0">
+            <a:off x="5828014" y="2917728"/>
+            <a:ext cx="1057810" cy="567457"/>
+          </a:xfrm>
+          <a:prstGeom prst="rect">
+            <a:avLst/>
+          </a:prstGeom>
+        </p:spPr>
+      </p:pic>
+      <p:sp>
+        <p:nvSpPr>
+          <p:cNvPr id="607077057" name=""/>
+          <p:cNvSpPr txBox="1"/>
+          <p:nvPr/>
+        </p:nvSpPr>
+        <p:spPr bwMode="auto">
+          <a:xfrm rot="0" flipH="0" flipV="0">
+            <a:off x="5856029" y="3604558"/>
+            <a:ext cx="1971087" cy="1463400"/>
+          </a:xfrm>
+          <a:prstGeom prst="rect">
+            <a:avLst/>
+          </a:prstGeom>
+          <a:noFill/>
+        </p:spPr>
+        <p:txBody>
+          <a:bodyPr vertOverflow="overflow" horzOverflow="overflow" vert="horz" wrap="square" lIns="91440" tIns="45720" rIns="91440" bIns="45720" numCol="1" spcCol="0" rtlCol="0" fromWordArt="0" anchor="t" anchorCtr="0" forceAA="0" upright="0" compatLnSpc="0">
+            <a:spAutoFit/>
+          </a:bodyPr>
+          <a:p>
+            <a:pPr>
+              <a:defRPr/>
+            </a:pPr>
+            <a:r>
+              <a:rPr>
+                <a:latin typeface="Roobert"/>
+                <a:ea typeface="Roobert"/>
+                <a:cs typeface="Roobert"/>
+              </a:rPr>
+              <a:t>J. Giovinnazzo</a:t>
+            </a:r>
+            <a:endParaRPr>
+              <a:latin typeface="Roobert"/>
+              <a:cs typeface="Roobert"/>
+            </a:endParaRPr>
+          </a:p>
+          <a:p>
+            <a:pPr marL="283879" indent="-283879">
+              <a:buAutoNum type="alphaUcPeriod"/>
+              <a:defRPr/>
+            </a:pPr>
+            <a:r>
+              <a:rPr>
+                <a:latin typeface="Roobert"/>
+                <a:ea typeface="Roobert"/>
+                <a:cs typeface="Roobert"/>
+              </a:rPr>
+              <a:t>Ortega-Moral</a:t>
+            </a:r>
+            <a:endParaRPr>
+              <a:latin typeface="Roobert"/>
+              <a:cs typeface="Roobert"/>
+            </a:endParaRPr>
+          </a:p>
+          <a:p>
+            <a:pPr>
+              <a:defRPr/>
+            </a:pPr>
+            <a:r>
+              <a:rPr>
+                <a:latin typeface="Roobert"/>
+                <a:ea typeface="Roobert"/>
+                <a:cs typeface="Roobert"/>
+              </a:rPr>
+              <a:t>S. Grevy</a:t>
+            </a:r>
+            <a:endParaRPr>
+              <a:latin typeface="Roobert"/>
+              <a:cs typeface="Roobert"/>
+            </a:endParaRPr>
+          </a:p>
+          <a:p>
+            <a:pPr>
+              <a:defRPr/>
+            </a:pPr>
+            <a:r>
+              <a:rPr>
+                <a:latin typeface="Roobert"/>
+                <a:ea typeface="Roobert"/>
+                <a:cs typeface="Roobert"/>
+              </a:rPr>
+              <a:t>Q. Delignac</a:t>
+            </a:r>
+            <a:endParaRPr>
+              <a:latin typeface="Roobert"/>
+              <a:cs typeface="Roobert"/>
+            </a:endParaRPr>
+          </a:p>
+          <a:p>
+            <a:pPr>
+              <a:defRPr/>
+            </a:pPr>
+            <a:r>
+              <a:rPr>
+                <a:latin typeface="Roobert"/>
+                <a:ea typeface="Roobert"/>
+                <a:cs typeface="Roobert"/>
+              </a:rPr>
+              <a:t>T. Kurtikian</a:t>
+            </a:r>
+            <a:endParaRPr>
+              <a:latin typeface="Roobert"/>
+              <a:cs typeface="Roobert"/>
+            </a:endParaRPr>
+          </a:p>
+        </p:txBody>
+      </p:sp>
+      <p:sp>
+        <p:nvSpPr>
+          <p:cNvPr id="22486905" name=""/>
+          <p:cNvSpPr txBox="1"/>
+          <p:nvPr/>
+        </p:nvSpPr>
+        <p:spPr bwMode="auto">
+          <a:xfrm rot="0" flipH="0" flipV="0">
+            <a:off x="8900294" y="1755587"/>
+            <a:ext cx="1340069" cy="914760"/>
+          </a:xfrm>
+          <a:prstGeom prst="rect">
+            <a:avLst/>
+          </a:prstGeom>
+          <a:noFill/>
+        </p:spPr>
+        <p:txBody>
+          <a:bodyPr vertOverflow="overflow" horzOverflow="overflow" vert="horz" wrap="square" lIns="91440" tIns="45720" rIns="91440" bIns="45720" numCol="1" spcCol="0" rtlCol="0" fromWordArt="0" anchor="t" anchorCtr="0" forceAA="0" upright="0" compatLnSpc="0">
+            <a:spAutoFit/>
+          </a:bodyPr>
+          <a:p>
+            <a:pPr>
+              <a:defRPr/>
+            </a:pPr>
+            <a:r>
+              <a:rPr>
+                <a:latin typeface="Roobert"/>
+                <a:ea typeface="Roobert"/>
+                <a:cs typeface="Roobert"/>
+              </a:rPr>
+              <a:t>Others pending of adding</a:t>
+            </a:r>
+            <a:endParaRPr>
+              <a:latin typeface="Roobert"/>
+              <a:cs typeface="Roobert"/>
+            </a:endParaRPr>
+          </a:p>
+        </p:txBody>
+      </p:sp>
+    </p:spTree>
+  </p:cSld>
+  <p:clrMapOvr>
+    <a:masterClrMapping/>
+  </p:clrMapOvr>
+  <mc:AlternateContent xmlns:mc="http://schemas.openxmlformats.org/markup-compatibility/2006">
+    <mc:Choice xmlns:p159="http://schemas.microsoft.com/office/powerpoint/2015/09/main" xmlns:p14="http://schemas.microsoft.com/office/powerpoint/2010/main" Requires="p159">
+      <p:transition p14:dur="2000" advClick="1"/>
+    </mc:Choice>
+    <mc:Fallback>
+      <p:transition advClick="1"/>
+    </mc:Fallback>
+  </mc:AlternateContent>
+</p:sld>
+</file>
+
+<file path=ppt/slides/slide18.xml><?xml version="1.0" encoding="utf-8"?>
+<p:sld xmlns:a="http://schemas.openxmlformats.org/drawingml/2006/main" xmlns:r="http://schemas.openxmlformats.org/officeDocument/2006/relationships" xmlns:p="http://schemas.openxmlformats.org/presentationml/2006/main" xmlns:m="http://schemas.openxmlformats.org/officeDocument/2006/math" xmlns:w="http://schemas.openxmlformats.org/wordprocessingml/2006/main" xmlns:mc="http://schemas.openxmlformats.org/markup-compatibility/2006" showMasterPhAnim="0" showMasterSp="1" show="1">
+  <p:cSld name="">
+    <p:spTree>
+      <p:nvGrpSpPr>
+        <p:cNvPr id="1" name=""/>
+        <p:cNvGrpSpPr/>
+        <p:nvPr/>
+      </p:nvGrpSpPr>
+      <p:grpSpPr bwMode="auto">
+        <a:xfrm>
+          <a:off x="0" y="0"/>
+          <a:ext cx="0" cy="0"/>
+          <a:chOff x="0" y="0"/>
+          <a:chExt cx="0" cy="0"/>
+        </a:xfrm>
+      </p:grpSpPr>
+      <p:sp>
+        <p:nvSpPr>
+          <p:cNvPr id="892671160" name="Title 1"/>
+          <p:cNvSpPr>
+            <a:spLocks noGrp="1"/>
+          </p:cNvSpPr>
+          <p:nvPr>
+            <p:ph type="title"/>
+          </p:nvPr>
+        </p:nvSpPr>
+        <p:spPr bwMode="auto">
+          <a:xfrm>
+            <a:off x="838197" y="2773454"/>
+            <a:ext cx="10515600" cy="989851"/>
+          </a:xfrm>
+        </p:spPr>
+        <p:txBody>
+          <a:bodyPr/>
+          <a:lstStyle/>
+          <a:p>
+            <a:pPr algn="ctr">
+              <a:defRPr/>
+            </a:pPr>
+            <a:r>
+              <a:rPr/>
+              <a:t>Extra slides</a:t>
+            </a:r>
+            <a:endParaRPr/>
+          </a:p>
+        </p:txBody>
+      </p:sp>
+      <p:sp>
+        <p:nvSpPr>
+          <p:cNvPr id="1102207198" name="Date Placeholder 2"/>
+          <p:cNvSpPr>
+            <a:spLocks noGrp="1"/>
+          </p:cNvSpPr>
+          <p:nvPr>
+            <p:ph type="dt" sz="half" idx="10"/>
+          </p:nvPr>
+        </p:nvSpPr>
+        <p:spPr bwMode="auto"/>
+        <p:txBody>
+          <a:bodyPr/>
+          <a:lstStyle/>
+          <a:p>
+            <a:pPr>
+              <a:defRPr/>
+            </a:pPr>
+            <a:r>
+              <a:rPr/>
+              <a:t>EuNPC 2025 - Caen</a:t>
+            </a:r>
+            <a:endParaRPr/>
+          </a:p>
+        </p:txBody>
+      </p:sp>
+      <p:sp>
+        <p:nvSpPr>
+          <p:cNvPr id="381622309" name="Footer Placeholder 3"/>
+          <p:cNvSpPr>
+            <a:spLocks noGrp="1"/>
+          </p:cNvSpPr>
+          <p:nvPr>
+            <p:ph type="ftr" sz="quarter" idx="11"/>
+          </p:nvPr>
+        </p:nvSpPr>
+        <p:spPr bwMode="auto"/>
+        <p:txBody>
+          <a:bodyPr/>
+          <a:lstStyle/>
+          <a:p>
+            <a:pPr>
+              <a:defRPr/>
+            </a:pPr>
+            <a:r>
+              <a:rPr/>
+              <a:t>SO splitting in 20O</a:t>
+            </a:r>
+            <a:endParaRPr/>
+          </a:p>
+        </p:txBody>
+      </p:sp>
+      <p:sp>
+        <p:nvSpPr>
+          <p:cNvPr id="947073814" name="Slide Number Placeholder 4"/>
+          <p:cNvSpPr>
+            <a:spLocks noGrp="1"/>
+          </p:cNvSpPr>
+          <p:nvPr>
+            <p:ph type="sldNum" sz="quarter" idx="12"/>
+          </p:nvPr>
+        </p:nvSpPr>
+        <p:spPr bwMode="auto"/>
+        <p:txBody>
+          <a:bodyPr/>
+          <a:lstStyle/>
+          <a:p>
+            <a:pPr>
+              <a:defRPr/>
+            </a:pPr>
+            <a:fld id="{D093DDE8-D9D9-A484-5317-42D1F85CBB34}" type="slidenum">
+              <a:rPr lang="en-US"/>
+              <a:t/>
+            </a:fld>
+            <a:endParaRPr lang="en-US"/>
+          </a:p>
+        </p:txBody>
+      </p:sp>
+    </p:spTree>
+  </p:cSld>
+  <p:clrMapOvr>
+    <a:masterClrMapping/>
+  </p:clrMapOvr>
+  <mc:AlternateContent xmlns:mc="http://schemas.openxmlformats.org/markup-compatibility/2006">
+    <mc:Choice xmlns:p159="http://schemas.microsoft.com/office/powerpoint/2015/09/main" xmlns:p14="http://schemas.microsoft.com/office/powerpoint/2010/main" Requires="p159">
+      <p:transition p14:dur="2000" advClick="1"/>
+    </mc:Choice>
+    <mc:Fallback>
+      <p:transition advClick="1"/>
+    </mc:Fallback>
+  </mc:AlternateContent>
+</p:sld>
+</file>
+
+<file path=ppt/slides/slide19.xml><?xml version="1.0" encoding="utf-8"?>
+<p:sld xmlns:a="http://schemas.openxmlformats.org/drawingml/2006/main" xmlns:r="http://schemas.openxmlformats.org/officeDocument/2006/relationships" xmlns:p="http://schemas.openxmlformats.org/presentationml/2006/main" xmlns:m="http://schemas.openxmlformats.org/officeDocument/2006/math" xmlns:w="http://schemas.openxmlformats.org/wordprocessingml/2006/main" xmlns:mc="http://schemas.openxmlformats.org/markup-compatibility/2006" showMasterPhAnim="0" showMasterSp="1" show="1">
+  <p:cSld name="">
+    <p:spTree>
+      <p:nvGrpSpPr>
+        <p:cNvPr id="1" name=""/>
+        <p:cNvGrpSpPr/>
+        <p:nvPr/>
+      </p:nvGrpSpPr>
+      <p:grpSpPr bwMode="auto">
+        <a:xfrm>
+          <a:off x="0" y="0"/>
+          <a:ext cx="0" cy="0"/>
+          <a:chOff x="0" y="0"/>
+          <a:chExt cx="0" cy="0"/>
+        </a:xfrm>
+      </p:grpSpPr>
+      <p:sp>
+        <p:nvSpPr>
+          <p:cNvPr id="1784117305" name="Title 1"/>
+          <p:cNvSpPr>
+            <a:spLocks noGrp="1"/>
+          </p:cNvSpPr>
+          <p:nvPr>
+            <p:ph type="title"/>
+          </p:nvPr>
+        </p:nvSpPr>
+        <p:spPr bwMode="auto"/>
+        <p:txBody>
+          <a:bodyPr/>
+          <a:lstStyle/>
+          <a:p>
+            <a:pPr>
+              <a:defRPr/>
+            </a:pPr>
+            <a:r>
+              <a:rPr/>
+              <a:t>A window to the analysis</a:t>
+            </a:r>
+            <a:endParaRPr/>
+          </a:p>
+        </p:txBody>
+      </p:sp>
+      <p:sp>
+        <p:nvSpPr>
+          <p:cNvPr id="58529045" name="Date Placeholder 3"/>
+          <p:cNvSpPr>
+            <a:spLocks noGrp="1"/>
+          </p:cNvSpPr>
+          <p:nvPr>
+            <p:ph type="dt" sz="half" idx="10"/>
+          </p:nvPr>
+        </p:nvSpPr>
+        <p:spPr bwMode="auto"/>
+        <p:txBody>
+          <a:bodyPr/>
+          <a:lstStyle/>
+          <a:p>
+            <a:pPr>
+              <a:defRPr/>
+            </a:pPr>
+            <a:r>
+              <a:rPr/>
+              <a:t>EuNPC 2025 - Caen</a:t>
+            </a:r>
+            <a:endParaRPr/>
+          </a:p>
+        </p:txBody>
+      </p:sp>
+      <p:sp>
+        <p:nvSpPr>
+          <p:cNvPr id="2078119852" name="Footer Placeholder 4"/>
+          <p:cNvSpPr>
+            <a:spLocks noGrp="1"/>
+          </p:cNvSpPr>
+          <p:nvPr>
+            <p:ph type="ftr" sz="quarter" idx="11"/>
+          </p:nvPr>
+        </p:nvSpPr>
+        <p:spPr bwMode="auto"/>
+        <p:txBody>
+          <a:bodyPr/>
+          <a:lstStyle/>
+          <a:p>
+            <a:pPr>
+              <a:defRPr/>
+            </a:pPr>
+            <a:r>
+              <a:rPr/>
+              <a:t>SO splitting in 20O</a:t>
+            </a:r>
+            <a:endParaRPr/>
+          </a:p>
+        </p:txBody>
+      </p:sp>
+      <p:sp>
+        <p:nvSpPr>
+          <p:cNvPr id="1307028635" name="Slide Number Placeholder 5"/>
+          <p:cNvSpPr>
+            <a:spLocks noGrp="1"/>
+          </p:cNvSpPr>
+          <p:nvPr>
+            <p:ph type="sldNum" sz="quarter" idx="12"/>
+          </p:nvPr>
+        </p:nvSpPr>
+        <p:spPr bwMode="auto"/>
+        <p:txBody>
+          <a:bodyPr/>
+          <a:lstStyle/>
+          <a:p>
+            <a:pPr>
+              <a:defRPr/>
+            </a:pPr>
             <a:fld id="{F35937FE-C2FC-F1C1-D767-B70ACF798319}" type="slidenum">
               <a:rPr lang="en-US"/>
               <a:t/>
@@ -10530,7 +14114,7 @@
       </p:sp>
       <p:sp>
         <p:nvSpPr>
-          <p:cNvPr id="1739903193" name="Text Placeholder 2"/>
+          <p:cNvPr id="404416015" name="Text Placeholder 2"/>
           <p:cNvSpPr>
             <a:spLocks noGrp="1"/>
           </p:cNvSpPr>
@@ -10606,7 +14190,7 @@
       </p:sp>
       <p:grpSp>
         <p:nvGrpSpPr>
-          <p:cNvPr id="962984746" name=""/>
+          <p:cNvPr id="1005980846" name=""/>
           <p:cNvGrpSpPr/>
           <p:nvPr/>
         </p:nvGrpSpPr>
@@ -11734,674 +15318,6 @@
 </p:sld>
 </file>
 
-<file path=ppt/slides/slide15.xml><?xml version="1.0" encoding="utf-8"?>
-<p:sld xmlns:a="http://schemas.openxmlformats.org/drawingml/2006/main" xmlns:r="http://schemas.openxmlformats.org/officeDocument/2006/relationships" xmlns:p="http://schemas.openxmlformats.org/presentationml/2006/main" xmlns:m="http://schemas.openxmlformats.org/officeDocument/2006/math" xmlns:w="http://schemas.openxmlformats.org/wordprocessingml/2006/main" xmlns:mc="http://schemas.openxmlformats.org/markup-compatibility/2006" showMasterPhAnim="0" showMasterSp="1" show="1">
-  <p:cSld name="">
-    <p:spTree>
-      <p:nvGrpSpPr>
-        <p:cNvPr id="1" name=""/>
-        <p:cNvGrpSpPr/>
-        <p:nvPr/>
-      </p:nvGrpSpPr>
-      <p:grpSpPr bwMode="auto">
-        <a:xfrm>
-          <a:off x="0" y="0"/>
-          <a:ext cx="0" cy="0"/>
-          <a:chOff x="0" y="0"/>
-          <a:chExt cx="0" cy="0"/>
-        </a:xfrm>
-      </p:grpSpPr>
-      <p:sp>
-        <p:nvSpPr>
-          <p:cNvPr id="620945325" name="Título 1"/>
-          <p:cNvSpPr txBox="1">
-            <a:spLocks noGrp="1"/>
-          </p:cNvSpPr>
-          <p:nvPr>
-            <p:ph type="title"/>
-          </p:nvPr>
-        </p:nvSpPr>
-        <p:spPr bwMode="auto"/>
-        <p:txBody>
-          <a:bodyPr/>
-          <a:lstStyle>
-            <a:lvl1pPr algn="ctr">
-              <a:defRPr sz="3200"/>
-            </a:lvl1pPr>
-          </a:lstStyle>
-          <a:p>
-            <a:pPr>
-              <a:defRPr/>
-            </a:pPr>
-            <a:r>
-              <a:rPr/>
-              <a:t>Grazas!</a:t>
-            </a:r>
-            <a:endParaRPr/>
-          </a:p>
-        </p:txBody>
-      </p:sp>
-      <p:sp>
-        <p:nvSpPr>
-          <p:cNvPr id="1922202947" name=""/>
-          <p:cNvSpPr/>
-          <p:nvPr/>
-        </p:nvSpPr>
-        <p:spPr bwMode="auto">
-          <a:xfrm rot="0" flipH="0" flipV="0">
-            <a:off x="608399" y="1267200"/>
-            <a:ext cx="3600000" cy="1800000"/>
-          </a:xfrm>
-          <a:prstGeom prst="rect">
-            <a:avLst/>
-          </a:prstGeom>
-          <a:noFill/>
-          <a:ln>
-            <a:noFill/>
-          </a:ln>
-        </p:spPr>
-        <p:style>
-          <a:lnRef idx="2">
-            <a:schemeClr val="accent1">
-              <a:shade val="50000"/>
-            </a:schemeClr>
-          </a:lnRef>
-          <a:fillRef idx="1">
-            <a:schemeClr val="accent1"/>
-          </a:fillRef>
-          <a:effectRef idx="0">
-            <a:schemeClr val="accent1"/>
-          </a:effectRef>
-          <a:fontRef idx="minor">
-            <a:schemeClr val="lt1"/>
-          </a:fontRef>
-        </p:style>
-        <p:txBody>
-          <a:bodyPr/>
-          <a:p>
-            <a:pPr>
-              <a:defRPr/>
-            </a:pPr>
-            <a:endParaRPr/>
-          </a:p>
-          <a:p>
-            <a:pPr>
-              <a:defRPr/>
-            </a:pPr>
-            <a:r>
-              <a:rPr/>
-              <a:t>Slide 3 of 3</a:t>
-            </a:r>
-            <a:endParaRPr/>
-          </a:p>
-        </p:txBody>
-      </p:sp>
-      <p:sp>
-        <p:nvSpPr>
-          <p:cNvPr id="788022342" name=""/>
-          <p:cNvSpPr/>
-          <p:nvPr/>
-        </p:nvSpPr>
-        <p:spPr bwMode="auto">
-          <a:xfrm rot="0" flipH="0" flipV="0">
-            <a:off x="608399" y="1267200"/>
-            <a:ext cx="3600000" cy="1800000"/>
-          </a:xfrm>
-          <a:prstGeom prst="rect">
-            <a:avLst/>
-          </a:prstGeom>
-          <a:noFill/>
-          <a:ln>
-            <a:noFill/>
-          </a:ln>
-        </p:spPr>
-        <p:style>
-          <a:lnRef idx="2">
-            <a:schemeClr val="accent1">
-              <a:shade val="50000"/>
-            </a:schemeClr>
-          </a:lnRef>
-          <a:fillRef idx="1">
-            <a:schemeClr val="accent1"/>
-          </a:fillRef>
-          <a:effectRef idx="0">
-            <a:schemeClr val="accent1"/>
-          </a:effectRef>
-          <a:fontRef idx="minor">
-            <a:schemeClr val="lt1"/>
-          </a:fontRef>
-        </p:style>
-        <p:txBody>
-          <a:bodyPr/>
-          <a:p>
-            <a:pPr>
-              <a:defRPr/>
-            </a:pPr>
-            <a:endParaRPr/>
-          </a:p>
-          <a:p>
-            <a:pPr>
-              <a:defRPr/>
-            </a:pPr>
-            <a:r>
-              <a:rPr/>
-              <a:t>Slide 3 of 3</a:t>
-            </a:r>
-            <a:endParaRPr/>
-          </a:p>
-        </p:txBody>
-      </p:sp>
-      <p:sp>
-        <p:nvSpPr>
-          <p:cNvPr id="203779932" name=""/>
-          <p:cNvSpPr/>
-          <p:nvPr/>
-        </p:nvSpPr>
-        <p:spPr bwMode="auto">
-          <a:xfrm rot="0" flipH="0" flipV="0">
-            <a:off x="608399" y="1267200"/>
-            <a:ext cx="3600000" cy="1800000"/>
-          </a:xfrm>
-          <a:prstGeom prst="rect">
-            <a:avLst/>
-          </a:prstGeom>
-          <a:noFill/>
-          <a:ln>
-            <a:noFill/>
-          </a:ln>
-        </p:spPr>
-        <p:style>
-          <a:lnRef idx="2">
-            <a:schemeClr val="accent1">
-              <a:shade val="50000"/>
-            </a:schemeClr>
-          </a:lnRef>
-          <a:fillRef idx="1">
-            <a:schemeClr val="accent1"/>
-          </a:fillRef>
-          <a:effectRef idx="0">
-            <a:schemeClr val="accent1"/>
-          </a:effectRef>
-          <a:fontRef idx="minor">
-            <a:schemeClr val="lt1"/>
-          </a:fontRef>
-        </p:style>
-        <p:txBody>
-          <a:bodyPr/>
-          <a:p>
-            <a:pPr>
-              <a:defRPr/>
-            </a:pPr>
-            <a:endParaRPr/>
-          </a:p>
-          <a:p>
-            <a:pPr>
-              <a:defRPr/>
-            </a:pPr>
-            <a:r>
-              <a:rPr/>
-              <a:t>Slide 3 of 3</a:t>
-            </a:r>
-            <a:endParaRPr/>
-          </a:p>
-        </p:txBody>
-      </p:sp>
-      <p:sp>
-        <p:nvSpPr>
-          <p:cNvPr id="140899006" name=""/>
-          <p:cNvSpPr/>
-          <p:nvPr/>
-        </p:nvSpPr>
-        <p:spPr bwMode="auto">
-          <a:xfrm rot="0" flipH="0" flipV="0">
-            <a:off x="608399" y="1267200"/>
-            <a:ext cx="3600000" cy="1800000"/>
-          </a:xfrm>
-          <a:prstGeom prst="rect">
-            <a:avLst/>
-          </a:prstGeom>
-          <a:noFill/>
-          <a:ln>
-            <a:noFill/>
-          </a:ln>
-        </p:spPr>
-        <p:style>
-          <a:lnRef idx="2">
-            <a:schemeClr val="accent1">
-              <a:shade val="50000"/>
-            </a:schemeClr>
-          </a:lnRef>
-          <a:fillRef idx="1">
-            <a:schemeClr val="accent1"/>
-          </a:fillRef>
-          <a:effectRef idx="0">
-            <a:schemeClr val="accent1"/>
-          </a:effectRef>
-          <a:fontRef idx="minor">
-            <a:schemeClr val="lt1"/>
-          </a:fontRef>
-        </p:style>
-        <p:txBody>
-          <a:bodyPr/>
-          <a:p>
-            <a:pPr>
-              <a:defRPr/>
-            </a:pPr>
-            <a:endParaRPr/>
-          </a:p>
-          <a:p>
-            <a:pPr>
-              <a:defRPr/>
-            </a:pPr>
-            <a:r>
-              <a:rPr/>
-              <a:t>Slide 3 of 3</a:t>
-            </a:r>
-            <a:endParaRPr/>
-          </a:p>
-        </p:txBody>
-      </p:sp>
-      <p:sp>
-        <p:nvSpPr>
-          <p:cNvPr id="1805828078" name=""/>
-          <p:cNvSpPr/>
-          <p:nvPr/>
-        </p:nvSpPr>
-        <p:spPr bwMode="auto">
-          <a:xfrm rot="0" flipH="0" flipV="0">
-            <a:off x="608399" y="1267200"/>
-            <a:ext cx="3600000" cy="1800000"/>
-          </a:xfrm>
-          <a:prstGeom prst="rect">
-            <a:avLst/>
-          </a:prstGeom>
-          <a:noFill/>
-          <a:ln>
-            <a:noFill/>
-          </a:ln>
-        </p:spPr>
-        <p:style>
-          <a:lnRef idx="2">
-            <a:schemeClr val="accent1">
-              <a:shade val="50000"/>
-            </a:schemeClr>
-          </a:lnRef>
-          <a:fillRef idx="1">
-            <a:schemeClr val="accent1"/>
-          </a:fillRef>
-          <a:effectRef idx="0">
-            <a:schemeClr val="accent1"/>
-          </a:effectRef>
-          <a:fontRef idx="minor">
-            <a:schemeClr val="lt1"/>
-          </a:fontRef>
-        </p:style>
-        <p:txBody>
-          <a:bodyPr/>
-          <a:p>
-            <a:pPr>
-              <a:defRPr/>
-            </a:pPr>
-            <a:endParaRPr/>
-          </a:p>
-          <a:p>
-            <a:pPr>
-              <a:defRPr/>
-            </a:pPr>
-            <a:r>
-              <a:rPr/>
-              <a:t>Slide 3 of 3</a:t>
-            </a:r>
-            <a:endParaRPr/>
-          </a:p>
-        </p:txBody>
-      </p:sp>
-      <p:sp>
-        <p:nvSpPr>
-          <p:cNvPr id="1769818641" name=""/>
-          <p:cNvSpPr/>
-          <p:nvPr/>
-        </p:nvSpPr>
-        <p:spPr bwMode="auto">
-          <a:xfrm rot="0" flipH="0" flipV="0">
-            <a:off x="608399" y="1267200"/>
-            <a:ext cx="3600000" cy="1800000"/>
-          </a:xfrm>
-          <a:prstGeom prst="rect">
-            <a:avLst/>
-          </a:prstGeom>
-          <a:noFill/>
-          <a:ln>
-            <a:noFill/>
-          </a:ln>
-        </p:spPr>
-        <p:style>
-          <a:lnRef idx="2">
-            <a:schemeClr val="accent1">
-              <a:shade val="50000"/>
-            </a:schemeClr>
-          </a:lnRef>
-          <a:fillRef idx="1">
-            <a:schemeClr val="accent1"/>
-          </a:fillRef>
-          <a:effectRef idx="0">
-            <a:schemeClr val="accent1"/>
-          </a:effectRef>
-          <a:fontRef idx="minor">
-            <a:schemeClr val="lt1"/>
-          </a:fontRef>
-        </p:style>
-        <p:txBody>
-          <a:bodyPr/>
-          <a:p>
-            <a:pPr>
-              <a:defRPr/>
-            </a:pPr>
-            <a:endParaRPr/>
-          </a:p>
-          <a:p>
-            <a:pPr>
-              <a:defRPr/>
-            </a:pPr>
-            <a:r>
-              <a:rPr/>
-              <a:t>Slide 3 of 3</a:t>
-            </a:r>
-            <a:endParaRPr/>
-          </a:p>
-        </p:txBody>
-      </p:sp>
-      <p:sp>
-        <p:nvSpPr>
-          <p:cNvPr id="324954270" name=""/>
-          <p:cNvSpPr/>
-          <p:nvPr/>
-        </p:nvSpPr>
-        <p:spPr bwMode="auto">
-          <a:xfrm rot="0" flipH="0" flipV="0">
-            <a:off x="608399" y="1267200"/>
-            <a:ext cx="3600000" cy="1800000"/>
-          </a:xfrm>
-          <a:prstGeom prst="rect">
-            <a:avLst/>
-          </a:prstGeom>
-          <a:noFill/>
-          <a:ln>
-            <a:noFill/>
-          </a:ln>
-        </p:spPr>
-        <p:style>
-          <a:lnRef idx="2">
-            <a:schemeClr val="accent1">
-              <a:shade val="50000"/>
-            </a:schemeClr>
-          </a:lnRef>
-          <a:fillRef idx="1">
-            <a:schemeClr val="accent1"/>
-          </a:fillRef>
-          <a:effectRef idx="0">
-            <a:schemeClr val="accent1"/>
-          </a:effectRef>
-          <a:fontRef idx="minor">
-            <a:schemeClr val="lt1"/>
-          </a:fontRef>
-        </p:style>
-        <p:txBody>
-          <a:bodyPr/>
-          <a:p>
-            <a:pPr>
-              <a:defRPr/>
-            </a:pPr>
-            <a:endParaRPr/>
-          </a:p>
-          <a:p>
-            <a:pPr>
-              <a:defRPr/>
-            </a:pPr>
-            <a:r>
-              <a:rPr/>
-              <a:t>Slide 3 of 3</a:t>
-            </a:r>
-            <a:endParaRPr/>
-          </a:p>
-        </p:txBody>
-      </p:sp>
-      <p:sp>
-        <p:nvSpPr>
-          <p:cNvPr id="1686821574" name=""/>
-          <p:cNvSpPr/>
-          <p:nvPr/>
-        </p:nvSpPr>
-        <p:spPr bwMode="auto">
-          <a:xfrm rot="0" flipH="0" flipV="0">
-            <a:off x="608399" y="1267200"/>
-            <a:ext cx="3600000" cy="1800000"/>
-          </a:xfrm>
-          <a:prstGeom prst="rect">
-            <a:avLst/>
-          </a:prstGeom>
-          <a:noFill/>
-          <a:ln>
-            <a:noFill/>
-          </a:ln>
-        </p:spPr>
-        <p:style>
-          <a:lnRef idx="2">
-            <a:schemeClr val="accent1">
-              <a:shade val="50000"/>
-            </a:schemeClr>
-          </a:lnRef>
-          <a:fillRef idx="1">
-            <a:schemeClr val="accent1"/>
-          </a:fillRef>
-          <a:effectRef idx="0">
-            <a:schemeClr val="accent1"/>
-          </a:effectRef>
-          <a:fontRef idx="minor">
-            <a:schemeClr val="lt1"/>
-          </a:fontRef>
-        </p:style>
-        <p:txBody>
-          <a:bodyPr/>
-          <a:p>
-            <a:pPr>
-              <a:defRPr/>
-            </a:pPr>
-            <a:endParaRPr/>
-          </a:p>
-          <a:p>
-            <a:pPr>
-              <a:defRPr/>
-            </a:pPr>
-            <a:r>
-              <a:rPr/>
-              <a:t>Slide 3 of 3</a:t>
-            </a:r>
-            <a:endParaRPr/>
-          </a:p>
-        </p:txBody>
-      </p:sp>
-      <p:sp>
-        <p:nvSpPr>
-          <p:cNvPr id="1909987614" name=""/>
-          <p:cNvSpPr/>
-          <p:nvPr/>
-        </p:nvSpPr>
-        <p:spPr bwMode="auto">
-          <a:xfrm rot="0" flipH="0" flipV="0">
-            <a:off x="608399" y="1267200"/>
-            <a:ext cx="3600000" cy="1800000"/>
-          </a:xfrm>
-          <a:prstGeom prst="rect">
-            <a:avLst/>
-          </a:prstGeom>
-          <a:noFill/>
-          <a:ln>
-            <a:noFill/>
-          </a:ln>
-        </p:spPr>
-        <p:style>
-          <a:lnRef idx="2">
-            <a:schemeClr val="accent1">
-              <a:shade val="50000"/>
-            </a:schemeClr>
-          </a:lnRef>
-          <a:fillRef idx="1">
-            <a:schemeClr val="accent1"/>
-          </a:fillRef>
-          <a:effectRef idx="0">
-            <a:schemeClr val="accent1"/>
-          </a:effectRef>
-          <a:fontRef idx="minor">
-            <a:schemeClr val="lt1"/>
-          </a:fontRef>
-        </p:style>
-        <p:txBody>
-          <a:bodyPr/>
-          <a:p>
-            <a:pPr>
-              <a:defRPr/>
-            </a:pPr>
-            <a:endParaRPr/>
-          </a:p>
-          <a:p>
-            <a:pPr>
-              <a:defRPr/>
-            </a:pPr>
-            <a:r>
-              <a:rPr/>
-              <a:t>Slide 3 of 3</a:t>
-            </a:r>
-            <a:endParaRPr/>
-          </a:p>
-        </p:txBody>
-      </p:sp>
-      <p:sp>
-        <p:nvSpPr>
-          <p:cNvPr id="181500466" name=""/>
-          <p:cNvSpPr/>
-          <p:nvPr/>
-        </p:nvSpPr>
-        <p:spPr bwMode="auto">
-          <a:xfrm rot="0" flipH="0" flipV="0">
-            <a:off x="608399" y="1267200"/>
-            <a:ext cx="3600000" cy="1800000"/>
-          </a:xfrm>
-          <a:prstGeom prst="rect">
-            <a:avLst/>
-          </a:prstGeom>
-          <a:noFill/>
-          <a:ln>
-            <a:noFill/>
-          </a:ln>
-        </p:spPr>
-        <p:style>
-          <a:lnRef idx="2">
-            <a:schemeClr val="accent1">
-              <a:shade val="50000"/>
-            </a:schemeClr>
-          </a:lnRef>
-          <a:fillRef idx="1">
-            <a:schemeClr val="accent1"/>
-          </a:fillRef>
-          <a:effectRef idx="0">
-            <a:schemeClr val="accent1"/>
-          </a:effectRef>
-          <a:fontRef idx="minor">
-            <a:schemeClr val="lt1"/>
-          </a:fontRef>
-        </p:style>
-        <p:txBody>
-          <a:bodyPr/>
-          <a:p>
-            <a:pPr>
-              <a:defRPr/>
-            </a:pPr>
-            <a:endParaRPr/>
-          </a:p>
-          <a:p>
-            <a:pPr>
-              <a:defRPr/>
-            </a:pPr>
-            <a:r>
-              <a:rPr/>
-              <a:t>Slide 3 of 3</a:t>
-            </a:r>
-            <a:endParaRPr/>
-          </a:p>
-        </p:txBody>
-      </p:sp>
-      <p:sp>
-        <p:nvSpPr>
-          <p:cNvPr id="635939584" name=""/>
-          <p:cNvSpPr/>
-          <p:nvPr/>
-        </p:nvSpPr>
-        <p:spPr bwMode="auto">
-          <a:xfrm rot="0" flipH="0" flipV="0">
-            <a:off x="608399" y="1267200"/>
-            <a:ext cx="3600000" cy="1800000"/>
-          </a:xfrm>
-          <a:prstGeom prst="rect">
-            <a:avLst/>
-          </a:prstGeom>
-          <a:noFill/>
-          <a:ln>
-            <a:noFill/>
-          </a:ln>
-        </p:spPr>
-        <p:style>
-          <a:lnRef idx="2">
-            <a:schemeClr val="accent1">
-              <a:shade val="50000"/>
-            </a:schemeClr>
-          </a:lnRef>
-          <a:fillRef idx="1">
-            <a:schemeClr val="accent1"/>
-          </a:fillRef>
-          <a:effectRef idx="0">
-            <a:schemeClr val="accent1"/>
-          </a:effectRef>
-          <a:fontRef idx="minor">
-            <a:schemeClr val="lt1"/>
-          </a:fontRef>
-        </p:style>
-        <p:txBody>
-          <a:bodyPr/>
-          <a:p>
-            <a:pPr>
-              <a:defRPr/>
-            </a:pPr>
-            <a:endParaRPr/>
-          </a:p>
-          <a:p>
-            <a:pPr>
-              <a:defRPr/>
-            </a:pPr>
-            <a:r>
-              <a:rPr/>
-              <a:t>Slide 3 of 3</a:t>
-            </a:r>
-            <a:endParaRPr/>
-          </a:p>
-        </p:txBody>
-      </p:sp>
-    </p:spTree>
-  </p:cSld>
-  <p:clrMapOvr>
-    <a:masterClrMapping/>
-  </p:clrMapOvr>
-  <mc:AlternateContent xmlns:mc="http://schemas.openxmlformats.org/markup-compatibility/2006">
-    <mc:Choice xmlns:p159="http://schemas.microsoft.com/office/powerpoint/2015/09/main" xmlns:p14="http://schemas.microsoft.com/office/powerpoint/2010/main" Requires="p159">
-      <p:transition p14:dur="2000" advClick="1"/>
-    </mc:Choice>
-    <mc:Fallback>
-      <p:transition advClick="1"/>
-    </mc:Fallback>
-  </mc:AlternateContent>
-</p:sld>
-</file>
-
 <file path=ppt/slides/slide2.xml><?xml version="1.0" encoding="utf-8"?>
 <p:sld xmlns:a="http://schemas.openxmlformats.org/drawingml/2006/main" xmlns:r="http://schemas.openxmlformats.org/officeDocument/2006/relationships" xmlns:p="http://schemas.openxmlformats.org/presentationml/2006/main" xmlns:m="http://schemas.openxmlformats.org/officeDocument/2006/math" xmlns:w="http://schemas.openxmlformats.org/wordprocessingml/2006/main" xmlns:mc="http://schemas.openxmlformats.org/markup-compatibility/2006" showMasterPhAnim="0" showMasterSp="1" show="1">
   <p:cSld name="">
@@ -12421,7 +15337,7 @@
       </p:grpSpPr>
       <p:sp>
         <p:nvSpPr>
-          <p:cNvPr id="749919971" name="Title 1"/>
+          <p:cNvPr id="1602444630" name="Title 1"/>
           <p:cNvSpPr>
             <a:spLocks noGrp="1"/>
           </p:cNvSpPr>
@@ -12447,7 +15363,7 @@
       </p:sp>
       <p:sp>
         <p:nvSpPr>
-          <p:cNvPr id="169325460" name="Content Placeholder 2"/>
+          <p:cNvPr id="676601691" name="Content Placeholder 2"/>
           <p:cNvSpPr>
             <a:spLocks noGrp="1"/>
           </p:cNvSpPr>
@@ -12488,7 +15404,7 @@
       </p:sp>
       <p:sp>
         <p:nvSpPr>
-          <p:cNvPr id="2068670512" name="Footer Placeholder 4"/>
+          <p:cNvPr id="725294110" name="Footer Placeholder 4"/>
           <p:cNvSpPr>
             <a:spLocks noGrp="1"/>
           </p:cNvSpPr>
@@ -12514,7 +15430,7 @@
       </p:sp>
       <p:sp>
         <p:nvSpPr>
-          <p:cNvPr id="449014748" name="Slide Number Placeholder 5"/>
+          <p:cNvPr id="48164021" name="Slide Number Placeholder 5"/>
           <p:cNvSpPr>
             <a:spLocks noGrp="1"/>
           </p:cNvSpPr>
@@ -12540,7 +15456,7 @@
       </p:sp>
       <p:sp>
         <p:nvSpPr>
-          <p:cNvPr id="733439375" name="Date Placeholder 3"/>
+          <p:cNvPr id="906936335" name="Date Placeholder 3"/>
           <p:cNvSpPr>
             <a:spLocks noGrp="1"/>
           </p:cNvSpPr>
@@ -12566,7 +15482,7 @@
       </p:sp>
       <p:pic>
         <p:nvPicPr>
-          <p:cNvPr id="170695991" name=""/>
+          <p:cNvPr id="1639898172" name=""/>
           <p:cNvPicPr>
             <a:picLocks noChangeAspect="1"/>
           </p:cNvPicPr>
@@ -12588,7 +15504,7 @@
       </p:pic>
       <p:sp>
         <p:nvSpPr>
-          <p:cNvPr id="186937146" name=""/>
+          <p:cNvPr id="2045612915" name=""/>
           <p:cNvSpPr txBox="1"/>
           <p:nvPr/>
         </p:nvSpPr>
@@ -12708,7 +15624,7 @@
       </p:sp>
       <p:pic>
         <p:nvPicPr>
-          <p:cNvPr id="2005089902" name=""/>
+          <p:cNvPr id="570664175" name=""/>
           <p:cNvPicPr>
             <a:picLocks noChangeAspect="1"/>
           </p:cNvPicPr>
@@ -12730,7 +15646,7 @@
       </p:pic>
       <p:pic>
         <p:nvPicPr>
-          <p:cNvPr id="1148180989" name=""/>
+          <p:cNvPr id="844849354" name=""/>
           <p:cNvPicPr>
             <a:picLocks noChangeAspect="1"/>
           </p:cNvPicPr>
@@ -12752,7 +15668,7 @@
       </p:pic>
       <p:sp>
         <p:nvSpPr>
-          <p:cNvPr id="102233762" name=""/>
+          <p:cNvPr id="127553291" name=""/>
           <p:cNvSpPr/>
           <p:nvPr/>
         </p:nvSpPr>
@@ -12844,6 +15760,674 @@
 </p:sld>
 </file>
 
+<file path=ppt/slides/slide20.xml><?xml version="1.0" encoding="utf-8"?>
+<p:sld xmlns:a="http://schemas.openxmlformats.org/drawingml/2006/main" xmlns:r="http://schemas.openxmlformats.org/officeDocument/2006/relationships" xmlns:p="http://schemas.openxmlformats.org/presentationml/2006/main" xmlns:m="http://schemas.openxmlformats.org/officeDocument/2006/math" xmlns:w="http://schemas.openxmlformats.org/wordprocessingml/2006/main" xmlns:mc="http://schemas.openxmlformats.org/markup-compatibility/2006" showMasterPhAnim="0" showMasterSp="1" show="1">
+  <p:cSld name="">
+    <p:spTree>
+      <p:nvGrpSpPr>
+        <p:cNvPr id="1" name=""/>
+        <p:cNvGrpSpPr/>
+        <p:nvPr/>
+      </p:nvGrpSpPr>
+      <p:grpSpPr bwMode="auto">
+        <a:xfrm>
+          <a:off x="0" y="0"/>
+          <a:ext cx="0" cy="0"/>
+          <a:chOff x="0" y="0"/>
+          <a:chExt cx="0" cy="0"/>
+        </a:xfrm>
+      </p:grpSpPr>
+      <p:sp>
+        <p:nvSpPr>
+          <p:cNvPr id="1135696835" name="Título 1"/>
+          <p:cNvSpPr txBox="1">
+            <a:spLocks noGrp="1"/>
+          </p:cNvSpPr>
+          <p:nvPr>
+            <p:ph type="title"/>
+          </p:nvPr>
+        </p:nvSpPr>
+        <p:spPr bwMode="auto"/>
+        <p:txBody>
+          <a:bodyPr/>
+          <a:lstStyle>
+            <a:lvl1pPr algn="ctr">
+              <a:defRPr sz="3200"/>
+            </a:lvl1pPr>
+          </a:lstStyle>
+          <a:p>
+            <a:pPr>
+              <a:defRPr/>
+            </a:pPr>
+            <a:r>
+              <a:rPr/>
+              <a:t>Grazas!</a:t>
+            </a:r>
+            <a:endParaRPr/>
+          </a:p>
+        </p:txBody>
+      </p:sp>
+      <p:sp>
+        <p:nvSpPr>
+          <p:cNvPr id="1228591354" name=""/>
+          <p:cNvSpPr/>
+          <p:nvPr/>
+        </p:nvSpPr>
+        <p:spPr bwMode="auto">
+          <a:xfrm rot="0" flipH="0" flipV="0">
+            <a:off x="608399" y="1267200"/>
+            <a:ext cx="3600000" cy="1800000"/>
+          </a:xfrm>
+          <a:prstGeom prst="rect">
+            <a:avLst/>
+          </a:prstGeom>
+          <a:noFill/>
+          <a:ln>
+            <a:noFill/>
+          </a:ln>
+        </p:spPr>
+        <p:style>
+          <a:lnRef idx="2">
+            <a:schemeClr val="accent1">
+              <a:shade val="50000"/>
+            </a:schemeClr>
+          </a:lnRef>
+          <a:fillRef idx="1">
+            <a:schemeClr val="accent1"/>
+          </a:fillRef>
+          <a:effectRef idx="0">
+            <a:schemeClr val="accent1"/>
+          </a:effectRef>
+          <a:fontRef idx="minor">
+            <a:schemeClr val="lt1"/>
+          </a:fontRef>
+        </p:style>
+        <p:txBody>
+          <a:bodyPr/>
+          <a:p>
+            <a:pPr>
+              <a:defRPr/>
+            </a:pPr>
+            <a:endParaRPr/>
+          </a:p>
+          <a:p>
+            <a:pPr>
+              <a:defRPr/>
+            </a:pPr>
+            <a:r>
+              <a:rPr/>
+              <a:t>Slide 3 of 3</a:t>
+            </a:r>
+            <a:endParaRPr/>
+          </a:p>
+        </p:txBody>
+      </p:sp>
+      <p:sp>
+        <p:nvSpPr>
+          <p:cNvPr id="1208558459" name=""/>
+          <p:cNvSpPr/>
+          <p:nvPr/>
+        </p:nvSpPr>
+        <p:spPr bwMode="auto">
+          <a:xfrm rot="0" flipH="0" flipV="0">
+            <a:off x="608399" y="1267200"/>
+            <a:ext cx="3600000" cy="1800000"/>
+          </a:xfrm>
+          <a:prstGeom prst="rect">
+            <a:avLst/>
+          </a:prstGeom>
+          <a:noFill/>
+          <a:ln>
+            <a:noFill/>
+          </a:ln>
+        </p:spPr>
+        <p:style>
+          <a:lnRef idx="2">
+            <a:schemeClr val="accent1">
+              <a:shade val="50000"/>
+            </a:schemeClr>
+          </a:lnRef>
+          <a:fillRef idx="1">
+            <a:schemeClr val="accent1"/>
+          </a:fillRef>
+          <a:effectRef idx="0">
+            <a:schemeClr val="accent1"/>
+          </a:effectRef>
+          <a:fontRef idx="minor">
+            <a:schemeClr val="lt1"/>
+          </a:fontRef>
+        </p:style>
+        <p:txBody>
+          <a:bodyPr/>
+          <a:p>
+            <a:pPr>
+              <a:defRPr/>
+            </a:pPr>
+            <a:endParaRPr/>
+          </a:p>
+          <a:p>
+            <a:pPr>
+              <a:defRPr/>
+            </a:pPr>
+            <a:r>
+              <a:rPr/>
+              <a:t>Slide 3 of 3</a:t>
+            </a:r>
+            <a:endParaRPr/>
+          </a:p>
+        </p:txBody>
+      </p:sp>
+      <p:sp>
+        <p:nvSpPr>
+          <p:cNvPr id="707870415" name=""/>
+          <p:cNvSpPr/>
+          <p:nvPr/>
+        </p:nvSpPr>
+        <p:spPr bwMode="auto">
+          <a:xfrm rot="0" flipH="0" flipV="0">
+            <a:off x="608399" y="1267200"/>
+            <a:ext cx="3600000" cy="1800000"/>
+          </a:xfrm>
+          <a:prstGeom prst="rect">
+            <a:avLst/>
+          </a:prstGeom>
+          <a:noFill/>
+          <a:ln>
+            <a:noFill/>
+          </a:ln>
+        </p:spPr>
+        <p:style>
+          <a:lnRef idx="2">
+            <a:schemeClr val="accent1">
+              <a:shade val="50000"/>
+            </a:schemeClr>
+          </a:lnRef>
+          <a:fillRef idx="1">
+            <a:schemeClr val="accent1"/>
+          </a:fillRef>
+          <a:effectRef idx="0">
+            <a:schemeClr val="accent1"/>
+          </a:effectRef>
+          <a:fontRef idx="minor">
+            <a:schemeClr val="lt1"/>
+          </a:fontRef>
+        </p:style>
+        <p:txBody>
+          <a:bodyPr/>
+          <a:p>
+            <a:pPr>
+              <a:defRPr/>
+            </a:pPr>
+            <a:endParaRPr/>
+          </a:p>
+          <a:p>
+            <a:pPr>
+              <a:defRPr/>
+            </a:pPr>
+            <a:r>
+              <a:rPr/>
+              <a:t>Slide 3 of 3</a:t>
+            </a:r>
+            <a:endParaRPr/>
+          </a:p>
+        </p:txBody>
+      </p:sp>
+      <p:sp>
+        <p:nvSpPr>
+          <p:cNvPr id="1537961708" name=""/>
+          <p:cNvSpPr/>
+          <p:nvPr/>
+        </p:nvSpPr>
+        <p:spPr bwMode="auto">
+          <a:xfrm rot="0" flipH="0" flipV="0">
+            <a:off x="608399" y="1267200"/>
+            <a:ext cx="3600000" cy="1800000"/>
+          </a:xfrm>
+          <a:prstGeom prst="rect">
+            <a:avLst/>
+          </a:prstGeom>
+          <a:noFill/>
+          <a:ln>
+            <a:noFill/>
+          </a:ln>
+        </p:spPr>
+        <p:style>
+          <a:lnRef idx="2">
+            <a:schemeClr val="accent1">
+              <a:shade val="50000"/>
+            </a:schemeClr>
+          </a:lnRef>
+          <a:fillRef idx="1">
+            <a:schemeClr val="accent1"/>
+          </a:fillRef>
+          <a:effectRef idx="0">
+            <a:schemeClr val="accent1"/>
+          </a:effectRef>
+          <a:fontRef idx="minor">
+            <a:schemeClr val="lt1"/>
+          </a:fontRef>
+        </p:style>
+        <p:txBody>
+          <a:bodyPr/>
+          <a:p>
+            <a:pPr>
+              <a:defRPr/>
+            </a:pPr>
+            <a:endParaRPr/>
+          </a:p>
+          <a:p>
+            <a:pPr>
+              <a:defRPr/>
+            </a:pPr>
+            <a:r>
+              <a:rPr/>
+              <a:t>Slide 3 of 3</a:t>
+            </a:r>
+            <a:endParaRPr/>
+          </a:p>
+        </p:txBody>
+      </p:sp>
+      <p:sp>
+        <p:nvSpPr>
+          <p:cNvPr id="167832126" name=""/>
+          <p:cNvSpPr/>
+          <p:nvPr/>
+        </p:nvSpPr>
+        <p:spPr bwMode="auto">
+          <a:xfrm rot="0" flipH="0" flipV="0">
+            <a:off x="608399" y="1267200"/>
+            <a:ext cx="3600000" cy="1800000"/>
+          </a:xfrm>
+          <a:prstGeom prst="rect">
+            <a:avLst/>
+          </a:prstGeom>
+          <a:noFill/>
+          <a:ln>
+            <a:noFill/>
+          </a:ln>
+        </p:spPr>
+        <p:style>
+          <a:lnRef idx="2">
+            <a:schemeClr val="accent1">
+              <a:shade val="50000"/>
+            </a:schemeClr>
+          </a:lnRef>
+          <a:fillRef idx="1">
+            <a:schemeClr val="accent1"/>
+          </a:fillRef>
+          <a:effectRef idx="0">
+            <a:schemeClr val="accent1"/>
+          </a:effectRef>
+          <a:fontRef idx="minor">
+            <a:schemeClr val="lt1"/>
+          </a:fontRef>
+        </p:style>
+        <p:txBody>
+          <a:bodyPr/>
+          <a:p>
+            <a:pPr>
+              <a:defRPr/>
+            </a:pPr>
+            <a:endParaRPr/>
+          </a:p>
+          <a:p>
+            <a:pPr>
+              <a:defRPr/>
+            </a:pPr>
+            <a:r>
+              <a:rPr/>
+              <a:t>Slide 3 of 3</a:t>
+            </a:r>
+            <a:endParaRPr/>
+          </a:p>
+        </p:txBody>
+      </p:sp>
+      <p:sp>
+        <p:nvSpPr>
+          <p:cNvPr id="150711120" name=""/>
+          <p:cNvSpPr/>
+          <p:nvPr/>
+        </p:nvSpPr>
+        <p:spPr bwMode="auto">
+          <a:xfrm rot="0" flipH="0" flipV="0">
+            <a:off x="608399" y="1267200"/>
+            <a:ext cx="3600000" cy="1800000"/>
+          </a:xfrm>
+          <a:prstGeom prst="rect">
+            <a:avLst/>
+          </a:prstGeom>
+          <a:noFill/>
+          <a:ln>
+            <a:noFill/>
+          </a:ln>
+        </p:spPr>
+        <p:style>
+          <a:lnRef idx="2">
+            <a:schemeClr val="accent1">
+              <a:shade val="50000"/>
+            </a:schemeClr>
+          </a:lnRef>
+          <a:fillRef idx="1">
+            <a:schemeClr val="accent1"/>
+          </a:fillRef>
+          <a:effectRef idx="0">
+            <a:schemeClr val="accent1"/>
+          </a:effectRef>
+          <a:fontRef idx="minor">
+            <a:schemeClr val="lt1"/>
+          </a:fontRef>
+        </p:style>
+        <p:txBody>
+          <a:bodyPr/>
+          <a:p>
+            <a:pPr>
+              <a:defRPr/>
+            </a:pPr>
+            <a:endParaRPr/>
+          </a:p>
+          <a:p>
+            <a:pPr>
+              <a:defRPr/>
+            </a:pPr>
+            <a:r>
+              <a:rPr/>
+              <a:t>Slide 3 of 3</a:t>
+            </a:r>
+            <a:endParaRPr/>
+          </a:p>
+        </p:txBody>
+      </p:sp>
+      <p:sp>
+        <p:nvSpPr>
+          <p:cNvPr id="1506137618" name=""/>
+          <p:cNvSpPr/>
+          <p:nvPr/>
+        </p:nvSpPr>
+        <p:spPr bwMode="auto">
+          <a:xfrm rot="0" flipH="0" flipV="0">
+            <a:off x="608399" y="1267200"/>
+            <a:ext cx="3600000" cy="1800000"/>
+          </a:xfrm>
+          <a:prstGeom prst="rect">
+            <a:avLst/>
+          </a:prstGeom>
+          <a:noFill/>
+          <a:ln>
+            <a:noFill/>
+          </a:ln>
+        </p:spPr>
+        <p:style>
+          <a:lnRef idx="2">
+            <a:schemeClr val="accent1">
+              <a:shade val="50000"/>
+            </a:schemeClr>
+          </a:lnRef>
+          <a:fillRef idx="1">
+            <a:schemeClr val="accent1"/>
+          </a:fillRef>
+          <a:effectRef idx="0">
+            <a:schemeClr val="accent1"/>
+          </a:effectRef>
+          <a:fontRef idx="minor">
+            <a:schemeClr val="lt1"/>
+          </a:fontRef>
+        </p:style>
+        <p:txBody>
+          <a:bodyPr/>
+          <a:p>
+            <a:pPr>
+              <a:defRPr/>
+            </a:pPr>
+            <a:endParaRPr/>
+          </a:p>
+          <a:p>
+            <a:pPr>
+              <a:defRPr/>
+            </a:pPr>
+            <a:r>
+              <a:rPr/>
+              <a:t>Slide 3 of 3</a:t>
+            </a:r>
+            <a:endParaRPr/>
+          </a:p>
+        </p:txBody>
+      </p:sp>
+      <p:sp>
+        <p:nvSpPr>
+          <p:cNvPr id="2040901126" name=""/>
+          <p:cNvSpPr/>
+          <p:nvPr/>
+        </p:nvSpPr>
+        <p:spPr bwMode="auto">
+          <a:xfrm rot="0" flipH="0" flipV="0">
+            <a:off x="608399" y="1267200"/>
+            <a:ext cx="3600000" cy="1800000"/>
+          </a:xfrm>
+          <a:prstGeom prst="rect">
+            <a:avLst/>
+          </a:prstGeom>
+          <a:noFill/>
+          <a:ln>
+            <a:noFill/>
+          </a:ln>
+        </p:spPr>
+        <p:style>
+          <a:lnRef idx="2">
+            <a:schemeClr val="accent1">
+              <a:shade val="50000"/>
+            </a:schemeClr>
+          </a:lnRef>
+          <a:fillRef idx="1">
+            <a:schemeClr val="accent1"/>
+          </a:fillRef>
+          <a:effectRef idx="0">
+            <a:schemeClr val="accent1"/>
+          </a:effectRef>
+          <a:fontRef idx="minor">
+            <a:schemeClr val="lt1"/>
+          </a:fontRef>
+        </p:style>
+        <p:txBody>
+          <a:bodyPr/>
+          <a:p>
+            <a:pPr>
+              <a:defRPr/>
+            </a:pPr>
+            <a:endParaRPr/>
+          </a:p>
+          <a:p>
+            <a:pPr>
+              <a:defRPr/>
+            </a:pPr>
+            <a:r>
+              <a:rPr/>
+              <a:t>Slide 3 of 3</a:t>
+            </a:r>
+            <a:endParaRPr/>
+          </a:p>
+        </p:txBody>
+      </p:sp>
+      <p:sp>
+        <p:nvSpPr>
+          <p:cNvPr id="716073486" name=""/>
+          <p:cNvSpPr/>
+          <p:nvPr/>
+        </p:nvSpPr>
+        <p:spPr bwMode="auto">
+          <a:xfrm rot="0" flipH="0" flipV="0">
+            <a:off x="608399" y="1267200"/>
+            <a:ext cx="3600000" cy="1800000"/>
+          </a:xfrm>
+          <a:prstGeom prst="rect">
+            <a:avLst/>
+          </a:prstGeom>
+          <a:noFill/>
+          <a:ln>
+            <a:noFill/>
+          </a:ln>
+        </p:spPr>
+        <p:style>
+          <a:lnRef idx="2">
+            <a:schemeClr val="accent1">
+              <a:shade val="50000"/>
+            </a:schemeClr>
+          </a:lnRef>
+          <a:fillRef idx="1">
+            <a:schemeClr val="accent1"/>
+          </a:fillRef>
+          <a:effectRef idx="0">
+            <a:schemeClr val="accent1"/>
+          </a:effectRef>
+          <a:fontRef idx="minor">
+            <a:schemeClr val="lt1"/>
+          </a:fontRef>
+        </p:style>
+        <p:txBody>
+          <a:bodyPr/>
+          <a:p>
+            <a:pPr>
+              <a:defRPr/>
+            </a:pPr>
+            <a:endParaRPr/>
+          </a:p>
+          <a:p>
+            <a:pPr>
+              <a:defRPr/>
+            </a:pPr>
+            <a:r>
+              <a:rPr/>
+              <a:t>Slide 3 of 3</a:t>
+            </a:r>
+            <a:endParaRPr/>
+          </a:p>
+        </p:txBody>
+      </p:sp>
+      <p:sp>
+        <p:nvSpPr>
+          <p:cNvPr id="6920888" name=""/>
+          <p:cNvSpPr/>
+          <p:nvPr/>
+        </p:nvSpPr>
+        <p:spPr bwMode="auto">
+          <a:xfrm rot="0" flipH="0" flipV="0">
+            <a:off x="608399" y="1267200"/>
+            <a:ext cx="3600000" cy="1800000"/>
+          </a:xfrm>
+          <a:prstGeom prst="rect">
+            <a:avLst/>
+          </a:prstGeom>
+          <a:noFill/>
+          <a:ln>
+            <a:noFill/>
+          </a:ln>
+        </p:spPr>
+        <p:style>
+          <a:lnRef idx="2">
+            <a:schemeClr val="accent1">
+              <a:shade val="50000"/>
+            </a:schemeClr>
+          </a:lnRef>
+          <a:fillRef idx="1">
+            <a:schemeClr val="accent1"/>
+          </a:fillRef>
+          <a:effectRef idx="0">
+            <a:schemeClr val="accent1"/>
+          </a:effectRef>
+          <a:fontRef idx="minor">
+            <a:schemeClr val="lt1"/>
+          </a:fontRef>
+        </p:style>
+        <p:txBody>
+          <a:bodyPr/>
+          <a:p>
+            <a:pPr>
+              <a:defRPr/>
+            </a:pPr>
+            <a:endParaRPr/>
+          </a:p>
+          <a:p>
+            <a:pPr>
+              <a:defRPr/>
+            </a:pPr>
+            <a:r>
+              <a:rPr/>
+              <a:t>Slide 3 of 3</a:t>
+            </a:r>
+            <a:endParaRPr/>
+          </a:p>
+        </p:txBody>
+      </p:sp>
+      <p:sp>
+        <p:nvSpPr>
+          <p:cNvPr id="1707649357" name=""/>
+          <p:cNvSpPr/>
+          <p:nvPr/>
+        </p:nvSpPr>
+        <p:spPr bwMode="auto">
+          <a:xfrm rot="0" flipH="0" flipV="0">
+            <a:off x="608399" y="1267200"/>
+            <a:ext cx="3600000" cy="1800000"/>
+          </a:xfrm>
+          <a:prstGeom prst="rect">
+            <a:avLst/>
+          </a:prstGeom>
+          <a:noFill/>
+          <a:ln>
+            <a:noFill/>
+          </a:ln>
+        </p:spPr>
+        <p:style>
+          <a:lnRef idx="2">
+            <a:schemeClr val="accent1">
+              <a:shade val="50000"/>
+            </a:schemeClr>
+          </a:lnRef>
+          <a:fillRef idx="1">
+            <a:schemeClr val="accent1"/>
+          </a:fillRef>
+          <a:effectRef idx="0">
+            <a:schemeClr val="accent1"/>
+          </a:effectRef>
+          <a:fontRef idx="minor">
+            <a:schemeClr val="lt1"/>
+          </a:fontRef>
+        </p:style>
+        <p:txBody>
+          <a:bodyPr/>
+          <a:p>
+            <a:pPr>
+              <a:defRPr/>
+            </a:pPr>
+            <a:endParaRPr/>
+          </a:p>
+          <a:p>
+            <a:pPr>
+              <a:defRPr/>
+            </a:pPr>
+            <a:r>
+              <a:rPr/>
+              <a:t>Slide 3 of 3</a:t>
+            </a:r>
+            <a:endParaRPr/>
+          </a:p>
+        </p:txBody>
+      </p:sp>
+    </p:spTree>
+  </p:cSld>
+  <p:clrMapOvr>
+    <a:masterClrMapping/>
+  </p:clrMapOvr>
+  <mc:AlternateContent xmlns:mc="http://schemas.openxmlformats.org/markup-compatibility/2006">
+    <mc:Choice xmlns:p159="http://schemas.microsoft.com/office/powerpoint/2015/09/main" xmlns:p14="http://schemas.microsoft.com/office/powerpoint/2010/main" Requires="p159">
+      <p:transition p14:dur="2000" advClick="1"/>
+    </mc:Choice>
+    <mc:Fallback>
+      <p:transition advClick="1"/>
+    </mc:Fallback>
+  </mc:AlternateContent>
+</p:sld>
+</file>
+
 <file path=ppt/slides/slide3.xml><?xml version="1.0" encoding="utf-8"?>
 <p:sld xmlns:a="http://schemas.openxmlformats.org/drawingml/2006/main" xmlns:r="http://schemas.openxmlformats.org/officeDocument/2006/relationships" xmlns:p="http://schemas.openxmlformats.org/presentationml/2006/main" xmlns:m="http://schemas.openxmlformats.org/officeDocument/2006/math" xmlns:w="http://schemas.openxmlformats.org/wordprocessingml/2006/main" xmlns:mc="http://schemas.openxmlformats.org/markup-compatibility/2006" showMasterPhAnim="0" showMasterSp="1" show="1">
   <p:cSld name="">
@@ -12863,7 +16447,7 @@
       </p:grpSpPr>
       <p:sp>
         <p:nvSpPr>
-          <p:cNvPr id="282089905" name="Date Placeholder 3"/>
+          <p:cNvPr id="986722939" name="Date Placeholder 3"/>
           <p:cNvSpPr>
             <a:spLocks noGrp="1"/>
           </p:cNvSpPr>
@@ -12889,7 +16473,7 @@
       </p:sp>
       <p:sp>
         <p:nvSpPr>
-          <p:cNvPr id="1590762647" name="Footer Placeholder 4"/>
+          <p:cNvPr id="1832452036" name="Footer Placeholder 4"/>
           <p:cNvSpPr>
             <a:spLocks noGrp="1"/>
           </p:cNvSpPr>
@@ -12915,7 +16499,7 @@
       </p:sp>
       <p:sp>
         <p:nvSpPr>
-          <p:cNvPr id="192103245" name="Slide Number Placeholder 5"/>
+          <p:cNvPr id="973811469" name="Slide Number Placeholder 5"/>
           <p:cNvSpPr>
             <a:spLocks noGrp="1"/>
           </p:cNvSpPr>
@@ -12941,7 +16525,7 @@
       </p:sp>
       <p:sp>
         <p:nvSpPr>
-          <p:cNvPr id="1358915972" name="Title 1"/>
+          <p:cNvPr id="248972484" name="Title 1"/>
           <p:cNvSpPr>
             <a:spLocks noGrp="1"/>
           </p:cNvSpPr>
@@ -12967,7 +16551,7 @@
       </p:sp>
       <p:sp>
         <p:nvSpPr>
-          <p:cNvPr id="1843140151" name="Text Placeholder 2"/>
+          <p:cNvPr id="767190546" name="Text Placeholder 2"/>
           <p:cNvSpPr>
             <a:spLocks noGrp="1"/>
           </p:cNvSpPr>
@@ -13073,7 +16657,7 @@
       </p:sp>
       <p:pic>
         <p:nvPicPr>
-          <p:cNvPr id="1528096067" name=""/>
+          <p:cNvPr id="1154474881" name=""/>
           <p:cNvPicPr>
             <a:picLocks noChangeAspect="1"/>
           </p:cNvPicPr>
@@ -13095,7 +16679,7 @@
       </p:pic>
       <p:sp>
         <p:nvSpPr>
-          <p:cNvPr id="2121215837" name=""/>
+          <p:cNvPr id="1898017657" name=""/>
           <p:cNvSpPr txBox="1"/>
           <p:nvPr/>
         </p:nvSpPr>
@@ -13218,7 +16802,7 @@
       </p:sp>
       <p:pic>
         <p:nvPicPr>
-          <p:cNvPr id="275415425" name=""/>
+          <p:cNvPr id="1186382513" name=""/>
           <p:cNvPicPr>
             <a:picLocks noChangeAspect="1"/>
           </p:cNvPicPr>
@@ -13240,7 +16824,7 @@
       </p:pic>
       <p:sp>
         <p:nvSpPr>
-          <p:cNvPr id="221355829" name=""/>
+          <p:cNvPr id="1977896121" name=""/>
           <p:cNvSpPr/>
           <p:nvPr/>
         </p:nvSpPr>
@@ -13350,7 +16934,7 @@
       </p:grpSpPr>
       <p:sp>
         <p:nvSpPr>
-          <p:cNvPr id="1697540578" name="Title 1"/>
+          <p:cNvPr id="1590503552" name="Title 1"/>
           <p:cNvSpPr>
             <a:spLocks noGrp="1"/>
           </p:cNvSpPr>
@@ -13376,7 +16960,7 @@
       </p:sp>
       <p:sp>
         <p:nvSpPr>
-          <p:cNvPr id="606894223" name="Date Placeholder 3"/>
+          <p:cNvPr id="1545467830" name="Date Placeholder 3"/>
           <p:cNvSpPr>
             <a:spLocks noGrp="1"/>
           </p:cNvSpPr>
@@ -13402,7 +16986,7 @@
       </p:sp>
       <p:sp>
         <p:nvSpPr>
-          <p:cNvPr id="1821009458" name="Footer Placeholder 4"/>
+          <p:cNvPr id="20715909" name="Footer Placeholder 4"/>
           <p:cNvSpPr>
             <a:spLocks noGrp="1"/>
           </p:cNvSpPr>
@@ -13428,7 +17012,7 @@
       </p:sp>
       <p:sp>
         <p:nvSpPr>
-          <p:cNvPr id="416198350" name="Slide Number Placeholder 5"/>
+          <p:cNvPr id="2073510856" name="Slide Number Placeholder 5"/>
           <p:cNvSpPr>
             <a:spLocks noGrp="1"/>
           </p:cNvSpPr>
@@ -13454,7 +17038,7 @@
       </p:sp>
       <p:sp>
         <p:nvSpPr>
-          <p:cNvPr id="1165578432" name="Text Placeholder 2"/>
+          <p:cNvPr id="477228729" name="Text Placeholder 2"/>
           <p:cNvSpPr>
             <a:spLocks noGrp="1"/>
           </p:cNvSpPr>
@@ -13536,7 +17120,7 @@
       </p:sp>
       <p:pic>
         <p:nvPicPr>
-          <p:cNvPr id="1349686370" name=""/>
+          <p:cNvPr id="1719020309" name=""/>
           <p:cNvPicPr>
             <a:picLocks noChangeAspect="1"/>
           </p:cNvPicPr>
@@ -13558,7 +17142,7 @@
       </p:pic>
       <p:sp>
         <p:nvSpPr>
-          <p:cNvPr id="2024487484" name=""/>
+          <p:cNvPr id="1068116785" name=""/>
           <p:cNvSpPr/>
           <p:nvPr/>
         </p:nvSpPr>
@@ -13646,7 +17230,7 @@
       </p:sp>
       <p:sp>
         <p:nvSpPr>
-          <p:cNvPr id="1603650597" name=""/>
+          <p:cNvPr id="1262470563" name=""/>
           <p:cNvSpPr/>
           <p:nvPr/>
         </p:nvSpPr>
@@ -13768,7 +17352,7 @@
       </p:grpSpPr>
       <p:sp>
         <p:nvSpPr>
-          <p:cNvPr id="319338276" name="Title 1"/>
+          <p:cNvPr id="765112653" name="Title 1"/>
           <p:cNvSpPr>
             <a:spLocks noGrp="1"/>
           </p:cNvSpPr>
@@ -13794,7 +17378,7 @@
       </p:sp>
       <p:sp>
         <p:nvSpPr>
-          <p:cNvPr id="1741117300" name="Date Placeholder 3"/>
+          <p:cNvPr id="1715974526" name="Date Placeholder 3"/>
           <p:cNvSpPr>
             <a:spLocks noGrp="1"/>
           </p:cNvSpPr>
@@ -13820,7 +17404,7 @@
       </p:sp>
       <p:sp>
         <p:nvSpPr>
-          <p:cNvPr id="725899759" name="Footer Placeholder 4"/>
+          <p:cNvPr id="516595722" name="Footer Placeholder 4"/>
           <p:cNvSpPr>
             <a:spLocks noGrp="1"/>
           </p:cNvSpPr>
@@ -13846,7 +17430,7 @@
       </p:sp>
       <p:sp>
         <p:nvSpPr>
-          <p:cNvPr id="429089667" name="Slide Number Placeholder 5"/>
+          <p:cNvPr id="1014723702" name="Slide Number Placeholder 5"/>
           <p:cNvSpPr>
             <a:spLocks noGrp="1"/>
           </p:cNvSpPr>
@@ -13872,7 +17456,7 @@
       </p:sp>
       <p:sp>
         <p:nvSpPr>
-          <p:cNvPr id="200660802" name="Text Placeholder 2"/>
+          <p:cNvPr id="1023779278" name="Text Placeholder 2"/>
           <p:cNvSpPr>
             <a:spLocks noGrp="1"/>
           </p:cNvSpPr>
@@ -14010,7 +17594,7 @@
       </p:sp>
       <p:grpSp>
         <p:nvGrpSpPr>
-          <p:cNvPr id="68455951" name=""/>
+          <p:cNvPr id="1593611927" name=""/>
           <p:cNvGrpSpPr/>
           <p:nvPr/>
         </p:nvGrpSpPr>
@@ -15431,7 +19015,7 @@
       </p:grpSp>
       <p:pic>
         <p:nvPicPr>
-          <p:cNvPr id="1158242667" name=""/>
+          <p:cNvPr id="1245519183" name=""/>
           <p:cNvPicPr>
             <a:picLocks noChangeAspect="1"/>
           </p:cNvPicPr>
@@ -15453,7 +19037,7 @@
       </p:pic>
       <p:sp>
         <p:nvSpPr>
-          <p:cNvPr id="1547444723" name=""/>
+          <p:cNvPr id="1878722399" name=""/>
           <p:cNvSpPr txBox="1"/>
           <p:nvPr/>
         </p:nvSpPr>
@@ -15492,7 +19076,7 @@
       </p:sp>
       <p:sp>
         <p:nvSpPr>
-          <p:cNvPr id="1317163248" name=""/>
+          <p:cNvPr id="766133606" name=""/>
           <p:cNvSpPr/>
           <p:nvPr/>
         </p:nvSpPr>
@@ -15613,7 +19197,7 @@
       </p:sp>
       <p:sp>
         <p:nvSpPr>
-          <p:cNvPr id="460554639" name=""/>
+          <p:cNvPr id="220819936" name=""/>
           <p:cNvSpPr txBox="1"/>
           <p:nvPr/>
         </p:nvSpPr>
@@ -15701,7 +19285,7 @@
       </p:grpSpPr>
       <p:sp>
         <p:nvSpPr>
-          <p:cNvPr id="442617714" name="Title 1"/>
+          <p:cNvPr id="603967987" name="Title 1"/>
           <p:cNvSpPr>
             <a:spLocks noGrp="1"/>
           </p:cNvSpPr>
@@ -15727,7 +19311,7 @@
       </p:sp>
       <p:sp>
         <p:nvSpPr>
-          <p:cNvPr id="403359911" name="Date Placeholder 3"/>
+          <p:cNvPr id="133261385" name="Date Placeholder 3"/>
           <p:cNvSpPr>
             <a:spLocks noGrp="1"/>
           </p:cNvSpPr>
@@ -15753,7 +19337,7 @@
       </p:sp>
       <p:sp>
         <p:nvSpPr>
-          <p:cNvPr id="977362808" name="Footer Placeholder 4"/>
+          <p:cNvPr id="1119146053" name="Footer Placeholder 4"/>
           <p:cNvSpPr>
             <a:spLocks noGrp="1"/>
           </p:cNvSpPr>
@@ -15779,7 +19363,7 @@
       </p:sp>
       <p:sp>
         <p:nvSpPr>
-          <p:cNvPr id="2112750365" name="Slide Number Placeholder 5"/>
+          <p:cNvPr id="253088867" name="Slide Number Placeholder 5"/>
           <p:cNvSpPr>
             <a:spLocks noGrp="1"/>
           </p:cNvSpPr>
@@ -15805,7 +19389,7 @@
       </p:sp>
       <p:sp>
         <p:nvSpPr>
-          <p:cNvPr id="816242223" name="Text Placeholder 2"/>
+          <p:cNvPr id="41131835" name="Text Placeholder 2"/>
           <p:cNvSpPr>
             <a:spLocks noGrp="1"/>
           </p:cNvSpPr>
@@ -15961,7 +19545,7 @@
       </p:sp>
       <p:sp>
         <p:nvSpPr>
-          <p:cNvPr id="2136184128" name=""/>
+          <p:cNvPr id="1838684873" name=""/>
           <p:cNvSpPr txBox="1"/>
           <p:nvPr/>
         </p:nvSpPr>
@@ -16000,7 +19584,7 @@
       </p:sp>
       <p:sp>
         <p:nvSpPr>
-          <p:cNvPr id="1231462647" name=""/>
+          <p:cNvPr id="681413780" name=""/>
           <p:cNvSpPr txBox="1"/>
           <p:nvPr/>
         </p:nvSpPr>
@@ -16055,7 +19639,7 @@
       </p:sp>
       <p:grpSp>
         <p:nvGrpSpPr>
-          <p:cNvPr id="1581479821" name=""/>
+          <p:cNvPr id="1502791800" name=""/>
           <p:cNvGrpSpPr/>
           <p:nvPr/>
         </p:nvGrpSpPr>
@@ -17653,7 +21237,7 @@
       </p:grpSp>
       <p:pic>
         <p:nvPicPr>
-          <p:cNvPr id="1913947512" name=""/>
+          <p:cNvPr id="668035333" name=""/>
           <p:cNvPicPr>
             <a:picLocks noChangeAspect="1"/>
           </p:cNvPicPr>
@@ -17708,7 +21292,7 @@
       </p:grpSpPr>
       <p:sp>
         <p:nvSpPr>
-          <p:cNvPr id="1292037113" name="Title 1"/>
+          <p:cNvPr id="2119123157" name="Title 1"/>
           <p:cNvSpPr>
             <a:spLocks noGrp="1"/>
           </p:cNvSpPr>
@@ -17734,7 +21318,7 @@
       </p:sp>
       <p:sp>
         <p:nvSpPr>
-          <p:cNvPr id="2026717578" name="Date Placeholder 3"/>
+          <p:cNvPr id="1166591914" name="Date Placeholder 3"/>
           <p:cNvSpPr>
             <a:spLocks noGrp="1"/>
           </p:cNvSpPr>
@@ -17760,7 +21344,7 @@
       </p:sp>
       <p:sp>
         <p:nvSpPr>
-          <p:cNvPr id="125858212" name="Footer Placeholder 4"/>
+          <p:cNvPr id="1272229101" name="Footer Placeholder 4"/>
           <p:cNvSpPr>
             <a:spLocks noGrp="1"/>
           </p:cNvSpPr>
@@ -17786,7 +21370,7 @@
       </p:sp>
       <p:sp>
         <p:nvSpPr>
-          <p:cNvPr id="445974729" name="Slide Number Placeholder 5"/>
+          <p:cNvPr id="1504759556" name="Slide Number Placeholder 5"/>
           <p:cNvSpPr>
             <a:spLocks noGrp="1"/>
           </p:cNvSpPr>
@@ -17812,7 +21396,7 @@
       </p:sp>
       <p:sp>
         <p:nvSpPr>
-          <p:cNvPr id="815881990" name="Text Placeholder 2"/>
+          <p:cNvPr id="1354776190" name="Text Placeholder 2"/>
           <p:cNvSpPr>
             <a:spLocks noGrp="1"/>
           </p:cNvSpPr>
@@ -17902,7 +21486,7 @@
       </p:sp>
       <p:pic>
         <p:nvPicPr>
-          <p:cNvPr id="1611448475" name=""/>
+          <p:cNvPr id="87029498" name=""/>
           <p:cNvPicPr>
             <a:picLocks noChangeAspect="1"/>
           </p:cNvPicPr>
@@ -17924,7 +21508,7 @@
       </p:pic>
       <p:pic>
         <p:nvPicPr>
-          <p:cNvPr id="1665648593" name=""/>
+          <p:cNvPr id="1917392243" name=""/>
           <p:cNvPicPr>
             <a:picLocks noChangeAspect="1"/>
           </p:cNvPicPr>
@@ -17946,7 +21530,7 @@
       </p:pic>
       <p:pic>
         <p:nvPicPr>
-          <p:cNvPr id="325223155" name=""/>
+          <p:cNvPr id="1313870716" name=""/>
           <p:cNvPicPr>
             <a:picLocks noChangeAspect="1"/>
           </p:cNvPicPr>
@@ -17968,7 +21552,7 @@
       </p:pic>
       <p:sp>
         <p:nvSpPr>
-          <p:cNvPr id="28963913" name=""/>
+          <p:cNvPr id="806765123" name=""/>
           <p:cNvSpPr txBox="1"/>
           <p:nvPr/>
         </p:nvSpPr>
@@ -18032,7 +21616,7 @@
       </p:sp>
       <p:sp>
         <p:nvSpPr>
-          <p:cNvPr id="1010353772" name=""/>
+          <p:cNvPr id="781139095" name=""/>
           <p:cNvSpPr txBox="1"/>
           <p:nvPr/>
         </p:nvSpPr>
@@ -18179,7 +21763,7 @@
       </p:grpSpPr>
       <p:sp>
         <p:nvSpPr>
-          <p:cNvPr id="574979661" name="Title 1"/>
+          <p:cNvPr id="20249912" name="Title 1"/>
           <p:cNvSpPr>
             <a:spLocks noGrp="1"/>
           </p:cNvSpPr>
@@ -18205,7 +21789,7 @@
       </p:sp>
       <p:sp>
         <p:nvSpPr>
-          <p:cNvPr id="1263830052" name="Date Placeholder 3"/>
+          <p:cNvPr id="82229490" name="Date Placeholder 3"/>
           <p:cNvSpPr>
             <a:spLocks noGrp="1"/>
           </p:cNvSpPr>
@@ -18231,7 +21815,7 @@
       </p:sp>
       <p:sp>
         <p:nvSpPr>
-          <p:cNvPr id="1858694134" name="Footer Placeholder 4"/>
+          <p:cNvPr id="807056359" name="Footer Placeholder 4"/>
           <p:cNvSpPr>
             <a:spLocks noGrp="1"/>
           </p:cNvSpPr>
@@ -18257,7 +21841,7 @@
       </p:sp>
       <p:sp>
         <p:nvSpPr>
-          <p:cNvPr id="1300178005" name="Slide Number Placeholder 5"/>
+          <p:cNvPr id="1050112776" name="Slide Number Placeholder 5"/>
           <p:cNvSpPr>
             <a:spLocks noGrp="1"/>
           </p:cNvSpPr>
@@ -18283,7 +21867,7 @@
       </p:sp>
       <p:sp>
         <p:nvSpPr>
-          <p:cNvPr id="587040766" name="Text Placeholder 2"/>
+          <p:cNvPr id="1677617074" name="Text Placeholder 2"/>
           <p:cNvSpPr>
             <a:spLocks noGrp="1"/>
           </p:cNvSpPr>
@@ -18369,7 +21953,7 @@
       </p:sp>
       <p:pic>
         <p:nvPicPr>
-          <p:cNvPr id="525455402" name=""/>
+          <p:cNvPr id="1402756789" name=""/>
           <p:cNvPicPr>
             <a:picLocks noChangeAspect="1"/>
           </p:cNvPicPr>
@@ -18392,7 +21976,7 @@
       </p:pic>
       <p:pic>
         <p:nvPicPr>
-          <p:cNvPr id="357117215" name=""/>
+          <p:cNvPr id="2116008905" name=""/>
           <p:cNvPicPr>
             <a:picLocks noChangeAspect="1"/>
           </p:cNvPicPr>
@@ -18414,7 +21998,7 @@
       </p:pic>
       <p:sp>
         <p:nvSpPr>
-          <p:cNvPr id="1276434517" name=""/>
+          <p:cNvPr id="1851435634" name=""/>
           <p:cNvSpPr/>
           <p:nvPr/>
         </p:nvSpPr>
@@ -18554,7 +22138,7 @@
       </p:sp>
       <p:sp>
         <p:nvSpPr>
-          <p:cNvPr id="1651494060" name=""/>
+          <p:cNvPr id="2086483616" name=""/>
           <p:cNvSpPr txBox="1"/>
           <p:nvPr/>
         </p:nvSpPr>
@@ -18593,7 +22177,7 @@
       </p:sp>
       <p:sp>
         <p:nvSpPr>
-          <p:cNvPr id="991664366" name=""/>
+          <p:cNvPr id="1500110415" name=""/>
           <p:cNvSpPr/>
           <p:nvPr/>
         </p:nvSpPr>
@@ -18755,7 +22339,7 @@
       </p:grpSpPr>
       <p:sp>
         <p:nvSpPr>
-          <p:cNvPr id="1148606077" name="Title 1"/>
+          <p:cNvPr id="570111237" name="Title 1"/>
           <p:cNvSpPr>
             <a:spLocks noGrp="1"/>
           </p:cNvSpPr>
@@ -18781,7 +22365,7 @@
       </p:sp>
       <p:sp>
         <p:nvSpPr>
-          <p:cNvPr id="1216939343" name="Date Placeholder 3"/>
+          <p:cNvPr id="1045074097" name="Date Placeholder 3"/>
           <p:cNvSpPr>
             <a:spLocks noGrp="1"/>
           </p:cNvSpPr>
@@ -18807,7 +22391,7 @@
       </p:sp>
       <p:sp>
         <p:nvSpPr>
-          <p:cNvPr id="1053442779" name="Footer Placeholder 4"/>
+          <p:cNvPr id="2007983047" name="Footer Placeholder 4"/>
           <p:cNvSpPr>
             <a:spLocks noGrp="1"/>
           </p:cNvSpPr>
@@ -18833,7 +22417,7 @@
       </p:sp>
       <p:sp>
         <p:nvSpPr>
-          <p:cNvPr id="494856510" name="Slide Number Placeholder 5"/>
+          <p:cNvPr id="2069617898" name="Slide Number Placeholder 5"/>
           <p:cNvSpPr>
             <a:spLocks noGrp="1"/>
           </p:cNvSpPr>
@@ -18859,7 +22443,7 @@
       </p:sp>
       <p:sp>
         <p:nvSpPr>
-          <p:cNvPr id="1860630408" name="Text Placeholder 2"/>
+          <p:cNvPr id="2115884172" name="Text Placeholder 2"/>
           <p:cNvSpPr>
             <a:spLocks noGrp="1"/>
           </p:cNvSpPr>
@@ -18949,7 +22533,7 @@
       </p:sp>
       <p:sp>
         <p:nvSpPr>
-          <p:cNvPr id="726015696" name=""/>
+          <p:cNvPr id="437695499" name=""/>
           <p:cNvSpPr txBox="1"/>
           <p:nvPr/>
         </p:nvSpPr>
@@ -19107,7 +22691,7 @@
       </p:sp>
       <p:sp>
         <p:nvSpPr>
-          <p:cNvPr id="1267449620" name=""/>
+          <p:cNvPr id="371705446" name=""/>
           <p:cNvSpPr txBox="1"/>
           <p:nvPr/>
         </p:nvSpPr>
@@ -19220,7 +22804,7 @@
       </p:sp>
       <p:pic>
         <p:nvPicPr>
-          <p:cNvPr id="1926524078" name=""/>
+          <p:cNvPr id="576776086" name=""/>
           <p:cNvPicPr>
             <a:picLocks noChangeAspect="1"/>
           </p:cNvPicPr>
@@ -19242,7 +22826,7 @@
       </p:pic>
       <p:pic>
         <p:nvPicPr>
-          <p:cNvPr id="1815223512" name=""/>
+          <p:cNvPr id="915577853" name=""/>
           <p:cNvPicPr>
             <a:picLocks noChangeAspect="1"/>
           </p:cNvPicPr>
@@ -19264,7 +22848,7 @@
       </p:pic>
       <p:sp>
         <p:nvSpPr>
-          <p:cNvPr id="575198185" name=""/>
+          <p:cNvPr id="1499679789" name=""/>
           <p:cNvSpPr txBox="1"/>
           <p:nvPr/>
         </p:nvSpPr>
